--- a/Kochanek_projekt_II_it_use_liability.pptx
+++ b/Kochanek_projekt_II_it_use_liability.pptx
@@ -3638,7 +3638,12 @@
             <p:ph idx="1"/>
           </p:nvPr>
         </p:nvSpPr>
-        <p:spPr/>
+        <p:spPr>
+          <a:xfrm>
+            <a:off x="1440000" y="2544611"/>
+            <a:ext cx="10392000" cy="3528000"/>
+          </a:xfrm>
+        </p:spPr>
         <p:txBody>
           <a:bodyPr vert="horz" lIns="91440" tIns="45720" rIns="91440" bIns="45720" rtlCol="0" anchor="t">
             <a:normAutofit/>
@@ -3662,7 +3667,27 @@
             </a:endParaRPr>
           </a:p>
           <a:p>
-            <a:endParaRPr lang="en-US">
+            <a:r>
+              <a:rPr lang="cs-CZ" dirty="0">
+                <a:cs typeface="Calibri"/>
+              </a:rPr>
+              <a:t>Paragrafy</a:t>
+            </a:r>
+            <a:r>
+              <a:rPr lang="en-US" dirty="0">
+                <a:cs typeface="Calibri"/>
+              </a:rPr>
+              <a:t> </a:t>
+            </a:r>
+            <a:r>
+              <a:rPr lang="cs-CZ" dirty="0">
+                <a:cs typeface="Calibri"/>
+              </a:rPr>
+              <a:t>trestního zákoníku</a:t>
+            </a:r>
+          </a:p>
+          <a:p>
+            <a:endParaRPr lang="en-US" dirty="0">
               <a:cs typeface="Calibri"/>
             </a:endParaRPr>
           </a:p>
@@ -3861,25 +3886,88 @@
         </p:nvSpPr>
         <p:spPr>
           <a:xfrm>
-            <a:off x="1439999" y="2665046"/>
-            <a:ext cx="10392000" cy="3922720"/>
+            <a:off x="1210614" y="2665046"/>
+            <a:ext cx="10621385" cy="3922720"/>
           </a:xfrm>
         </p:spPr>
         <p:txBody>
-          <a:bodyPr/>
+          <a:bodyPr>
+            <a:normAutofit/>
+          </a:bodyPr>
           <a:lstStyle/>
           <a:p>
-            <a:r>
-              <a:rPr lang="cs-CZ" b="0" i="0" dirty="0">
-                <a:solidFill>
-                  <a:srgbClr val="000000"/>
-                </a:solidFill>
+            <a:pPr marL="102870" algn="just">
+              <a:spcBef>
+                <a:spcPts val="490"/>
+              </a:spcBef>
+              <a:spcAft>
+                <a:spcPts val="0"/>
+              </a:spcAft>
+              <a:tabLst>
+                <a:tab pos="4727575" algn="l"/>
+              </a:tabLst>
+            </a:pPr>
+            <a:r>
+              <a:rPr lang="cs-CZ" sz="2400" spc="-65" dirty="0">
                 <a:effectLst/>
-                <a:latin typeface="Calibri" panose="020F0502020204030204" pitchFamily="34" charset="0"/>
-              </a:rPr>
-              <a:t>Vyberte vhodný nástroj na simulaci DDoS útoků. Otestujte, jaký RPS vydrží web server, který vám určí vedoucí práce. Následně webserver ochraňte pomocí vhodného nástroje (např. CloudFlare DDoS Protection for Web Applications) a opět pomocí simulace ověřte odolnost vůči DDoS.</a:t>
-            </a:r>
-            <a:endParaRPr lang="cs-CZ" dirty="0"/>
+                <a:latin typeface="+mj-lt"/>
+                <a:ea typeface="Arial" panose="020B0604020202020204" pitchFamily="34" charset="0"/>
+              </a:rPr>
+              <a:t>Seznamte se s příslušnými paragrafy Trestního zákoníku, které se týkají použití  výpočetní techniky a pohybu na Internetu.</a:t>
+            </a:r>
+            <a:r>
+              <a:rPr lang="en-US" sz="2400" spc="-65" dirty="0">
+                <a:effectLst/>
+                <a:latin typeface="+mj-lt"/>
+                <a:ea typeface="Arial" panose="020B0604020202020204" pitchFamily="34" charset="0"/>
+              </a:rPr>
+              <a:t> </a:t>
+            </a:r>
+            <a:r>
+              <a:rPr lang="cs-CZ" sz="2400" spc="-65" dirty="0">
+                <a:effectLst/>
+                <a:latin typeface="+mj-lt"/>
+                <a:ea typeface="Arial" panose="020B0604020202020204" pitchFamily="34" charset="0"/>
+              </a:rPr>
+              <a:t>Dále se seznamte se Zákonem o kybernetické bezpečnosti a jeho dopadem na běžného uživatele. Seznamte se s tím</a:t>
+            </a:r>
+            <a:r>
+              <a:rPr lang="en-US" sz="2400" spc="-65" dirty="0">
+                <a:effectLst/>
+                <a:latin typeface="+mj-lt"/>
+                <a:ea typeface="Arial" panose="020B0604020202020204" pitchFamily="34" charset="0"/>
+              </a:rPr>
+              <a:t>, </a:t>
+            </a:r>
+            <a:r>
+              <a:rPr lang="cs-CZ" sz="2400" spc="-65" dirty="0">
+                <a:effectLst/>
+                <a:latin typeface="+mj-lt"/>
+                <a:ea typeface="Arial" panose="020B0604020202020204" pitchFamily="34" charset="0"/>
+              </a:rPr>
+              <a:t>jaké povinnosti má běžný uživatel zařízení (počítač, mobil) s internetovým připojením. Shrňte právní odpovědnost  uživatele  do základního velmi  jednoduchého a přehledného materiálu, který bude možno použít pro vzdělávání laiků v této oblasti. Cílem tohoto projektu je  jednak pro studenta  zvýšení znalosti toho,  co je legální a kdy už porušuje zákon v </a:t>
+            </a:r>
+            <a:r>
+              <a:rPr lang="cs-CZ" sz="2400" spc="-65" dirty="0" err="1">
+                <a:effectLst/>
+                <a:latin typeface="+mj-lt"/>
+                <a:ea typeface="Arial" panose="020B0604020202020204" pitchFamily="34" charset="0"/>
+              </a:rPr>
+              <a:t>kyber</a:t>
+            </a:r>
+            <a:r>
+              <a:rPr lang="cs-CZ" sz="2400" spc="-65" dirty="0">
+                <a:effectLst/>
+                <a:latin typeface="+mj-lt"/>
+                <a:ea typeface="Arial" panose="020B0604020202020204" pitchFamily="34" charset="0"/>
+              </a:rPr>
+              <a:t> prostředí,  a dále vypracování materiálu.</a:t>
+            </a:r>
+            <a:endParaRPr lang="cs-CZ" sz="2400" dirty="0">
+              <a:effectLst/>
+              <a:latin typeface="+mj-lt"/>
+              <a:ea typeface="Arial" panose="020B0604020202020204" pitchFamily="34" charset="0"/>
+            </a:endParaRPr>
           </a:p>
         </p:txBody>
       </p:sp>

--- a/Kochanek_projekt_II_it_use_liability.pptx
+++ b/Kochanek_projekt_II_it_use_liability.pptx
@@ -5,29 +5,17 @@
     <p:sldMasterId id="2147483660" r:id="rId1"/>
   </p:sldMasterIdLst>
   <p:notesMasterIdLst>
-    <p:notesMasterId r:id="rId22"/>
+    <p:notesMasterId r:id="rId10"/>
   </p:notesMasterIdLst>
   <p:sldIdLst>
     <p:sldId id="256" r:id="rId2"/>
     <p:sldId id="257" r:id="rId3"/>
     <p:sldId id="269" r:id="rId4"/>
-    <p:sldId id="259" r:id="rId5"/>
-    <p:sldId id="263" r:id="rId6"/>
+    <p:sldId id="267" r:id="rId5"/>
+    <p:sldId id="270" r:id="rId6"/>
     <p:sldId id="271" r:id="rId7"/>
-    <p:sldId id="266" r:id="rId8"/>
-    <p:sldId id="270" r:id="rId9"/>
-    <p:sldId id="272" r:id="rId10"/>
-    <p:sldId id="273" r:id="rId11"/>
-    <p:sldId id="274" r:id="rId12"/>
-    <p:sldId id="265" r:id="rId13"/>
-    <p:sldId id="275" r:id="rId14"/>
-    <p:sldId id="276" r:id="rId15"/>
-    <p:sldId id="277" r:id="rId16"/>
-    <p:sldId id="278" r:id="rId17"/>
-    <p:sldId id="279" r:id="rId18"/>
-    <p:sldId id="267" r:id="rId19"/>
-    <p:sldId id="268" r:id="rId20"/>
-    <p:sldId id="261" r:id="rId21"/>
+    <p:sldId id="268" r:id="rId8"/>
+    <p:sldId id="261" r:id="rId9"/>
   </p:sldIdLst>
   <p:sldSz cx="12192000" cy="6858000"/>
   <p:notesSz cx="6858000" cy="9144000"/>
@@ -495,90 +483,6 @@
     </a:lvl9pPr>
   </p:notesStyle>
 </p:notesMaster>
-</file>
-
-<file path=ppt/notesSlides/notesSlide1.xml><?xml version="1.0" encoding="utf-8"?>
-<p:notes xmlns:a="http://schemas.openxmlformats.org/drawingml/2006/main" xmlns:r="http://schemas.openxmlformats.org/officeDocument/2006/relationships" xmlns:p="http://schemas.openxmlformats.org/presentationml/2006/main">
-  <p:cSld>
-    <p:spTree>
-      <p:nvGrpSpPr>
-        <p:cNvPr id="1" name=""/>
-        <p:cNvGrpSpPr/>
-        <p:nvPr/>
-      </p:nvGrpSpPr>
-      <p:grpSpPr>
-        <a:xfrm>
-          <a:off x="0" y="0"/>
-          <a:ext cx="0" cy="0"/>
-          <a:chOff x="0" y="0"/>
-          <a:chExt cx="0" cy="0"/>
-        </a:xfrm>
-      </p:grpSpPr>
-      <p:sp>
-        <p:nvSpPr>
-          <p:cNvPr id="2" name="Zástupný symbol pro obrázek snímku 1"/>
-          <p:cNvSpPr>
-            <a:spLocks noGrp="1" noRot="1" noChangeAspect="1"/>
-          </p:cNvSpPr>
-          <p:nvPr>
-            <p:ph type="sldImg"/>
-          </p:nvPr>
-        </p:nvSpPr>
-        <p:spPr/>
-      </p:sp>
-      <p:sp>
-        <p:nvSpPr>
-          <p:cNvPr id="3" name="Zástupný symbol pro poznámky 2"/>
-          <p:cNvSpPr>
-            <a:spLocks noGrp="1"/>
-          </p:cNvSpPr>
-          <p:nvPr>
-            <p:ph type="body" idx="1"/>
-          </p:nvPr>
-        </p:nvSpPr>
-        <p:spPr/>
-        <p:txBody>
-          <a:bodyPr/>
-          <a:lstStyle/>
-          <a:p>
-            <a:endParaRPr lang="cs-CZ" dirty="0"/>
-          </a:p>
-        </p:txBody>
-      </p:sp>
-      <p:sp>
-        <p:nvSpPr>
-          <p:cNvPr id="4" name="Zástupný symbol pro číslo snímku 3"/>
-          <p:cNvSpPr>
-            <a:spLocks noGrp="1"/>
-          </p:cNvSpPr>
-          <p:nvPr>
-            <p:ph type="sldNum" sz="quarter" idx="5"/>
-          </p:nvPr>
-        </p:nvSpPr>
-        <p:spPr/>
-        <p:txBody>
-          <a:bodyPr/>
-          <a:lstStyle/>
-          <a:p>
-            <a:fld id="{53C9CD47-CE2C-4432-A61D-A7033D95743F}" type="slidenum">
-              <a:rPr lang="cs-CZ" smtClean="0"/>
-              <a:t>16</a:t>
-            </a:fld>
-            <a:endParaRPr lang="cs-CZ"/>
-          </a:p>
-        </p:txBody>
-      </p:sp>
-    </p:spTree>
-    <p:extLst>
-      <p:ext uri="{BB962C8B-B14F-4D97-AF65-F5344CB8AC3E}">
-        <p14:creationId xmlns:p14="http://schemas.microsoft.com/office/powerpoint/2010/main" val="397101556"/>
-      </p:ext>
-    </p:extLst>
-  </p:cSld>
-  <p:clrMapOvr>
-    <a:masterClrMapping/>
-  </p:clrMapOvr>
-</p:notes>
 </file>
 
 <file path=ppt/slideLayouts/slideLayout1.xml><?xml version="1.0" encoding="utf-8"?>
@@ -1926,1655 +1830,6 @@
 </p:sld>
 </file>
 
-<file path=ppt/slides/slide10.xml><?xml version="1.0" encoding="utf-8"?>
-<p:sld xmlns:a="http://schemas.openxmlformats.org/drawingml/2006/main" xmlns:r="http://schemas.openxmlformats.org/officeDocument/2006/relationships" xmlns:p="http://schemas.openxmlformats.org/presentationml/2006/main">
-  <p:cSld>
-    <p:spTree>
-      <p:nvGrpSpPr>
-        <p:cNvPr id="1" name=""/>
-        <p:cNvGrpSpPr/>
-        <p:nvPr/>
-      </p:nvGrpSpPr>
-      <p:grpSpPr>
-        <a:xfrm>
-          <a:off x="0" y="0"/>
-          <a:ext cx="0" cy="0"/>
-          <a:chOff x="0" y="0"/>
-          <a:chExt cx="0" cy="0"/>
-        </a:xfrm>
-      </p:grpSpPr>
-      <p:sp>
-        <p:nvSpPr>
-          <p:cNvPr id="2" name="Nadpis 1">
-            <a:extLst>
-              <a:ext uri="{FF2B5EF4-FFF2-40B4-BE49-F238E27FC236}">
-                <a16:creationId xmlns:a16="http://schemas.microsoft.com/office/drawing/2014/main" id="{AC3BC389-9879-4300-A8E7-8CE6512C268B}"/>
-              </a:ext>
-            </a:extLst>
-          </p:cNvPr>
-          <p:cNvSpPr>
-            <a:spLocks noGrp="1"/>
-          </p:cNvSpPr>
-          <p:nvPr>
-            <p:ph type="title"/>
-          </p:nvPr>
-        </p:nvSpPr>
-        <p:spPr/>
-        <p:txBody>
-          <a:bodyPr/>
-          <a:lstStyle/>
-          <a:p>
-            <a:r>
-              <a:rPr lang="cs-CZ" dirty="0"/>
-              <a:t>Hulk</a:t>
-            </a:r>
-          </a:p>
-        </p:txBody>
-      </p:sp>
-      <p:sp>
-        <p:nvSpPr>
-          <p:cNvPr id="3" name="Zástupný obsah 2">
-            <a:extLst>
-              <a:ext uri="{FF2B5EF4-FFF2-40B4-BE49-F238E27FC236}">
-                <a16:creationId xmlns:a16="http://schemas.microsoft.com/office/drawing/2014/main" id="{0291494D-F326-4240-8742-E73F533D153D}"/>
-              </a:ext>
-            </a:extLst>
-          </p:cNvPr>
-          <p:cNvSpPr>
-            <a:spLocks noGrp="1"/>
-          </p:cNvSpPr>
-          <p:nvPr>
-            <p:ph idx="1"/>
-          </p:nvPr>
-        </p:nvSpPr>
-        <p:spPr/>
-        <p:txBody>
-          <a:bodyPr/>
-          <a:lstStyle/>
-          <a:p>
-            <a:r>
-              <a:rPr lang="cs-CZ" dirty="0"/>
-              <a:t>Přiložen se souborem prezentace</a:t>
-            </a:r>
-          </a:p>
-          <a:p>
-            <a:r>
-              <a:rPr lang="cs-CZ" dirty="0"/>
-              <a:t>Napsán v jazyce Go nebo Python, tudíž možno provozovat na Linuxu, stačí </a:t>
-            </a:r>
-            <a:r>
-              <a:rPr lang="cs-CZ" dirty="0" err="1"/>
-              <a:t>buildnout</a:t>
-            </a:r>
-            <a:endParaRPr lang="cs-CZ" dirty="0"/>
-          </a:p>
-          <a:p>
-            <a:r>
-              <a:rPr lang="cs-CZ" dirty="0"/>
-              <a:t>Velká možnost nastavení, a velice výkonný.</a:t>
-            </a:r>
-          </a:p>
-          <a:p>
-            <a:endParaRPr lang="cs-CZ" dirty="0"/>
-          </a:p>
-          <a:p>
-            <a:endParaRPr lang="cs-CZ" dirty="0"/>
-          </a:p>
-          <a:p>
-            <a:endParaRPr lang="cs-CZ" dirty="0"/>
-          </a:p>
-          <a:p>
-            <a:endParaRPr lang="cs-CZ" dirty="0"/>
-          </a:p>
-          <a:p>
-            <a:r>
-              <a:rPr lang="en-US" dirty="0" err="1"/>
-              <a:t>Odkaz</a:t>
-            </a:r>
-            <a:r>
-              <a:rPr lang="en-US" dirty="0"/>
-              <a:t>: </a:t>
-            </a:r>
-            <a:r>
-              <a:rPr lang="cs-CZ" dirty="0"/>
-              <a:t>https://github.com/grafov/hulk</a:t>
-            </a:r>
-          </a:p>
-        </p:txBody>
-      </p:sp>
-      <p:pic>
-        <p:nvPicPr>
-          <p:cNvPr id="7" name="Obrázek 6">
-            <a:extLst>
-              <a:ext uri="{FF2B5EF4-FFF2-40B4-BE49-F238E27FC236}">
-                <a16:creationId xmlns:a16="http://schemas.microsoft.com/office/drawing/2014/main" id="{FDE2266F-A121-4778-82C5-FB1F0BB8D363}"/>
-              </a:ext>
-            </a:extLst>
-          </p:cNvPr>
-          <p:cNvPicPr>
-            <a:picLocks noChangeAspect="1"/>
-          </p:cNvPicPr>
-          <p:nvPr/>
-        </p:nvPicPr>
-        <p:blipFill>
-          <a:blip r:embed="rId2"/>
-          <a:stretch>
-            <a:fillRect/>
-          </a:stretch>
-        </p:blipFill>
-        <p:spPr>
-          <a:xfrm>
-            <a:off x="7151076" y="892927"/>
-            <a:ext cx="4563691" cy="1213566"/>
-          </a:xfrm>
-          <a:prstGeom prst="rect">
-            <a:avLst/>
-          </a:prstGeom>
-        </p:spPr>
-      </p:pic>
-    </p:spTree>
-    <p:extLst>
-      <p:ext uri="{BB962C8B-B14F-4D97-AF65-F5344CB8AC3E}">
-        <p14:creationId xmlns:p14="http://schemas.microsoft.com/office/powerpoint/2010/main" val="1370885453"/>
-      </p:ext>
-    </p:extLst>
-  </p:cSld>
-  <p:clrMapOvr>
-    <a:masterClrMapping/>
-  </p:clrMapOvr>
-</p:sld>
-</file>
-
-<file path=ppt/slides/slide11.xml><?xml version="1.0" encoding="utf-8"?>
-<p:sld xmlns:a="http://schemas.openxmlformats.org/drawingml/2006/main" xmlns:r="http://schemas.openxmlformats.org/officeDocument/2006/relationships" xmlns:p="http://schemas.openxmlformats.org/presentationml/2006/main">
-  <p:cSld>
-    <p:spTree>
-      <p:nvGrpSpPr>
-        <p:cNvPr id="1" name=""/>
-        <p:cNvGrpSpPr/>
-        <p:nvPr/>
-      </p:nvGrpSpPr>
-      <p:grpSpPr>
-        <a:xfrm>
-          <a:off x="0" y="0"/>
-          <a:ext cx="0" cy="0"/>
-          <a:chOff x="0" y="0"/>
-          <a:chExt cx="0" cy="0"/>
-        </a:xfrm>
-      </p:grpSpPr>
-      <p:sp>
-        <p:nvSpPr>
-          <p:cNvPr id="2" name="Nadpis 1">
-            <a:extLst>
-              <a:ext uri="{FF2B5EF4-FFF2-40B4-BE49-F238E27FC236}">
-                <a16:creationId xmlns:a16="http://schemas.microsoft.com/office/drawing/2014/main" id="{BAB02431-1243-4302-9F49-BA963FE2A7F5}"/>
-              </a:ext>
-            </a:extLst>
-          </p:cNvPr>
-          <p:cNvSpPr>
-            <a:spLocks noGrp="1"/>
-          </p:cNvSpPr>
-          <p:nvPr>
-            <p:ph type="title"/>
-          </p:nvPr>
-        </p:nvSpPr>
-        <p:spPr/>
-        <p:txBody>
-          <a:bodyPr/>
-          <a:lstStyle/>
-          <a:p>
-            <a:r>
-              <a:rPr lang="cs-CZ" dirty="0"/>
-              <a:t>Vlastní skript</a:t>
-            </a:r>
-          </a:p>
-        </p:txBody>
-      </p:sp>
-      <p:sp>
-        <p:nvSpPr>
-          <p:cNvPr id="3" name="Zástupný obsah 2">
-            <a:extLst>
-              <a:ext uri="{FF2B5EF4-FFF2-40B4-BE49-F238E27FC236}">
-                <a16:creationId xmlns:a16="http://schemas.microsoft.com/office/drawing/2014/main" id="{66182386-1049-4579-B52D-A54FD143D547}"/>
-              </a:ext>
-            </a:extLst>
-          </p:cNvPr>
-          <p:cNvSpPr>
-            <a:spLocks noGrp="1"/>
-          </p:cNvSpPr>
-          <p:nvPr>
-            <p:ph idx="1"/>
-          </p:nvPr>
-        </p:nvSpPr>
-        <p:spPr/>
-        <p:txBody>
-          <a:bodyPr/>
-          <a:lstStyle/>
-          <a:p>
-            <a:r>
-              <a:rPr lang="cs-CZ" dirty="0"/>
-              <a:t>Možnost ve většině programovacích jazyků</a:t>
-            </a:r>
-          </a:p>
-          <a:p>
-            <a:r>
-              <a:rPr lang="cs-CZ" dirty="0"/>
-              <a:t>Vytvoříte TCPConnection nebo HTTPRequest a pak už můžete</a:t>
-            </a:r>
-            <a:r>
-              <a:rPr lang="en-US" dirty="0"/>
-              <a:t> v </a:t>
-            </a:r>
-            <a:r>
-              <a:rPr lang="en-US" dirty="0" err="1"/>
-              <a:t>nekone</a:t>
-            </a:r>
-            <a:r>
-              <a:rPr lang="cs-CZ" dirty="0"/>
-              <a:t>čném cyklu otevírat připojení</a:t>
-            </a:r>
-          </a:p>
-          <a:p>
-            <a:r>
-              <a:rPr lang="cs-CZ" dirty="0"/>
-              <a:t>Můžete využít </a:t>
-            </a:r>
-            <a:r>
-              <a:rPr lang="cs-CZ" dirty="0" err="1"/>
-              <a:t>multithreading</a:t>
-            </a:r>
-            <a:r>
-              <a:rPr lang="cs-CZ" dirty="0"/>
-              <a:t> a využít více </a:t>
-            </a:r>
-            <a:r>
-              <a:rPr lang="cs-CZ" dirty="0" err="1"/>
-              <a:t>jáder</a:t>
-            </a:r>
-            <a:endParaRPr lang="cs-CZ" dirty="0"/>
-          </a:p>
-          <a:p>
-            <a:endParaRPr lang="cs-CZ" dirty="0"/>
-          </a:p>
-        </p:txBody>
-      </p:sp>
-    </p:spTree>
-    <p:extLst>
-      <p:ext uri="{BB962C8B-B14F-4D97-AF65-F5344CB8AC3E}">
-        <p14:creationId xmlns:p14="http://schemas.microsoft.com/office/powerpoint/2010/main" val="3851986501"/>
-      </p:ext>
-    </p:extLst>
-  </p:cSld>
-  <p:clrMapOvr>
-    <a:masterClrMapping/>
-  </p:clrMapOvr>
-</p:sld>
-</file>
-
-<file path=ppt/slides/slide12.xml><?xml version="1.0" encoding="utf-8"?>
-<p:sld xmlns:a="http://schemas.openxmlformats.org/drawingml/2006/main" xmlns:r="http://schemas.openxmlformats.org/officeDocument/2006/relationships" xmlns:p="http://schemas.openxmlformats.org/presentationml/2006/main">
-  <p:cSld>
-    <p:spTree>
-      <p:nvGrpSpPr>
-        <p:cNvPr id="1" name=""/>
-        <p:cNvGrpSpPr/>
-        <p:nvPr/>
-      </p:nvGrpSpPr>
-      <p:grpSpPr>
-        <a:xfrm>
-          <a:off x="0" y="0"/>
-          <a:ext cx="0" cy="0"/>
-          <a:chOff x="0" y="0"/>
-          <a:chExt cx="0" cy="0"/>
-        </a:xfrm>
-      </p:grpSpPr>
-      <p:sp>
-        <p:nvSpPr>
-          <p:cNvPr id="2" name="Nadpis 1">
-            <a:extLst>
-              <a:ext uri="{FF2B5EF4-FFF2-40B4-BE49-F238E27FC236}">
-                <a16:creationId xmlns:a16="http://schemas.microsoft.com/office/drawing/2014/main" id="{BB146E0F-A9BC-4639-9468-BA505217D289}"/>
-              </a:ext>
-            </a:extLst>
-          </p:cNvPr>
-          <p:cNvSpPr>
-            <a:spLocks noGrp="1"/>
-          </p:cNvSpPr>
-          <p:nvPr>
-            <p:ph type="title"/>
-          </p:nvPr>
-        </p:nvSpPr>
-        <p:spPr>
-          <a:xfrm>
-            <a:off x="1440000" y="1800000"/>
-            <a:ext cx="10392000" cy="556945"/>
-          </a:xfrm>
-        </p:spPr>
-        <p:txBody>
-          <a:bodyPr/>
-          <a:lstStyle/>
-          <a:p>
-            <a:r>
-              <a:rPr lang="cs-CZ" dirty="0">
-                <a:cs typeface="Calibri Light"/>
-              </a:rPr>
-              <a:t>Výběr ochrany</a:t>
-            </a:r>
-          </a:p>
-        </p:txBody>
-      </p:sp>
-      <p:sp>
-        <p:nvSpPr>
-          <p:cNvPr id="3" name="Zástupný obsah 2">
-            <a:extLst>
-              <a:ext uri="{FF2B5EF4-FFF2-40B4-BE49-F238E27FC236}">
-                <a16:creationId xmlns:a16="http://schemas.microsoft.com/office/drawing/2014/main" id="{5D92FB75-3AC4-437F-B304-011582AF9114}"/>
-              </a:ext>
-            </a:extLst>
-          </p:cNvPr>
-          <p:cNvSpPr>
-            <a:spLocks noGrp="1"/>
-          </p:cNvSpPr>
-          <p:nvPr>
-            <p:ph idx="1"/>
-          </p:nvPr>
-        </p:nvSpPr>
-        <p:spPr>
-          <a:xfrm>
-            <a:off x="1439999" y="2893671"/>
-            <a:ext cx="10392000" cy="3694095"/>
-          </a:xfrm>
-        </p:spPr>
-        <p:txBody>
-          <a:bodyPr vert="horz" lIns="91440" tIns="45720" rIns="91440" bIns="45720" rtlCol="0" anchor="t">
-            <a:normAutofit/>
-          </a:bodyPr>
-          <a:lstStyle/>
-          <a:p>
-            <a:r>
-              <a:rPr lang="cs-CZ" dirty="0">
-                <a:ea typeface="+mn-lt"/>
-                <a:cs typeface="+mn-lt"/>
-              </a:rPr>
-              <a:t>Existuje několik verzí: </a:t>
-            </a:r>
-          </a:p>
-          <a:p>
-            <a:pPr marL="342900" indent="-342900">
-              <a:buFontTx/>
-              <a:buChar char="-"/>
-            </a:pPr>
-            <a:r>
-              <a:rPr lang="cs-CZ" dirty="0">
-                <a:ea typeface="+mn-lt"/>
-                <a:cs typeface="+mn-lt"/>
-              </a:rPr>
-              <a:t>SW přímo u služby nebo v zařízení</a:t>
-            </a:r>
-          </a:p>
-          <a:p>
-            <a:pPr marL="342900" indent="-342900">
-              <a:buFontTx/>
-              <a:buChar char="-"/>
-            </a:pPr>
-            <a:r>
-              <a:rPr lang="cs-CZ" dirty="0">
-                <a:ea typeface="+mn-lt"/>
-                <a:cs typeface="+mn-lt"/>
-              </a:rPr>
-              <a:t>HW před serverem</a:t>
-            </a:r>
-          </a:p>
-          <a:p>
-            <a:pPr marL="342900" indent="-342900">
-              <a:buFontTx/>
-              <a:buChar char="-"/>
-            </a:pPr>
-            <a:r>
-              <a:rPr lang="cs-CZ" dirty="0">
-                <a:ea typeface="+mn-lt"/>
-                <a:cs typeface="+mn-lt"/>
-              </a:rPr>
-              <a:t>Nebo v Cloudu, případně používat na doménu Cloud providera, který filtruje </a:t>
-            </a:r>
-            <a:r>
-              <a:rPr lang="cs-CZ" dirty="0" err="1">
-                <a:ea typeface="+mn-lt"/>
-                <a:cs typeface="+mn-lt"/>
-              </a:rPr>
-              <a:t>traffic</a:t>
-            </a:r>
-            <a:endParaRPr lang="cs-CZ" dirty="0">
-              <a:ea typeface="+mn-lt"/>
-              <a:cs typeface="+mn-lt"/>
-            </a:endParaRPr>
-          </a:p>
-        </p:txBody>
-      </p:sp>
-    </p:spTree>
-    <p:extLst>
-      <p:ext uri="{BB962C8B-B14F-4D97-AF65-F5344CB8AC3E}">
-        <p14:creationId xmlns:p14="http://schemas.microsoft.com/office/powerpoint/2010/main" val="1852926740"/>
-      </p:ext>
-    </p:extLst>
-  </p:cSld>
-  <p:clrMapOvr>
-    <a:masterClrMapping/>
-  </p:clrMapOvr>
-</p:sld>
-</file>
-
-<file path=ppt/slides/slide13.xml><?xml version="1.0" encoding="utf-8"?>
-<p:sld xmlns:a="http://schemas.openxmlformats.org/drawingml/2006/main" xmlns:r="http://schemas.openxmlformats.org/officeDocument/2006/relationships" xmlns:p="http://schemas.openxmlformats.org/presentationml/2006/main">
-  <p:cSld>
-    <p:spTree>
-      <p:nvGrpSpPr>
-        <p:cNvPr id="1" name=""/>
-        <p:cNvGrpSpPr/>
-        <p:nvPr/>
-      </p:nvGrpSpPr>
-      <p:grpSpPr>
-        <a:xfrm>
-          <a:off x="0" y="0"/>
-          <a:ext cx="0" cy="0"/>
-          <a:chOff x="0" y="0"/>
-          <a:chExt cx="0" cy="0"/>
-        </a:xfrm>
-      </p:grpSpPr>
-      <p:sp>
-        <p:nvSpPr>
-          <p:cNvPr id="2" name="Nadpis 1">
-            <a:extLst>
-              <a:ext uri="{FF2B5EF4-FFF2-40B4-BE49-F238E27FC236}">
-                <a16:creationId xmlns:a16="http://schemas.microsoft.com/office/drawing/2014/main" id="{24CDBB12-4365-40BD-9D08-592DB370630C}"/>
-              </a:ext>
-            </a:extLst>
-          </p:cNvPr>
-          <p:cNvSpPr>
-            <a:spLocks noGrp="1"/>
-          </p:cNvSpPr>
-          <p:nvPr>
-            <p:ph type="title"/>
-          </p:nvPr>
-        </p:nvSpPr>
-        <p:spPr/>
-        <p:txBody>
-          <a:bodyPr/>
-          <a:lstStyle/>
-          <a:p>
-            <a:r>
-              <a:rPr lang="cs-CZ" dirty="0"/>
-              <a:t>SW</a:t>
-            </a:r>
-          </a:p>
-        </p:txBody>
-      </p:sp>
-      <p:sp>
-        <p:nvSpPr>
-          <p:cNvPr id="3" name="Zástupný obsah 2">
-            <a:extLst>
-              <a:ext uri="{FF2B5EF4-FFF2-40B4-BE49-F238E27FC236}">
-                <a16:creationId xmlns:a16="http://schemas.microsoft.com/office/drawing/2014/main" id="{BED3968C-6C4C-4B4F-B271-6F1B0DB94E3E}"/>
-              </a:ext>
-            </a:extLst>
-          </p:cNvPr>
-          <p:cNvSpPr>
-            <a:spLocks noGrp="1"/>
-          </p:cNvSpPr>
-          <p:nvPr>
-            <p:ph idx="1"/>
-          </p:nvPr>
-        </p:nvSpPr>
-        <p:spPr/>
-        <p:txBody>
-          <a:bodyPr/>
-          <a:lstStyle/>
-          <a:p>
-            <a:r>
-              <a:rPr lang="cs-CZ" dirty="0"/>
-              <a:t>Firewall- Obsahuje většina operačních systémů</a:t>
-            </a:r>
-            <a:r>
-              <a:rPr lang="en-US" dirty="0"/>
-              <a:t> a m</a:t>
-            </a:r>
-            <a:r>
-              <a:rPr lang="cs-CZ" dirty="0"/>
-              <a:t>á možnost nastavení příchozích a odchozích pravidel pro síťové spojení(Ve </a:t>
-            </a:r>
-            <a:r>
-              <a:rPr lang="cs-CZ" dirty="0" err="1"/>
-              <a:t>Win</a:t>
-            </a:r>
-            <a:r>
-              <a:rPr lang="cs-CZ" dirty="0"/>
-              <a:t>= Windows Firewall, v Linuxu např. </a:t>
-            </a:r>
-            <a:r>
-              <a:rPr lang="cs-CZ" dirty="0" err="1"/>
-              <a:t>iptables</a:t>
-            </a:r>
-            <a:r>
-              <a:rPr lang="cs-CZ" dirty="0"/>
-              <a:t>)</a:t>
-            </a:r>
-          </a:p>
-          <a:p>
-            <a:r>
-              <a:rPr lang="cs-CZ" dirty="0"/>
-              <a:t>Jsme schopni nastavit počet připojení z jedné adresy, blokování neplatících paketů(např. u TCP spojení blokovat vše co není SYN packet a není navázané </a:t>
-            </a:r>
-            <a:r>
-              <a:rPr lang="cs-CZ" dirty="0" err="1"/>
-              <a:t>tcp</a:t>
-            </a:r>
-            <a:r>
-              <a:rPr lang="cs-CZ" dirty="0"/>
-              <a:t> spojení)atd.</a:t>
-            </a:r>
-          </a:p>
-          <a:p>
-            <a:r>
-              <a:rPr lang="cs-CZ" dirty="0"/>
-              <a:t>Pak také např. </a:t>
-            </a:r>
-            <a:r>
-              <a:rPr lang="cs-CZ" dirty="0" err="1"/>
-              <a:t>apache</a:t>
-            </a:r>
-            <a:r>
-              <a:rPr lang="en-US" dirty="0"/>
-              <a:t>2</a:t>
-            </a:r>
-            <a:r>
-              <a:rPr lang="cs-CZ" dirty="0"/>
-              <a:t>, </a:t>
-            </a:r>
-            <a:r>
-              <a:rPr lang="cs-CZ" dirty="0" err="1"/>
-              <a:t>nginx</a:t>
-            </a:r>
-            <a:r>
-              <a:rPr lang="cs-CZ" dirty="0"/>
-              <a:t> má možnost nastavení svého firewallu kde jsme schopni omezit počet připojení, </a:t>
-            </a:r>
-            <a:r>
-              <a:rPr lang="cs-CZ" dirty="0" err="1"/>
-              <a:t>whitelist,blacklist</a:t>
-            </a:r>
-            <a:r>
-              <a:rPr lang="cs-CZ" dirty="0"/>
-              <a:t>, limit velikosti požadavku atd.</a:t>
-            </a:r>
-          </a:p>
-        </p:txBody>
-      </p:sp>
-    </p:spTree>
-    <p:extLst>
-      <p:ext uri="{BB962C8B-B14F-4D97-AF65-F5344CB8AC3E}">
-        <p14:creationId xmlns:p14="http://schemas.microsoft.com/office/powerpoint/2010/main" val="1137118650"/>
-      </p:ext>
-    </p:extLst>
-  </p:cSld>
-  <p:clrMapOvr>
-    <a:masterClrMapping/>
-  </p:clrMapOvr>
-</p:sld>
-</file>
-
-<file path=ppt/slides/slide14.xml><?xml version="1.0" encoding="utf-8"?>
-<p:sld xmlns:a="http://schemas.openxmlformats.org/drawingml/2006/main" xmlns:r="http://schemas.openxmlformats.org/officeDocument/2006/relationships" xmlns:p="http://schemas.openxmlformats.org/presentationml/2006/main">
-  <p:cSld>
-    <p:spTree>
-      <p:nvGrpSpPr>
-        <p:cNvPr id="1" name=""/>
-        <p:cNvGrpSpPr/>
-        <p:nvPr/>
-      </p:nvGrpSpPr>
-      <p:grpSpPr>
-        <a:xfrm>
-          <a:off x="0" y="0"/>
-          <a:ext cx="0" cy="0"/>
-          <a:chOff x="0" y="0"/>
-          <a:chExt cx="0" cy="0"/>
-        </a:xfrm>
-      </p:grpSpPr>
-      <p:sp>
-        <p:nvSpPr>
-          <p:cNvPr id="2" name="Nadpis 1">
-            <a:extLst>
-              <a:ext uri="{FF2B5EF4-FFF2-40B4-BE49-F238E27FC236}">
-                <a16:creationId xmlns:a16="http://schemas.microsoft.com/office/drawing/2014/main" id="{AE088EB4-6292-485F-8884-CC8500FCE588}"/>
-              </a:ext>
-            </a:extLst>
-          </p:cNvPr>
-          <p:cNvSpPr>
-            <a:spLocks noGrp="1"/>
-          </p:cNvSpPr>
-          <p:nvPr>
-            <p:ph type="title"/>
-          </p:nvPr>
-        </p:nvSpPr>
-        <p:spPr/>
-        <p:txBody>
-          <a:bodyPr/>
-          <a:lstStyle/>
-          <a:p>
-            <a:r>
-              <a:rPr lang="cs-CZ" dirty="0"/>
-              <a:t>HW</a:t>
-            </a:r>
-          </a:p>
-        </p:txBody>
-      </p:sp>
-      <p:sp>
-        <p:nvSpPr>
-          <p:cNvPr id="3" name="Zástupný obsah 2">
-            <a:extLst>
-              <a:ext uri="{FF2B5EF4-FFF2-40B4-BE49-F238E27FC236}">
-                <a16:creationId xmlns:a16="http://schemas.microsoft.com/office/drawing/2014/main" id="{A0056ABA-B7C8-4ECE-B77C-1F7710E84C06}"/>
-              </a:ext>
-            </a:extLst>
-          </p:cNvPr>
-          <p:cNvSpPr>
-            <a:spLocks noGrp="1"/>
-          </p:cNvSpPr>
-          <p:nvPr>
-            <p:ph idx="1"/>
-          </p:nvPr>
-        </p:nvSpPr>
-        <p:spPr/>
-        <p:txBody>
-          <a:bodyPr/>
-          <a:lstStyle/>
-          <a:p>
-            <a:r>
-              <a:rPr lang="cs-CZ" dirty="0"/>
-              <a:t>Pomocí chytřejšího routeru filtrujeme </a:t>
-            </a:r>
-            <a:r>
-              <a:rPr lang="cs-CZ" dirty="0" err="1"/>
-              <a:t>traffic</a:t>
-            </a:r>
-            <a:r>
-              <a:rPr lang="cs-CZ" dirty="0"/>
-              <a:t> nebo hw firewallu.</a:t>
-            </a:r>
-          </a:p>
-          <a:p>
-            <a:r>
-              <a:rPr lang="cs-CZ" dirty="0"/>
-              <a:t>Např. </a:t>
-            </a:r>
-            <a:r>
-              <a:rPr lang="en-US" dirty="0"/>
-              <a:t>Cisco m</a:t>
-            </a:r>
-            <a:r>
-              <a:rPr lang="cs-CZ" dirty="0"/>
-              <a:t>á svoje chytré firewally, které umožňují pokročilou ochranu proti </a:t>
-            </a:r>
-            <a:r>
-              <a:rPr lang="cs-CZ" dirty="0" err="1"/>
-              <a:t>DDoS</a:t>
-            </a:r>
-            <a:endParaRPr lang="cs-CZ" dirty="0"/>
-          </a:p>
-          <a:p>
-            <a:r>
-              <a:rPr lang="cs-CZ" dirty="0"/>
-              <a:t>Většina dnešních domácích routerů umožňuje </a:t>
-            </a:r>
-            <a:r>
-              <a:rPr lang="en-US" dirty="0"/>
-              <a:t>D</a:t>
-            </a:r>
-            <a:r>
-              <a:rPr lang="cs-CZ" dirty="0"/>
-              <a:t>o</a:t>
-            </a:r>
-            <a:r>
-              <a:rPr lang="en-US" dirty="0"/>
-              <a:t>S</a:t>
-            </a:r>
-            <a:r>
-              <a:rPr lang="cs-CZ" dirty="0"/>
-              <a:t> ochranu</a:t>
-            </a:r>
-            <a:endParaRPr lang="en-US" dirty="0"/>
-          </a:p>
-        </p:txBody>
-      </p:sp>
-    </p:spTree>
-    <p:extLst>
-      <p:ext uri="{BB962C8B-B14F-4D97-AF65-F5344CB8AC3E}">
-        <p14:creationId xmlns:p14="http://schemas.microsoft.com/office/powerpoint/2010/main" val="2612991124"/>
-      </p:ext>
-    </p:extLst>
-  </p:cSld>
-  <p:clrMapOvr>
-    <a:masterClrMapping/>
-  </p:clrMapOvr>
-</p:sld>
-</file>
-
-<file path=ppt/slides/slide15.xml><?xml version="1.0" encoding="utf-8"?>
-<p:sld xmlns:a="http://schemas.openxmlformats.org/drawingml/2006/main" xmlns:r="http://schemas.openxmlformats.org/officeDocument/2006/relationships" xmlns:p="http://schemas.openxmlformats.org/presentationml/2006/main">
-  <p:cSld>
-    <p:spTree>
-      <p:nvGrpSpPr>
-        <p:cNvPr id="1" name=""/>
-        <p:cNvGrpSpPr/>
-        <p:nvPr/>
-      </p:nvGrpSpPr>
-      <p:grpSpPr>
-        <a:xfrm>
-          <a:off x="0" y="0"/>
-          <a:ext cx="0" cy="0"/>
-          <a:chOff x="0" y="0"/>
-          <a:chExt cx="0" cy="0"/>
-        </a:xfrm>
-      </p:grpSpPr>
-      <p:sp>
-        <p:nvSpPr>
-          <p:cNvPr id="2" name="Nadpis 1">
-            <a:extLst>
-              <a:ext uri="{FF2B5EF4-FFF2-40B4-BE49-F238E27FC236}">
-                <a16:creationId xmlns:a16="http://schemas.microsoft.com/office/drawing/2014/main" id="{2F360DED-887E-48C9-B217-AE3B8E57563D}"/>
-              </a:ext>
-            </a:extLst>
-          </p:cNvPr>
-          <p:cNvSpPr>
-            <a:spLocks noGrp="1"/>
-          </p:cNvSpPr>
-          <p:nvPr>
-            <p:ph type="title"/>
-          </p:nvPr>
-        </p:nvSpPr>
-        <p:spPr/>
-        <p:txBody>
-          <a:bodyPr/>
-          <a:lstStyle/>
-          <a:p>
-            <a:r>
-              <a:rPr lang="cs-CZ" dirty="0"/>
-              <a:t>Cloud</a:t>
-            </a:r>
-          </a:p>
-        </p:txBody>
-      </p:sp>
-      <p:sp>
-        <p:nvSpPr>
-          <p:cNvPr id="3" name="Zástupný obsah 2">
-            <a:extLst>
-              <a:ext uri="{FF2B5EF4-FFF2-40B4-BE49-F238E27FC236}">
-                <a16:creationId xmlns:a16="http://schemas.microsoft.com/office/drawing/2014/main" id="{D983E7A4-A24E-46BF-A702-B120E2B73B55}"/>
-              </a:ext>
-            </a:extLst>
-          </p:cNvPr>
-          <p:cNvSpPr>
-            <a:spLocks noGrp="1"/>
-          </p:cNvSpPr>
-          <p:nvPr>
-            <p:ph idx="1"/>
-          </p:nvPr>
-        </p:nvSpPr>
-        <p:spPr/>
-        <p:txBody>
-          <a:bodyPr/>
-          <a:lstStyle/>
-          <a:p>
-            <a:r>
-              <a:rPr lang="en-US" dirty="0"/>
-              <a:t>Pro </a:t>
-            </a:r>
-            <a:r>
-              <a:rPr lang="cs-CZ" dirty="0"/>
-              <a:t>infrastrukturu</a:t>
-            </a:r>
-            <a:r>
-              <a:rPr lang="en-US" dirty="0"/>
-              <a:t> v cloudu </a:t>
-            </a:r>
-            <a:r>
-              <a:rPr lang="en-US" dirty="0" err="1"/>
-              <a:t>nen</a:t>
-            </a:r>
-            <a:r>
-              <a:rPr lang="cs-CZ" dirty="0"/>
-              <a:t>í nutné náročně řešit ochranu proti </a:t>
-            </a:r>
-            <a:r>
-              <a:rPr lang="cs-CZ" dirty="0" err="1"/>
-              <a:t>DDoS</a:t>
-            </a:r>
-            <a:r>
-              <a:rPr lang="cs-CZ" dirty="0"/>
-              <a:t>.</a:t>
-            </a:r>
-          </a:p>
-          <a:p>
-            <a:r>
-              <a:rPr lang="cs-CZ" dirty="0"/>
-              <a:t>Většina cloudů to ráda udělá za vás s minimální obtíží.</a:t>
-            </a:r>
-          </a:p>
-          <a:p>
-            <a:r>
-              <a:rPr lang="cs-CZ" dirty="0"/>
-              <a:t>Např. Microsoft Azure cloudu je jednoduché si pro služby na virtuální </a:t>
-            </a:r>
-            <a:r>
-              <a:rPr lang="cs-CZ" dirty="0" err="1"/>
-              <a:t>síťi</a:t>
-            </a:r>
-            <a:r>
-              <a:rPr lang="cs-CZ" dirty="0"/>
-              <a:t> vytvořit plán ochrany a mít svou službu za jejich ochranou</a:t>
-            </a:r>
-            <a:r>
-              <a:rPr lang="cs-CZ" baseline="30000" dirty="0"/>
-              <a:t>1</a:t>
-            </a:r>
-          </a:p>
-          <a:p>
-            <a:endParaRPr lang="cs-CZ" baseline="30000" dirty="0"/>
-          </a:p>
-        </p:txBody>
-      </p:sp>
-      <p:sp>
-        <p:nvSpPr>
-          <p:cNvPr id="4" name="TextovéPole 3">
-            <a:extLst>
-              <a:ext uri="{FF2B5EF4-FFF2-40B4-BE49-F238E27FC236}">
-                <a16:creationId xmlns:a16="http://schemas.microsoft.com/office/drawing/2014/main" id="{0BA73B27-3EF8-4FBE-B78A-7DC0A979BFA6}"/>
-              </a:ext>
-            </a:extLst>
-          </p:cNvPr>
-          <p:cNvSpPr txBox="1"/>
-          <p:nvPr/>
-        </p:nvSpPr>
-        <p:spPr>
-          <a:xfrm>
-            <a:off x="0" y="6505682"/>
-            <a:ext cx="6846277" cy="253916"/>
-          </a:xfrm>
-          <a:prstGeom prst="rect">
-            <a:avLst/>
-          </a:prstGeom>
-          <a:noFill/>
-        </p:spPr>
-        <p:txBody>
-          <a:bodyPr wrap="square" rtlCol="0">
-            <a:spAutoFit/>
-          </a:bodyPr>
-          <a:lstStyle/>
-          <a:p>
-            <a:r>
-              <a:rPr lang="en-US" sz="1050" baseline="30000" dirty="0"/>
-              <a:t>1</a:t>
-            </a:r>
-            <a:r>
-              <a:rPr lang="cs-CZ" sz="1050" dirty="0"/>
-              <a:t>https://docs.microsoft.com/en-us/azure/ddos-protection/</a:t>
-            </a:r>
-          </a:p>
-        </p:txBody>
-      </p:sp>
-    </p:spTree>
-    <p:extLst>
-      <p:ext uri="{BB962C8B-B14F-4D97-AF65-F5344CB8AC3E}">
-        <p14:creationId xmlns:p14="http://schemas.microsoft.com/office/powerpoint/2010/main" val="1028817398"/>
-      </p:ext>
-    </p:extLst>
-  </p:cSld>
-  <p:clrMapOvr>
-    <a:masterClrMapping/>
-  </p:clrMapOvr>
-</p:sld>
-</file>
-
-<file path=ppt/slides/slide16.xml><?xml version="1.0" encoding="utf-8"?>
-<p:sld xmlns:a="http://schemas.openxmlformats.org/drawingml/2006/main" xmlns:r="http://schemas.openxmlformats.org/officeDocument/2006/relationships" xmlns:p="http://schemas.openxmlformats.org/presentationml/2006/main">
-  <p:cSld>
-    <p:spTree>
-      <p:nvGrpSpPr>
-        <p:cNvPr id="1" name=""/>
-        <p:cNvGrpSpPr/>
-        <p:nvPr/>
-      </p:nvGrpSpPr>
-      <p:grpSpPr>
-        <a:xfrm>
-          <a:off x="0" y="0"/>
-          <a:ext cx="0" cy="0"/>
-          <a:chOff x="0" y="0"/>
-          <a:chExt cx="0" cy="0"/>
-        </a:xfrm>
-      </p:grpSpPr>
-      <p:sp>
-        <p:nvSpPr>
-          <p:cNvPr id="2" name="Nadpis 1">
-            <a:extLst>
-              <a:ext uri="{FF2B5EF4-FFF2-40B4-BE49-F238E27FC236}">
-                <a16:creationId xmlns:a16="http://schemas.microsoft.com/office/drawing/2014/main" id="{42152C9B-DC29-43EA-83C9-32FAE1334213}"/>
-              </a:ext>
-            </a:extLst>
-          </p:cNvPr>
-          <p:cNvSpPr>
-            <a:spLocks noGrp="1"/>
-          </p:cNvSpPr>
-          <p:nvPr>
-            <p:ph type="title"/>
-          </p:nvPr>
-        </p:nvSpPr>
-        <p:spPr/>
-        <p:txBody>
-          <a:bodyPr/>
-          <a:lstStyle/>
-          <a:p>
-            <a:r>
-              <a:rPr lang="en-US" dirty="0"/>
-              <a:t>V</a:t>
-            </a:r>
-            <a:r>
-              <a:rPr lang="cs-CZ" dirty="0"/>
-              <a:t>ýběr ochrany pro zadání</a:t>
-            </a:r>
-          </a:p>
-        </p:txBody>
-      </p:sp>
-      <p:sp>
-        <p:nvSpPr>
-          <p:cNvPr id="3" name="Zástupný obsah 2">
-            <a:extLst>
-              <a:ext uri="{FF2B5EF4-FFF2-40B4-BE49-F238E27FC236}">
-                <a16:creationId xmlns:a16="http://schemas.microsoft.com/office/drawing/2014/main" id="{D942ADA2-1A02-4769-95A7-DA0EB34D4D41}"/>
-              </a:ext>
-            </a:extLst>
-          </p:cNvPr>
-          <p:cNvSpPr>
-            <a:spLocks noGrp="1"/>
-          </p:cNvSpPr>
-          <p:nvPr>
-            <p:ph idx="1"/>
-          </p:nvPr>
-        </p:nvSpPr>
-        <p:spPr/>
-        <p:txBody>
-          <a:bodyPr/>
-          <a:lstStyle/>
-          <a:p>
-            <a:r>
-              <a:rPr lang="cs-CZ" dirty="0"/>
-              <a:t>Vybíral jsem na základě ceny, možností nastavení, rozšíření, a hodnocení</a:t>
-            </a:r>
-          </a:p>
-          <a:p>
-            <a:r>
-              <a:rPr lang="cs-CZ" dirty="0"/>
-              <a:t>Pro ochranu mi přijde vhodné použít </a:t>
-            </a:r>
-            <a:r>
-              <a:rPr lang="cs-CZ" b="0" i="0" dirty="0" err="1">
-                <a:solidFill>
-                  <a:srgbClr val="000000"/>
-                </a:solidFill>
-                <a:effectLst/>
-                <a:latin typeface="Calibri" panose="020F0502020204030204" pitchFamily="34" charset="0"/>
-              </a:rPr>
-              <a:t>CloudFlare</a:t>
-            </a:r>
-            <a:r>
-              <a:rPr lang="cs-CZ" b="0" i="0" dirty="0">
-                <a:solidFill>
-                  <a:srgbClr val="000000"/>
-                </a:solidFill>
-                <a:effectLst/>
-                <a:latin typeface="Calibri" panose="020F0502020204030204" pitchFamily="34" charset="0"/>
-              </a:rPr>
-              <a:t> DDoS </a:t>
-            </a:r>
-            <a:r>
-              <a:rPr lang="cs-CZ" b="0" i="0" dirty="0" err="1">
-                <a:solidFill>
-                  <a:srgbClr val="000000"/>
-                </a:solidFill>
-                <a:effectLst/>
-                <a:latin typeface="Calibri" panose="020F0502020204030204" pitchFamily="34" charset="0"/>
-              </a:rPr>
-              <a:t>Protection</a:t>
-            </a:r>
-            <a:r>
-              <a:rPr lang="cs-CZ" b="0" i="0" dirty="0">
-                <a:solidFill>
-                  <a:srgbClr val="000000"/>
-                </a:solidFill>
-                <a:effectLst/>
-                <a:latin typeface="Calibri" panose="020F0502020204030204" pitchFamily="34" charset="0"/>
-              </a:rPr>
-              <a:t> </a:t>
-            </a:r>
-            <a:r>
-              <a:rPr lang="cs-CZ" b="0" i="0" dirty="0" err="1">
-                <a:solidFill>
-                  <a:srgbClr val="000000"/>
-                </a:solidFill>
-                <a:effectLst/>
-                <a:latin typeface="Calibri" panose="020F0502020204030204" pitchFamily="34" charset="0"/>
-              </a:rPr>
-              <a:t>for</a:t>
-            </a:r>
-            <a:r>
-              <a:rPr lang="cs-CZ" b="0" i="0" dirty="0">
-                <a:solidFill>
-                  <a:srgbClr val="000000"/>
-                </a:solidFill>
-                <a:effectLst/>
-                <a:latin typeface="Calibri" panose="020F0502020204030204" pitchFamily="34" charset="0"/>
-              </a:rPr>
-              <a:t> Web Applications</a:t>
-            </a:r>
-            <a:r>
-              <a:rPr lang="cs-CZ" b="0" i="0" baseline="30000" dirty="0">
-                <a:solidFill>
-                  <a:srgbClr val="000000"/>
-                </a:solidFill>
-                <a:effectLst/>
-                <a:latin typeface="Calibri" panose="020F0502020204030204" pitchFamily="34" charset="0"/>
-              </a:rPr>
-              <a:t>1</a:t>
-            </a:r>
-            <a:endParaRPr lang="cs-CZ" baseline="30000" dirty="0">
-              <a:solidFill>
-                <a:srgbClr val="000000"/>
-              </a:solidFill>
-              <a:latin typeface="Calibri" panose="020F0502020204030204" pitchFamily="34" charset="0"/>
-            </a:endParaRPr>
-          </a:p>
-          <a:p>
-            <a:r>
-              <a:rPr lang="cs-CZ" dirty="0">
-                <a:solidFill>
-                  <a:srgbClr val="000000"/>
-                </a:solidFill>
-                <a:latin typeface="Calibri" panose="020F0502020204030204" pitchFamily="34" charset="0"/>
-              </a:rPr>
-              <a:t>V tomto případě přistupujeme na </a:t>
-            </a:r>
-            <a:r>
-              <a:rPr lang="en-US" dirty="0">
-                <a:solidFill>
-                  <a:srgbClr val="000000"/>
-                </a:solidFill>
-                <a:latin typeface="Calibri" panose="020F0502020204030204" pitchFamily="34" charset="0"/>
-              </a:rPr>
-              <a:t>DNS</a:t>
-            </a:r>
-            <a:r>
-              <a:rPr lang="cs-CZ" dirty="0">
-                <a:solidFill>
-                  <a:srgbClr val="000000"/>
-                </a:solidFill>
-                <a:latin typeface="Calibri" panose="020F0502020204030204" pitchFamily="34" charset="0"/>
-              </a:rPr>
-              <a:t> záznam albertov.cz</a:t>
-            </a:r>
-            <a:r>
-              <a:rPr lang="en-US" dirty="0">
-                <a:solidFill>
-                  <a:srgbClr val="000000"/>
-                </a:solidFill>
-                <a:latin typeface="Calibri" panose="020F0502020204030204" pitchFamily="34" charset="0"/>
-              </a:rPr>
-              <a:t>, </a:t>
-            </a:r>
-            <a:r>
-              <a:rPr lang="cs-CZ" dirty="0">
-                <a:solidFill>
-                  <a:srgbClr val="000000"/>
-                </a:solidFill>
-                <a:latin typeface="Calibri" panose="020F0502020204030204" pitchFamily="34" charset="0"/>
-              </a:rPr>
-              <a:t>kde</a:t>
-            </a:r>
-            <a:r>
-              <a:rPr lang="en-US" dirty="0">
-                <a:solidFill>
-                  <a:srgbClr val="000000"/>
-                </a:solidFill>
-                <a:latin typeface="Calibri" panose="020F0502020204030204" pitchFamily="34" charset="0"/>
-              </a:rPr>
-              <a:t> b</a:t>
-            </a:r>
-            <a:r>
-              <a:rPr lang="cs-CZ" dirty="0">
-                <a:solidFill>
-                  <a:srgbClr val="000000"/>
-                </a:solidFill>
-                <a:latin typeface="Calibri" panose="020F0502020204030204" pitchFamily="34" charset="0"/>
-              </a:rPr>
-              <a:t>y byla nutnost změnit jmenné servery na </a:t>
-            </a:r>
-            <a:r>
-              <a:rPr lang="cs-CZ" dirty="0" err="1">
-                <a:solidFill>
-                  <a:srgbClr val="000000"/>
-                </a:solidFill>
-                <a:latin typeface="Calibri" panose="020F0502020204030204" pitchFamily="34" charset="0"/>
-              </a:rPr>
-              <a:t>cloudflare</a:t>
-            </a:r>
-            <a:r>
-              <a:rPr lang="cs-CZ" dirty="0">
-                <a:solidFill>
-                  <a:srgbClr val="000000"/>
-                </a:solidFill>
-                <a:latin typeface="Calibri" panose="020F0502020204030204" pitchFamily="34" charset="0"/>
-              </a:rPr>
-              <a:t>.</a:t>
-            </a:r>
-          </a:p>
-          <a:p>
-            <a:r>
-              <a:rPr lang="cs-CZ" dirty="0">
-                <a:solidFill>
-                  <a:srgbClr val="000000"/>
-                </a:solidFill>
-                <a:latin typeface="Calibri" panose="020F0502020204030204" pitchFamily="34" charset="0"/>
-              </a:rPr>
-              <a:t>Tím při přístupu na </a:t>
-            </a:r>
-            <a:r>
-              <a:rPr lang="en-US" dirty="0">
-                <a:solidFill>
-                  <a:srgbClr val="000000"/>
-                </a:solidFill>
-                <a:latin typeface="Calibri" panose="020F0502020204030204" pitchFamily="34" charset="0"/>
-              </a:rPr>
-              <a:t>DNS</a:t>
-            </a:r>
-            <a:r>
-              <a:rPr lang="cs-CZ" dirty="0">
-                <a:solidFill>
-                  <a:srgbClr val="000000"/>
-                </a:solidFill>
-                <a:latin typeface="Calibri" panose="020F0502020204030204" pitchFamily="34" charset="0"/>
-              </a:rPr>
-              <a:t> albertov.cz získáme </a:t>
-            </a:r>
-            <a:r>
-              <a:rPr lang="en-US" dirty="0">
-                <a:solidFill>
-                  <a:srgbClr val="000000"/>
-                </a:solidFill>
-                <a:latin typeface="Calibri" panose="020F0502020204030204" pitchFamily="34" charset="0"/>
-              </a:rPr>
-              <a:t>DDoS</a:t>
-            </a:r>
-            <a:r>
-              <a:rPr lang="cs-CZ" dirty="0">
-                <a:solidFill>
-                  <a:srgbClr val="000000"/>
-                </a:solidFill>
-                <a:latin typeface="Calibri" panose="020F0502020204030204" pitchFamily="34" charset="0"/>
-              </a:rPr>
-              <a:t> </a:t>
-            </a:r>
-            <a:r>
-              <a:rPr lang="cs-CZ" dirty="0" err="1">
-                <a:solidFill>
-                  <a:srgbClr val="000000"/>
-                </a:solidFill>
-                <a:latin typeface="Calibri" panose="020F0502020204030204" pitchFamily="34" charset="0"/>
-              </a:rPr>
-              <a:t>protection</a:t>
-            </a:r>
-            <a:r>
-              <a:rPr lang="cs-CZ" dirty="0">
-                <a:solidFill>
-                  <a:srgbClr val="000000"/>
-                </a:solidFill>
-                <a:latin typeface="Calibri" panose="020F0502020204030204" pitchFamily="34" charset="0"/>
-              </a:rPr>
-              <a:t> jelikož nám </a:t>
-            </a:r>
-            <a:r>
-              <a:rPr lang="cs-CZ" dirty="0" err="1">
-                <a:solidFill>
-                  <a:srgbClr val="000000"/>
-                </a:solidFill>
-                <a:latin typeface="Calibri" panose="020F0502020204030204" pitchFamily="34" charset="0"/>
-              </a:rPr>
-              <a:t>cloudflare</a:t>
-            </a:r>
-            <a:r>
-              <a:rPr lang="cs-CZ" dirty="0">
-                <a:solidFill>
-                  <a:srgbClr val="000000"/>
-                </a:solidFill>
-                <a:latin typeface="Calibri" panose="020F0502020204030204" pitchFamily="34" charset="0"/>
-              </a:rPr>
-              <a:t> </a:t>
-            </a:r>
-            <a:r>
-              <a:rPr lang="en-US" dirty="0">
-                <a:solidFill>
-                  <a:srgbClr val="000000"/>
-                </a:solidFill>
-                <a:latin typeface="Calibri" panose="020F0502020204030204" pitchFamily="34" charset="0"/>
-              </a:rPr>
-              <a:t>DNS</a:t>
-            </a:r>
-            <a:r>
-              <a:rPr lang="cs-CZ" dirty="0">
-                <a:solidFill>
-                  <a:srgbClr val="000000"/>
-                </a:solidFill>
-                <a:latin typeface="Calibri" panose="020F0502020204030204" pitchFamily="34" charset="0"/>
-              </a:rPr>
-              <a:t> servery filtrují přístup a koukají na přistupující </a:t>
-            </a:r>
-            <a:r>
-              <a:rPr lang="en-US" dirty="0">
-                <a:solidFill>
-                  <a:srgbClr val="000000"/>
-                </a:solidFill>
-                <a:latin typeface="Calibri" panose="020F0502020204030204" pitchFamily="34" charset="0"/>
-              </a:rPr>
-              <a:t>IP</a:t>
-            </a:r>
-            <a:r>
-              <a:rPr lang="cs-CZ" dirty="0">
-                <a:solidFill>
-                  <a:srgbClr val="000000"/>
-                </a:solidFill>
-                <a:latin typeface="Calibri" panose="020F0502020204030204" pitchFamily="34" charset="0"/>
-              </a:rPr>
-              <a:t> adresu </a:t>
-            </a:r>
-          </a:p>
-          <a:p>
-            <a:endParaRPr lang="cs-CZ" dirty="0"/>
-          </a:p>
-        </p:txBody>
-      </p:sp>
-      <p:sp>
-        <p:nvSpPr>
-          <p:cNvPr id="4" name="TextovéPole 3">
-            <a:extLst>
-              <a:ext uri="{FF2B5EF4-FFF2-40B4-BE49-F238E27FC236}">
-                <a16:creationId xmlns:a16="http://schemas.microsoft.com/office/drawing/2014/main" id="{6AB7BE44-076E-47C4-B892-7D71DCEB1C21}"/>
-              </a:ext>
-            </a:extLst>
-          </p:cNvPr>
-          <p:cNvSpPr txBox="1"/>
-          <p:nvPr/>
-        </p:nvSpPr>
-        <p:spPr>
-          <a:xfrm>
-            <a:off x="0" y="6456961"/>
-            <a:ext cx="3899877" cy="261610"/>
-          </a:xfrm>
-          <a:prstGeom prst="rect">
-            <a:avLst/>
-          </a:prstGeom>
-          <a:noFill/>
-        </p:spPr>
-        <p:txBody>
-          <a:bodyPr wrap="square" rtlCol="0">
-            <a:spAutoFit/>
-          </a:bodyPr>
-          <a:lstStyle/>
-          <a:p>
-            <a:r>
-              <a:rPr lang="cs-CZ" sz="1100" baseline="30000" dirty="0"/>
-              <a:t>1</a:t>
-            </a:r>
-            <a:r>
-              <a:rPr lang="cs-CZ" sz="1100" dirty="0"/>
-              <a:t>https://www.cloudflare.com/ddos/</a:t>
-            </a:r>
-          </a:p>
-        </p:txBody>
-      </p:sp>
-    </p:spTree>
-    <p:extLst>
-      <p:ext uri="{BB962C8B-B14F-4D97-AF65-F5344CB8AC3E}">
-        <p14:creationId xmlns:p14="http://schemas.microsoft.com/office/powerpoint/2010/main" val="1998222181"/>
-      </p:ext>
-    </p:extLst>
-  </p:cSld>
-  <p:clrMapOvr>
-    <a:masterClrMapping/>
-  </p:clrMapOvr>
-</p:sld>
-</file>
-
-<file path=ppt/slides/slide17.xml><?xml version="1.0" encoding="utf-8"?>
-<p:sld xmlns:a="http://schemas.openxmlformats.org/drawingml/2006/main" xmlns:r="http://schemas.openxmlformats.org/officeDocument/2006/relationships" xmlns:p="http://schemas.openxmlformats.org/presentationml/2006/main">
-  <p:cSld>
-    <p:spTree>
-      <p:nvGrpSpPr>
-        <p:cNvPr id="1" name=""/>
-        <p:cNvGrpSpPr/>
-        <p:nvPr/>
-      </p:nvGrpSpPr>
-      <p:grpSpPr>
-        <a:xfrm>
-          <a:off x="0" y="0"/>
-          <a:ext cx="0" cy="0"/>
-          <a:chOff x="0" y="0"/>
-          <a:chExt cx="0" cy="0"/>
-        </a:xfrm>
-      </p:grpSpPr>
-      <p:sp>
-        <p:nvSpPr>
-          <p:cNvPr id="2" name="Nadpis 1">
-            <a:extLst>
-              <a:ext uri="{FF2B5EF4-FFF2-40B4-BE49-F238E27FC236}">
-                <a16:creationId xmlns:a16="http://schemas.microsoft.com/office/drawing/2014/main" id="{596B3711-839A-419B-9028-ED9372956CA0}"/>
-              </a:ext>
-            </a:extLst>
-          </p:cNvPr>
-          <p:cNvSpPr>
-            <a:spLocks noGrp="1"/>
-          </p:cNvSpPr>
-          <p:nvPr>
-            <p:ph type="title"/>
-          </p:nvPr>
-        </p:nvSpPr>
-        <p:spPr/>
-        <p:txBody>
-          <a:bodyPr/>
-          <a:lstStyle/>
-          <a:p>
-            <a:r>
-              <a:rPr lang="en-US" dirty="0"/>
-              <a:t>Pou</a:t>
-            </a:r>
-            <a:r>
-              <a:rPr lang="cs-CZ" dirty="0"/>
-              <a:t>žití ochrany</a:t>
-            </a:r>
-          </a:p>
-        </p:txBody>
-      </p:sp>
-      <p:sp>
-        <p:nvSpPr>
-          <p:cNvPr id="3" name="Zástupný obsah 2">
-            <a:extLst>
-              <a:ext uri="{FF2B5EF4-FFF2-40B4-BE49-F238E27FC236}">
-                <a16:creationId xmlns:a16="http://schemas.microsoft.com/office/drawing/2014/main" id="{DFEA0822-E3ED-4652-9B78-F22C218CB09B}"/>
-              </a:ext>
-            </a:extLst>
-          </p:cNvPr>
-          <p:cNvSpPr>
-            <a:spLocks noGrp="1"/>
-          </p:cNvSpPr>
-          <p:nvPr>
-            <p:ph idx="1"/>
-          </p:nvPr>
-        </p:nvSpPr>
-        <p:spPr/>
-        <p:txBody>
-          <a:bodyPr/>
-          <a:lstStyle/>
-          <a:p>
-            <a:r>
-              <a:rPr lang="cs-CZ" dirty="0"/>
-              <a:t>U </a:t>
-            </a:r>
-            <a:r>
-              <a:rPr lang="cs-CZ" dirty="0" err="1"/>
-              <a:t>Cloudflare</a:t>
-            </a:r>
-            <a:r>
-              <a:rPr lang="en-US" dirty="0"/>
-              <a:t> </a:t>
-            </a:r>
-            <a:r>
-              <a:rPr lang="en-US" dirty="0" err="1"/>
-              <a:t>jsem</a:t>
-            </a:r>
-            <a:r>
-              <a:rPr lang="en-US" dirty="0"/>
-              <a:t> p</a:t>
-            </a:r>
-            <a:r>
-              <a:rPr lang="cs-CZ" dirty="0" err="1"/>
-              <a:t>řehlásil</a:t>
-            </a:r>
-            <a:r>
-              <a:rPr lang="cs-CZ" dirty="0"/>
-              <a:t> svou doménu</a:t>
-            </a:r>
-            <a:endParaRPr lang="en-US" dirty="0"/>
-          </a:p>
-          <a:p>
-            <a:r>
-              <a:rPr lang="en-US" dirty="0"/>
-              <a:t>Viz. </a:t>
-            </a:r>
-            <a:r>
-              <a:rPr lang="en-US" dirty="0" err="1"/>
-              <a:t>uk</a:t>
-            </a:r>
-            <a:r>
-              <a:rPr lang="cs-CZ" dirty="0" err="1"/>
-              <a:t>ázka</a:t>
-            </a:r>
-            <a:endParaRPr lang="cs-CZ" dirty="0"/>
-          </a:p>
-        </p:txBody>
-      </p:sp>
-    </p:spTree>
-    <p:extLst>
-      <p:ext uri="{BB962C8B-B14F-4D97-AF65-F5344CB8AC3E}">
-        <p14:creationId xmlns:p14="http://schemas.microsoft.com/office/powerpoint/2010/main" val="1994304923"/>
-      </p:ext>
-    </p:extLst>
-  </p:cSld>
-  <p:clrMapOvr>
-    <a:masterClrMapping/>
-  </p:clrMapOvr>
-</p:sld>
-</file>
-
-<file path=ppt/slides/slide18.xml><?xml version="1.0" encoding="utf-8"?>
-<p:sld xmlns:a="http://schemas.openxmlformats.org/drawingml/2006/main" xmlns:r="http://schemas.openxmlformats.org/officeDocument/2006/relationships" xmlns:p="http://schemas.openxmlformats.org/presentationml/2006/main">
-  <p:cSld>
-    <p:spTree>
-      <p:nvGrpSpPr>
-        <p:cNvPr id="1" name=""/>
-        <p:cNvGrpSpPr/>
-        <p:nvPr/>
-      </p:nvGrpSpPr>
-      <p:grpSpPr>
-        <a:xfrm>
-          <a:off x="0" y="0"/>
-          <a:ext cx="0" cy="0"/>
-          <a:chOff x="0" y="0"/>
-          <a:chExt cx="0" cy="0"/>
-        </a:xfrm>
-      </p:grpSpPr>
-      <p:sp>
-        <p:nvSpPr>
-          <p:cNvPr id="2" name="Nadpis 1">
-            <a:extLst>
-              <a:ext uri="{FF2B5EF4-FFF2-40B4-BE49-F238E27FC236}">
-                <a16:creationId xmlns:a16="http://schemas.microsoft.com/office/drawing/2014/main" id="{F91DE7B1-1ACE-422B-A98B-2BF1A9EDED73}"/>
-              </a:ext>
-            </a:extLst>
-          </p:cNvPr>
-          <p:cNvSpPr>
-            <a:spLocks noGrp="1"/>
-          </p:cNvSpPr>
-          <p:nvPr>
-            <p:ph type="title"/>
-          </p:nvPr>
-        </p:nvSpPr>
-        <p:spPr/>
-        <p:txBody>
-          <a:bodyPr/>
-          <a:lstStyle/>
-          <a:p>
-            <a:r>
-              <a:rPr lang="cs-CZ" dirty="0">
-                <a:cs typeface="Calibri Light"/>
-              </a:rPr>
-              <a:t>Závěr</a:t>
-            </a:r>
-            <a:endParaRPr lang="cs-CZ" dirty="0"/>
-          </a:p>
-        </p:txBody>
-      </p:sp>
-      <p:sp>
-        <p:nvSpPr>
-          <p:cNvPr id="3" name="Zástupný obsah 2">
-            <a:extLst>
-              <a:ext uri="{FF2B5EF4-FFF2-40B4-BE49-F238E27FC236}">
-                <a16:creationId xmlns:a16="http://schemas.microsoft.com/office/drawing/2014/main" id="{2B4AFBE5-E015-4D03-93E4-A2F24662746F}"/>
-              </a:ext>
-            </a:extLst>
-          </p:cNvPr>
-          <p:cNvSpPr>
-            <a:spLocks noGrp="1"/>
-          </p:cNvSpPr>
-          <p:nvPr>
-            <p:ph idx="1"/>
-          </p:nvPr>
-        </p:nvSpPr>
-        <p:spPr/>
-        <p:txBody>
-          <a:bodyPr/>
-          <a:lstStyle/>
-          <a:p>
-            <a:r>
-              <a:rPr lang="cs-CZ" dirty="0"/>
-              <a:t>V rámci tohoto projektu jsem se naučil základy DDoS útoku a jeho ochrany. Poskytlo mi to šanci se naučit dost okolo a zároveň si zopakovat základy </a:t>
-            </a:r>
-            <a:r>
-              <a:rPr lang="cs-CZ"/>
-              <a:t>počítačových sítí</a:t>
-            </a:r>
-            <a:endParaRPr lang="cs-CZ" dirty="0"/>
-          </a:p>
-          <a:p>
-            <a:r>
-              <a:rPr lang="en-US" dirty="0" err="1"/>
-              <a:t>Vyzkou</a:t>
-            </a:r>
-            <a:r>
-              <a:rPr lang="cs-CZ" dirty="0"/>
-              <a:t>šel jsem si simulaci útoku na svůj server se statickou webovou stránkou.</a:t>
-            </a:r>
-            <a:br>
-              <a:rPr lang="en-US" dirty="0"/>
-            </a:br>
-            <a:r>
-              <a:rPr lang="en-US" dirty="0"/>
-              <a:t>N</a:t>
-            </a:r>
-            <a:r>
-              <a:rPr lang="cs-CZ" dirty="0" err="1"/>
-              <a:t>ásledně</a:t>
-            </a:r>
-            <a:r>
-              <a:rPr lang="cs-CZ" dirty="0"/>
-              <a:t> jsem ho ochránil pomocí </a:t>
-            </a:r>
-            <a:r>
-              <a:rPr lang="cs-CZ" dirty="0" err="1"/>
-              <a:t>CloudFlare</a:t>
-            </a:r>
-            <a:r>
-              <a:rPr lang="cs-CZ" dirty="0"/>
-              <a:t> a tato služba mi odfiltrovala HTTP požadavky, což jsem si vyzkoušel na své doméně divelog.cz</a:t>
-            </a:r>
-          </a:p>
-          <a:p>
-            <a:endParaRPr lang="cs-CZ" dirty="0"/>
-          </a:p>
-        </p:txBody>
-      </p:sp>
-    </p:spTree>
-    <p:extLst>
-      <p:ext uri="{BB962C8B-B14F-4D97-AF65-F5344CB8AC3E}">
-        <p14:creationId xmlns:p14="http://schemas.microsoft.com/office/powerpoint/2010/main" val="1283806872"/>
-      </p:ext>
-    </p:extLst>
-  </p:cSld>
-  <p:clrMapOvr>
-    <a:masterClrMapping/>
-  </p:clrMapOvr>
-</p:sld>
-</file>
-
-<file path=ppt/slides/slide19.xml><?xml version="1.0" encoding="utf-8"?>
-<p:sld xmlns:a="http://schemas.openxmlformats.org/drawingml/2006/main" xmlns:r="http://schemas.openxmlformats.org/officeDocument/2006/relationships" xmlns:p="http://schemas.openxmlformats.org/presentationml/2006/main">
-  <p:cSld>
-    <p:spTree>
-      <p:nvGrpSpPr>
-        <p:cNvPr id="1" name=""/>
-        <p:cNvGrpSpPr/>
-        <p:nvPr/>
-      </p:nvGrpSpPr>
-      <p:grpSpPr>
-        <a:xfrm>
-          <a:off x="0" y="0"/>
-          <a:ext cx="0" cy="0"/>
-          <a:chOff x="0" y="0"/>
-          <a:chExt cx="0" cy="0"/>
-        </a:xfrm>
-      </p:grpSpPr>
-      <p:sp>
-        <p:nvSpPr>
-          <p:cNvPr id="2" name="Nadpis 1">
-            <a:extLst>
-              <a:ext uri="{FF2B5EF4-FFF2-40B4-BE49-F238E27FC236}">
-                <a16:creationId xmlns:a16="http://schemas.microsoft.com/office/drawing/2014/main" id="{F91DE7B1-1ACE-422B-A98B-2BF1A9EDED73}"/>
-              </a:ext>
-            </a:extLst>
-          </p:cNvPr>
-          <p:cNvSpPr>
-            <a:spLocks noGrp="1"/>
-          </p:cNvSpPr>
-          <p:nvPr>
-            <p:ph type="title"/>
-          </p:nvPr>
-        </p:nvSpPr>
-        <p:spPr>
-          <a:xfrm>
-            <a:off x="3449637" y="2762250"/>
-            <a:ext cx="10515600" cy="1325563"/>
-          </a:xfrm>
-        </p:spPr>
-        <p:txBody>
-          <a:bodyPr/>
-          <a:lstStyle/>
-          <a:p>
-            <a:r>
-              <a:rPr lang="cs-CZ" dirty="0">
-                <a:cs typeface="Calibri Light"/>
-              </a:rPr>
-              <a:t>Děkuji za pozornost!</a:t>
-            </a:r>
-          </a:p>
-        </p:txBody>
-      </p:sp>
-    </p:spTree>
-    <p:extLst>
-      <p:ext uri="{BB962C8B-B14F-4D97-AF65-F5344CB8AC3E}">
-        <p14:creationId xmlns:p14="http://schemas.microsoft.com/office/powerpoint/2010/main" val="3347645221"/>
-      </p:ext>
-    </p:extLst>
-  </p:cSld>
-  <p:clrMapOvr>
-    <a:masterClrMapping/>
-  </p:clrMapOvr>
-</p:sld>
-</file>
-
 <file path=ppt/slides/slide2.xml><?xml version="1.0" encoding="utf-8"?>
 <p:sld xmlns:a="http://schemas.openxmlformats.org/drawingml/2006/main" xmlns:r="http://schemas.openxmlformats.org/officeDocument/2006/relationships" xmlns:p="http://schemas.openxmlformats.org/presentationml/2006/main">
   <p:cSld>
@@ -3687,6 +1942,42 @@
             </a:r>
           </a:p>
           <a:p>
+            <a:r>
+              <a:rPr lang="en-US" dirty="0">
+                <a:cs typeface="Calibri"/>
+              </a:rPr>
+              <a:t>Z</a:t>
+            </a:r>
+            <a:r>
+              <a:rPr lang="cs-CZ" dirty="0" err="1">
+                <a:cs typeface="Calibri"/>
+              </a:rPr>
+              <a:t>ákon</a:t>
+            </a:r>
+            <a:r>
+              <a:rPr lang="cs-CZ" dirty="0">
+                <a:cs typeface="Calibri"/>
+              </a:rPr>
+              <a:t> o kybernetické bezpečnosti</a:t>
+            </a:r>
+          </a:p>
+          <a:p>
+            <a:r>
+              <a:rPr lang="cs-CZ" dirty="0">
+                <a:cs typeface="Calibri"/>
+              </a:rPr>
+              <a:t>Dopad zákona o KB na běžného uživatele</a:t>
+            </a:r>
+          </a:p>
+          <a:p>
+            <a:r>
+              <a:rPr lang="cs-CZ" dirty="0">
+                <a:cs typeface="Calibri"/>
+              </a:rPr>
+              <a:t>Právní odpovědnost s připojením k internetu</a:t>
+            </a:r>
+          </a:p>
+          <a:p>
             <a:endParaRPr lang="en-US" dirty="0">
               <a:cs typeface="Calibri"/>
             </a:endParaRPr>
@@ -3708,112 +1999,6 @@
     <p:extLst>
       <p:ext uri="{BB962C8B-B14F-4D97-AF65-F5344CB8AC3E}">
         <p14:creationId xmlns:p14="http://schemas.microsoft.com/office/powerpoint/2010/main" val="2637671466"/>
-      </p:ext>
-    </p:extLst>
-  </p:cSld>
-  <p:clrMapOvr>
-    <a:masterClrMapping/>
-  </p:clrMapOvr>
-</p:sld>
-</file>
-
-<file path=ppt/slides/slide20.xml><?xml version="1.0" encoding="utf-8"?>
-<p:sld xmlns:a="http://schemas.openxmlformats.org/drawingml/2006/main" xmlns:r="http://schemas.openxmlformats.org/officeDocument/2006/relationships" xmlns:p="http://schemas.openxmlformats.org/presentationml/2006/main">
-  <p:cSld>
-    <p:spTree>
-      <p:nvGrpSpPr>
-        <p:cNvPr id="1" name=""/>
-        <p:cNvGrpSpPr/>
-        <p:nvPr/>
-      </p:nvGrpSpPr>
-      <p:grpSpPr>
-        <a:xfrm>
-          <a:off x="0" y="0"/>
-          <a:ext cx="0" cy="0"/>
-          <a:chOff x="0" y="0"/>
-          <a:chExt cx="0" cy="0"/>
-        </a:xfrm>
-      </p:grpSpPr>
-      <p:sp>
-        <p:nvSpPr>
-          <p:cNvPr id="2" name="Nadpis 1">
-            <a:extLst>
-              <a:ext uri="{FF2B5EF4-FFF2-40B4-BE49-F238E27FC236}">
-                <a16:creationId xmlns:a16="http://schemas.microsoft.com/office/drawing/2014/main" id="{4AD65151-25F6-4CAA-8F2F-583CC6D94A46}"/>
-              </a:ext>
-            </a:extLst>
-          </p:cNvPr>
-          <p:cNvSpPr>
-            <a:spLocks noGrp="1"/>
-          </p:cNvSpPr>
-          <p:nvPr>
-            <p:ph type="title"/>
-          </p:nvPr>
-        </p:nvSpPr>
-        <p:spPr/>
-        <p:txBody>
-          <a:bodyPr/>
-          <a:lstStyle/>
-          <a:p>
-            <a:r>
-              <a:rPr lang="cs-CZ">
-                <a:cs typeface="Calibri Light"/>
-              </a:rPr>
-              <a:t>Zdroje</a:t>
-            </a:r>
-          </a:p>
-        </p:txBody>
-      </p:sp>
-      <p:sp>
-        <p:nvSpPr>
-          <p:cNvPr id="3" name="Zástupný obsah 2">
-            <a:extLst>
-              <a:ext uri="{FF2B5EF4-FFF2-40B4-BE49-F238E27FC236}">
-                <a16:creationId xmlns:a16="http://schemas.microsoft.com/office/drawing/2014/main" id="{53BD2864-2797-45C9-BA46-310944DCC4E3}"/>
-              </a:ext>
-            </a:extLst>
-          </p:cNvPr>
-          <p:cNvSpPr>
-            <a:spLocks noGrp="1"/>
-          </p:cNvSpPr>
-          <p:nvPr>
-            <p:ph idx="1"/>
-          </p:nvPr>
-        </p:nvSpPr>
-        <p:spPr/>
-        <p:txBody>
-          <a:bodyPr vert="horz" lIns="91440" tIns="45720" rIns="91440" bIns="45720" rtlCol="0" anchor="t">
-            <a:normAutofit/>
-          </a:bodyPr>
-          <a:lstStyle/>
-          <a:p>
-            <a:r>
-              <a:rPr lang="cs-CZ" dirty="0">
-                <a:cs typeface="Calibri"/>
-              </a:rPr>
-              <a:t>Na grafy jsem používal </a:t>
-            </a:r>
-            <a:r>
-              <a:rPr lang="cs-CZ" dirty="0">
-                <a:ea typeface="+mn-lt"/>
-                <a:cs typeface="+mn-lt"/>
-                <a:hlinkClick r:id="rId2"/>
-              </a:rPr>
-              <a:t>Lucidchart</a:t>
-            </a:r>
-          </a:p>
-          <a:p>
-            <a:endParaRPr lang="cs-CZ">
-              <a:ea typeface="+mn-lt"/>
-              <a:cs typeface="+mn-lt"/>
-            </a:endParaRPr>
-          </a:p>
-        </p:txBody>
-      </p:sp>
-    </p:spTree>
-    <p:extLst>
-      <p:ext uri="{BB962C8B-B14F-4D97-AF65-F5344CB8AC3E}">
-        <p14:creationId xmlns:p14="http://schemas.microsoft.com/office/powerpoint/2010/main" val="1594678827"/>
       </p:ext>
     </p:extLst>
   </p:cSld>
@@ -4006,7 +2191,7 @@
           <p:cNvPr id="2" name="Nadpis 1">
             <a:extLst>
               <a:ext uri="{FF2B5EF4-FFF2-40B4-BE49-F238E27FC236}">
-                <a16:creationId xmlns:a16="http://schemas.microsoft.com/office/drawing/2014/main" id="{E04774F1-F9ED-41CF-BFA8-93D18F13734E}"/>
+                <a16:creationId xmlns:a16="http://schemas.microsoft.com/office/drawing/2014/main" id="{F91DE7B1-1ACE-422B-A98B-2BF1A9EDED73}"/>
               </a:ext>
             </a:extLst>
           </p:cNvPr>
@@ -4023,18 +2208,9 @@
           <a:lstStyle/>
           <a:p>
             <a:r>
-              <a:rPr lang="cs-CZ" err="1">
-                <a:cs typeface="Calibri Light"/>
-              </a:rPr>
-              <a:t>DoS</a:t>
-            </a:r>
-            <a:r>
-              <a:rPr lang="cs-CZ">
-                <a:cs typeface="Calibri Light"/>
-              </a:rPr>
-              <a:t> Útok</a:t>
-            </a:r>
-            <a:endParaRPr lang="cs-CZ"/>
+              <a:rPr lang="cs-CZ" dirty="0"/>
+              <a:t>Paragrafy trestního zákoníku</a:t>
+            </a:r>
           </a:p>
         </p:txBody>
       </p:sp>
@@ -4043,7 +2219,7 @@
           <p:cNvPr id="3" name="Zástupný obsah 2">
             <a:extLst>
               <a:ext uri="{FF2B5EF4-FFF2-40B4-BE49-F238E27FC236}">
-                <a16:creationId xmlns:a16="http://schemas.microsoft.com/office/drawing/2014/main" id="{F33CAF7E-7B73-4376-A077-34D2A689332C}"/>
+                <a16:creationId xmlns:a16="http://schemas.microsoft.com/office/drawing/2014/main" id="{2B4AFBE5-E015-4D03-93E4-A2F24662746F}"/>
               </a:ext>
             </a:extLst>
           </p:cNvPr>
@@ -4054,105 +2230,149 @@
             <p:ph idx="1"/>
           </p:nvPr>
         </p:nvSpPr>
-        <p:spPr/>
+        <p:spPr>
+          <a:xfrm>
+            <a:off x="1440000" y="3083212"/>
+            <a:ext cx="10392000" cy="3528000"/>
+          </a:xfrm>
+        </p:spPr>
         <p:txBody>
-          <a:bodyPr vert="horz" lIns="91440" tIns="45720" rIns="91440" bIns="45720" rtlCol="0" anchor="t">
-            <a:normAutofit/>
+          <a:bodyPr>
+            <a:normAutofit lnSpcReduction="10000"/>
           </a:bodyPr>
           <a:lstStyle/>
           <a:p>
             <a:r>
+              <a:rPr lang="cs-CZ" dirty="0"/>
+              <a:t>Hlavní paragrafy jsou 230,231,232</a:t>
+            </a:r>
+            <a:r>
+              <a:rPr lang="en-US" dirty="0"/>
+              <a:t> Trestn</a:t>
+            </a:r>
+            <a:r>
+              <a:rPr lang="cs-CZ" dirty="0"/>
+              <a:t>ího zákoníku č. 4</a:t>
+            </a:r>
+            <a:r>
+              <a:rPr lang="en-US" dirty="0"/>
+              <a:t>0/2009 Sb.</a:t>
+            </a:r>
+          </a:p>
+          <a:p>
+            <a:r>
               <a:rPr lang="cs-CZ" dirty="0">
-                <a:cs typeface="Calibri"/>
-              </a:rPr>
-              <a:t>Útok na</a:t>
+                <a:effectLst/>
+                <a:latin typeface="+mj-lt"/>
+              </a:rPr>
+              <a:t>§ 230</a:t>
             </a:r>
             <a:r>
               <a:rPr lang="en-US" dirty="0">
-                <a:cs typeface="Calibri"/>
+                <a:latin typeface="+mj-lt"/>
               </a:rPr>
               <a:t> </a:t>
             </a:r>
             <a:r>
-              <a:rPr lang="en-US" dirty="0" err="1">
-                <a:cs typeface="Calibri"/>
-              </a:rPr>
-              <a:t>slu</a:t>
-            </a:r>
-            <a:r>
-              <a:rPr lang="cs-CZ" dirty="0" err="1">
-                <a:cs typeface="Calibri"/>
-              </a:rPr>
-              <a:t>žbu</a:t>
-            </a:r>
-            <a:r>
               <a:rPr lang="cs-CZ" dirty="0">
-                <a:cs typeface="Calibri"/>
-              </a:rPr>
-              <a:t>, web , síťové zařízení, otevřený port</a:t>
-            </a:r>
+                <a:effectLst/>
+                <a:latin typeface="+mj-lt"/>
+              </a:rPr>
+              <a:t>Neoprávněný přístup k počítačovému systému a nosiči informací</a:t>
+            </a:r>
+            <a:r>
+              <a:rPr lang="en-US" dirty="0">
+                <a:effectLst/>
+                <a:latin typeface="+mj-lt"/>
+              </a:rPr>
+              <a:t> – </a:t>
+            </a:r>
+            <a:endParaRPr lang="en-US" dirty="0">
+              <a:latin typeface="+mj-lt"/>
+            </a:endParaRPr>
           </a:p>
           <a:p>
             <a:r>
               <a:rPr lang="cs-CZ" dirty="0">
-                <a:cs typeface="Calibri"/>
-              </a:rPr>
-              <a:t>Klade si za cíl </a:t>
-            </a:r>
-            <a:r>
-              <a:rPr lang="cs-CZ" dirty="0" err="1">
-                <a:cs typeface="Calibri"/>
-              </a:rPr>
-              <a:t>znefunkčnit</a:t>
+                <a:latin typeface="+mj-lt"/>
+              </a:rPr>
+              <a:t>P</a:t>
+            </a:r>
+            <a:r>
+              <a:rPr lang="cs-CZ" b="0" dirty="0">
+                <a:effectLst/>
+                <a:latin typeface="+mj-lt"/>
+              </a:rPr>
+              <a:t>řekonání bezpečnostního opatření k neoprávněnému přístupu k počítačovému systému</a:t>
+            </a:r>
+          </a:p>
+          <a:p>
+            <a:r>
+              <a:rPr lang="cs-CZ" b="0" dirty="0">
+                <a:effectLst/>
+                <a:latin typeface="+mj-lt"/>
+              </a:rPr>
+              <a:t>Tzn. že i když mám heslo na papírku vedle počítače, nemohu ho použít, protože bych porušil zákon.</a:t>
+            </a:r>
+          </a:p>
+          <a:p>
+            <a:br>
+              <a:rPr lang="cs-CZ" b="0" dirty="0">
+                <a:effectLst/>
+                <a:latin typeface="+mj-lt"/>
+              </a:rPr>
+            </a:br>
+            <a:r>
+              <a:rPr lang="cs-CZ" b="0" dirty="0">
+                <a:effectLst/>
+                <a:latin typeface="+mj-lt"/>
+              </a:rPr>
+              <a:t>Podle odstavce 2 je zakázáno jakkoli modifikovat či smazat data z počítačového systému nebo je neoprávněně použ</a:t>
             </a:r>
             <a:r>
               <a:rPr lang="cs-CZ" dirty="0">
-                <a:cs typeface="Calibri"/>
-              </a:rPr>
-              <a:t>, znemožnit přistup ostatním uživatelům</a:t>
-            </a:r>
-          </a:p>
-          <a:p>
-            <a:endParaRPr lang="cs-CZ" baseline="30000" dirty="0">
-              <a:cs typeface="Calibri"/>
+                <a:latin typeface="+mj-lt"/>
+              </a:rPr>
+              <a:t>ít</a:t>
+            </a:r>
+            <a:r>
+              <a:rPr lang="cs-CZ" b="0" dirty="0">
+                <a:effectLst/>
+                <a:latin typeface="+mj-lt"/>
+              </a:rPr>
+              <a:t>, padělat atd. </a:t>
+            </a:r>
+          </a:p>
+          <a:p>
+            <a:br>
+              <a:rPr lang="cs-CZ" b="0" dirty="0">
+                <a:effectLst/>
+                <a:latin typeface="+mj-lt"/>
+              </a:rPr>
+            </a:br>
+            <a:r>
+              <a:rPr lang="cs-CZ" b="0" dirty="0">
+                <a:effectLst/>
+                <a:latin typeface="+mj-lt"/>
+              </a:rPr>
+              <a:t>Podle odstavce tři nesmí uživatel způsobit jinému škodu nebo omezit funkčnost počítačového systému.</a:t>
+            </a:r>
+          </a:p>
+          <a:p>
+            <a:endParaRPr lang="cs-CZ" dirty="0">
+              <a:effectLst/>
+              <a:latin typeface="+mj-lt"/>
             </a:endParaRPr>
+          </a:p>
+          <a:p>
+            <a:endParaRPr lang="cs-CZ" dirty="0"/>
           </a:p>
         </p:txBody>
       </p:sp>
-      <p:pic>
-        <p:nvPicPr>
-          <p:cNvPr id="5" name="Obrázek 5">
-            <a:extLst>
-              <a:ext uri="{FF2B5EF4-FFF2-40B4-BE49-F238E27FC236}">
-                <a16:creationId xmlns:a16="http://schemas.microsoft.com/office/drawing/2014/main" id="{EA15DA5B-92EB-4BBF-BFA5-599F18729C65}"/>
-              </a:ext>
-            </a:extLst>
-          </p:cNvPr>
-          <p:cNvPicPr>
-            <a:picLocks noChangeAspect="1"/>
-          </p:cNvPicPr>
-          <p:nvPr/>
-        </p:nvPicPr>
-        <p:blipFill>
-          <a:blip r:embed="rId2"/>
-          <a:stretch>
-            <a:fillRect/>
-          </a:stretch>
-        </p:blipFill>
-        <p:spPr>
-          <a:xfrm>
-            <a:off x="7376932" y="3811623"/>
-            <a:ext cx="5116010" cy="3334123"/>
-          </a:xfrm>
-          <a:prstGeom prst="rect">
-            <a:avLst/>
-          </a:prstGeom>
-        </p:spPr>
-      </p:pic>
     </p:spTree>
     <p:extLst>
       <p:ext uri="{BB962C8B-B14F-4D97-AF65-F5344CB8AC3E}">
-        <p14:creationId xmlns:p14="http://schemas.microsoft.com/office/powerpoint/2010/main" val="135705307"/>
+        <p14:creationId xmlns:p14="http://schemas.microsoft.com/office/powerpoint/2010/main" val="1283806872"/>
       </p:ext>
     </p:extLst>
   </p:cSld>
@@ -4184,7 +2404,7 @@
           <p:cNvPr id="2" name="Nadpis 1">
             <a:extLst>
               <a:ext uri="{FF2B5EF4-FFF2-40B4-BE49-F238E27FC236}">
-                <a16:creationId xmlns:a16="http://schemas.microsoft.com/office/drawing/2014/main" id="{E1915B23-13FA-4DDC-B82E-2E0C9B30045B}"/>
+                <a16:creationId xmlns:a16="http://schemas.microsoft.com/office/drawing/2014/main" id="{6930C740-EE3C-4BC4-80A3-84FDB1B80BD6}"/>
               </a:ext>
             </a:extLst>
           </p:cNvPr>
@@ -4201,18 +2421,9 @@
           <a:lstStyle/>
           <a:p>
             <a:r>
-              <a:rPr lang="cs-CZ" err="1">
-                <a:cs typeface="Calibri Light"/>
-              </a:rPr>
-              <a:t>DDoS</a:t>
-            </a:r>
-            <a:r>
-              <a:rPr lang="cs-CZ">
-                <a:cs typeface="Calibri Light"/>
-              </a:rPr>
-              <a:t> útok</a:t>
-            </a:r>
-            <a:endParaRPr lang="cs-CZ"/>
+              <a:rPr lang="cs-CZ" dirty="0"/>
+              <a:t>Paragrafy trestního zákoníku</a:t>
+            </a:r>
           </a:p>
         </p:txBody>
       </p:sp>
@@ -4221,7 +2432,7 @@
           <p:cNvPr id="3" name="Zástupný obsah 2">
             <a:extLst>
               <a:ext uri="{FF2B5EF4-FFF2-40B4-BE49-F238E27FC236}">
-                <a16:creationId xmlns:a16="http://schemas.microsoft.com/office/drawing/2014/main" id="{C8ABB295-94ED-4E33-8048-03A80C94F380}"/>
+                <a16:creationId xmlns:a16="http://schemas.microsoft.com/office/drawing/2014/main" id="{9B25AA22-F3ED-4F44-AC77-58728690003D}"/>
               </a:ext>
             </a:extLst>
           </p:cNvPr>
@@ -4232,63 +2443,144 @@
             <p:ph idx="1"/>
           </p:nvPr>
         </p:nvSpPr>
-        <p:spPr/>
+        <p:spPr>
+          <a:xfrm>
+            <a:off x="937846" y="3059766"/>
+            <a:ext cx="11254154" cy="3528000"/>
+          </a:xfrm>
+        </p:spPr>
         <p:txBody>
-          <a:bodyPr vert="horz" lIns="91440" tIns="45720" rIns="91440" bIns="45720" rtlCol="0" anchor="t">
+          <a:bodyPr>
             <a:normAutofit/>
           </a:bodyPr>
           <a:lstStyle/>
           <a:p>
             <a:r>
-              <a:rPr lang="cs-CZ" dirty="0" err="1">
-                <a:cs typeface="Calibri"/>
-              </a:rPr>
-              <a:t>DoS</a:t>
-            </a:r>
-            <a:r>
               <a:rPr lang="cs-CZ" dirty="0">
-                <a:cs typeface="Calibri"/>
-              </a:rPr>
-              <a:t> útok o více útočnících</a:t>
-            </a:r>
+                <a:effectLst/>
+                <a:latin typeface="+mj-lt"/>
+              </a:rPr>
+              <a:t>§ 231</a:t>
+            </a:r>
+            <a:r>
+              <a:rPr lang="en-US" dirty="0">
+                <a:latin typeface="+mj-lt"/>
+              </a:rPr>
+              <a:t> </a:t>
+            </a:r>
+            <a:r>
+              <a:rPr lang="cs-CZ" dirty="0">
+                <a:effectLst/>
+                <a:latin typeface="+mj-lt"/>
+              </a:rPr>
+              <a:t>Opatření a přechovávání přístupového zařízení a hesla k počítačovému systému a jiných takových dat</a:t>
+            </a:r>
+          </a:p>
+          <a:p>
+            <a:r>
+              <a:rPr lang="cs-CZ" b="0" dirty="0">
+                <a:effectLst/>
+                <a:latin typeface="+mj-lt"/>
+              </a:rPr>
+              <a:t>Zakazuje podle trestného činu porušení tajemství či neoprávněného přístupu k nosiči </a:t>
+            </a:r>
+            <a:r>
+              <a:rPr lang="cs-CZ" b="0" dirty="0" err="1">
+                <a:effectLst/>
+                <a:latin typeface="+mj-lt"/>
+              </a:rPr>
+              <a:t>informací.S</a:t>
+            </a:r>
+            <a:r>
+              <a:rPr lang="cs-CZ" b="0" dirty="0">
+                <a:effectLst/>
+                <a:latin typeface="+mj-lt"/>
+              </a:rPr>
+              <a:t> použitím nástroje, postupu, programu a dalších věcí k získání přístupu.</a:t>
+            </a:r>
+          </a:p>
+          <a:p>
+            <a:r>
+              <a:rPr lang="cs-CZ" dirty="0">
+                <a:latin typeface="+mj-lt"/>
+              </a:rPr>
+              <a:t>Daný trestný čin dále eskaluje jedná-li v rámci organizované skupiny nebo se jedná o značný prospěch pro někoho</a:t>
+            </a:r>
+          </a:p>
+          <a:p>
+            <a:r>
+              <a:rPr lang="cs-CZ" dirty="0">
+                <a:effectLst/>
+                <a:latin typeface="+mj-lt"/>
+              </a:rPr>
+              <a:t>§ 232</a:t>
+            </a:r>
+            <a:r>
+              <a:rPr lang="cs-CZ" dirty="0">
+                <a:latin typeface="+mj-lt"/>
+              </a:rPr>
+              <a:t> </a:t>
+            </a:r>
+            <a:r>
+              <a:rPr lang="cs-CZ" dirty="0">
+                <a:effectLst/>
+                <a:latin typeface="+mj-lt"/>
+              </a:rPr>
+              <a:t>Poškození záznamu v počítačovém systému a na nosiči informací a zásah do vybavení počítače z nedbalosti - </a:t>
+            </a:r>
+            <a:r>
+              <a:rPr lang="cs-CZ" b="0" dirty="0">
+                <a:effectLst/>
+                <a:latin typeface="+mj-lt"/>
+              </a:rPr>
+              <a:t>Je poškození, zničení nebo učiní neupotřebitelnými a tím způsobí na cizím majetku značnou </a:t>
+            </a:r>
+          </a:p>
+          <a:p>
+            <a:r>
+              <a:rPr lang="cs-CZ" dirty="0">
+                <a:latin typeface="+mj-lt"/>
+              </a:rPr>
+              <a:t>Podle těchto paragrafů se určují trestné činy s výpočetní technikou ale vždy se jedná tento trestný čin spolu s nějakým, jako např. urážkou na cti, vydíráním atd.</a:t>
+            </a:r>
+            <a:br>
+              <a:rPr lang="cs-CZ" b="0" dirty="0">
+                <a:solidFill>
+                  <a:srgbClr val="D4D4D4"/>
+                </a:solidFill>
+                <a:effectLst/>
+                <a:latin typeface="Consolas" panose="020B0609020204030204" pitchFamily="49" charset="0"/>
+              </a:rPr>
+            </a:br>
+            <a:endParaRPr lang="cs-CZ" b="0" dirty="0">
+              <a:solidFill>
+                <a:srgbClr val="D4D4D4"/>
+              </a:solidFill>
+              <a:effectLst/>
+              <a:latin typeface="Consolas" panose="020B0609020204030204" pitchFamily="49" charset="0"/>
+            </a:endParaRPr>
+          </a:p>
+          <a:p>
+            <a:endParaRPr lang="cs-CZ" dirty="0">
+              <a:effectLst/>
+              <a:latin typeface="+mj-lt"/>
+            </a:endParaRPr>
+          </a:p>
+          <a:p>
+            <a:endParaRPr lang="cs-CZ" b="0" dirty="0">
+              <a:effectLst/>
+              <a:latin typeface="+mj-lt"/>
+            </a:endParaRPr>
+          </a:p>
+          <a:p>
             <a:endParaRPr lang="cs-CZ" dirty="0"/>
           </a:p>
         </p:txBody>
       </p:sp>
-      <p:pic>
-        <p:nvPicPr>
-          <p:cNvPr id="4" name="Obrázek 4">
-            <a:extLst>
-              <a:ext uri="{FF2B5EF4-FFF2-40B4-BE49-F238E27FC236}">
-                <a16:creationId xmlns:a16="http://schemas.microsoft.com/office/drawing/2014/main" id="{60C791FD-8F80-494D-946D-4092CE264649}"/>
-              </a:ext>
-            </a:extLst>
-          </p:cNvPr>
-          <p:cNvPicPr>
-            <a:picLocks noChangeAspect="1"/>
-          </p:cNvPicPr>
-          <p:nvPr/>
-        </p:nvPicPr>
-        <p:blipFill>
-          <a:blip r:embed="rId2"/>
-          <a:stretch>
-            <a:fillRect/>
-          </a:stretch>
-        </p:blipFill>
-        <p:spPr>
-          <a:xfrm>
-            <a:off x="4701858" y="3309953"/>
-            <a:ext cx="7681731" cy="3752984"/>
-          </a:xfrm>
-          <a:prstGeom prst="rect">
-            <a:avLst/>
-          </a:prstGeom>
-        </p:spPr>
-      </p:pic>
     </p:spTree>
     <p:extLst>
       <p:ext uri="{BB962C8B-B14F-4D97-AF65-F5344CB8AC3E}">
-        <p14:creationId xmlns:p14="http://schemas.microsoft.com/office/powerpoint/2010/main" val="2210780775"/>
+        <p14:creationId xmlns:p14="http://schemas.microsoft.com/office/powerpoint/2010/main" val="3863552915"/>
       </p:ext>
     </p:extLst>
   </p:cSld>
@@ -4320,7 +2612,7 @@
           <p:cNvPr id="2" name="Nadpis 1">
             <a:extLst>
               <a:ext uri="{FF2B5EF4-FFF2-40B4-BE49-F238E27FC236}">
-                <a16:creationId xmlns:a16="http://schemas.microsoft.com/office/drawing/2014/main" id="{FAE2FFDA-97F3-48BA-9F1C-57EBA05701CA}"/>
+                <a16:creationId xmlns:a16="http://schemas.microsoft.com/office/drawing/2014/main" id="{E93DC8BC-99C8-4ED3-AFC7-C8B6D808FD0E}"/>
               </a:ext>
             </a:extLst>
           </p:cNvPr>
@@ -4338,7 +2630,7 @@
           <a:p>
             <a:r>
               <a:rPr lang="cs-CZ" dirty="0"/>
-              <a:t>Typy útoků</a:t>
+              <a:t>Zákon o kybernetické bezpečnosti</a:t>
             </a:r>
           </a:p>
         </p:txBody>
@@ -4348,7 +2640,7 @@
           <p:cNvPr id="3" name="Zástupný obsah 2">
             <a:extLst>
               <a:ext uri="{FF2B5EF4-FFF2-40B4-BE49-F238E27FC236}">
-                <a16:creationId xmlns:a16="http://schemas.microsoft.com/office/drawing/2014/main" id="{C20935F6-BBF2-4D4F-8D52-C9FA8655EEC5}"/>
+                <a16:creationId xmlns:a16="http://schemas.microsoft.com/office/drawing/2014/main" id="{F8A440CF-FE32-4CAF-ADDB-8955EA61130A}"/>
               </a:ext>
             </a:extLst>
           </p:cNvPr>
@@ -4364,105 +2656,14 @@
           <a:bodyPr/>
           <a:lstStyle/>
           <a:p>
-            <a:r>
-              <a:rPr lang="en-US" dirty="0"/>
-              <a:t>UDP Flood</a:t>
-            </a:r>
-            <a:r>
-              <a:rPr lang="cs-CZ" dirty="0"/>
-              <a:t> – zahlcení otevřeného </a:t>
-            </a:r>
-            <a:r>
-              <a:rPr lang="en-US" dirty="0"/>
-              <a:t>UDP</a:t>
-            </a:r>
-            <a:r>
-              <a:rPr lang="cs-CZ" dirty="0"/>
-              <a:t> portu</a:t>
-            </a:r>
-            <a:endParaRPr lang="en-US" dirty="0"/>
-          </a:p>
-          <a:p>
-            <a:r>
-              <a:rPr lang="en-US" dirty="0"/>
-              <a:t>HTTP Flood</a:t>
-            </a:r>
-            <a:r>
-              <a:rPr lang="cs-CZ" dirty="0"/>
-              <a:t> – jako GET/POST </a:t>
-            </a:r>
-            <a:r>
-              <a:rPr lang="en-US" dirty="0"/>
-              <a:t>Request</a:t>
-            </a:r>
-            <a:r>
-              <a:rPr lang="cs-CZ" dirty="0"/>
-              <a:t> na stránku</a:t>
-            </a:r>
-            <a:endParaRPr lang="en-US" dirty="0"/>
-          </a:p>
-          <a:p>
-            <a:r>
-              <a:rPr lang="en-US" dirty="0"/>
-              <a:t>SYN Flood</a:t>
-            </a:r>
-            <a:r>
-              <a:rPr lang="cs-CZ" dirty="0"/>
-              <a:t> – využití chyby v TCP připojení</a:t>
-            </a:r>
-            <a:endParaRPr lang="en-US" dirty="0"/>
-          </a:p>
-          <a:p>
-            <a:r>
-              <a:rPr lang="en-US" dirty="0"/>
-              <a:t>Ping Flood</a:t>
-            </a:r>
-            <a:r>
-              <a:rPr lang="cs-CZ" dirty="0"/>
-              <a:t> – </a:t>
-            </a:r>
-            <a:r>
-              <a:rPr lang="en-US" dirty="0" err="1"/>
-              <a:t>velk</a:t>
-            </a:r>
-            <a:r>
-              <a:rPr lang="cs-CZ" dirty="0"/>
-              <a:t>é množství pingů</a:t>
-            </a:r>
-            <a:endParaRPr lang="en-US" dirty="0"/>
-          </a:p>
-          <a:p>
-            <a:r>
-              <a:rPr lang="en-US" dirty="0" err="1"/>
-              <a:t>Slowloris</a:t>
-            </a:r>
-            <a:r>
-              <a:rPr lang="cs-CZ" dirty="0"/>
-              <a:t> – mnoho otevřených připojení a udržování jich co nejdéle</a:t>
-            </a:r>
-            <a:endParaRPr lang="en-US" dirty="0"/>
-          </a:p>
-          <a:p>
-            <a:r>
-              <a:rPr lang="en-US" dirty="0"/>
-              <a:t>P</a:t>
-            </a:r>
-            <a:r>
-              <a:rPr lang="cs-CZ" dirty="0" err="1"/>
-              <a:t>řesnější</a:t>
-            </a:r>
-            <a:r>
-              <a:rPr lang="cs-CZ" dirty="0"/>
-              <a:t> útoky na aplikační vrstvě</a:t>
-            </a:r>
-            <a:endParaRPr lang="en-US" dirty="0"/>
+            <a:endParaRPr lang="cs-CZ"/>
           </a:p>
         </p:txBody>
       </p:sp>
     </p:spTree>
     <p:extLst>
       <p:ext uri="{BB962C8B-B14F-4D97-AF65-F5344CB8AC3E}">
-        <p14:creationId xmlns:p14="http://schemas.microsoft.com/office/powerpoint/2010/main" val="3676290109"/>
+        <p14:creationId xmlns:p14="http://schemas.microsoft.com/office/powerpoint/2010/main" val="392731143"/>
       </p:ext>
     </p:extLst>
   </p:cSld>
@@ -4494,7 +2695,7 @@
           <p:cNvPr id="2" name="Nadpis 1">
             <a:extLst>
               <a:ext uri="{FF2B5EF4-FFF2-40B4-BE49-F238E27FC236}">
-                <a16:creationId xmlns:a16="http://schemas.microsoft.com/office/drawing/2014/main" id="{5EE21723-C3C8-4A8F-86D7-D5D72158272C}"/>
+                <a16:creationId xmlns:a16="http://schemas.microsoft.com/office/drawing/2014/main" id="{F91DE7B1-1ACE-422B-A98B-2BF1A9EDED73}"/>
               </a:ext>
             </a:extLst>
           </p:cNvPr>
@@ -4505,150 +2706,21 @@
             <p:ph type="title"/>
           </p:nvPr>
         </p:nvSpPr>
-        <p:spPr/>
+        <p:spPr>
+          <a:xfrm>
+            <a:off x="3449637" y="2762250"/>
+            <a:ext cx="10515600" cy="1325563"/>
+          </a:xfrm>
+        </p:spPr>
         <p:txBody>
           <a:bodyPr/>
           <a:lstStyle/>
           <a:p>
             <a:r>
               <a:rPr lang="cs-CZ" dirty="0">
-                <a:cs typeface="Calibri"/>
-              </a:rPr>
-              <a:t>Vhodný nástroj k útoku</a:t>
-            </a:r>
-          </a:p>
-        </p:txBody>
-      </p:sp>
-      <p:sp>
-        <p:nvSpPr>
-          <p:cNvPr id="3" name="Zástupný obsah 2">
-            <a:extLst>
-              <a:ext uri="{FF2B5EF4-FFF2-40B4-BE49-F238E27FC236}">
-                <a16:creationId xmlns:a16="http://schemas.microsoft.com/office/drawing/2014/main" id="{324FB821-E072-4D77-B7AC-38BB979C8FC5}"/>
-              </a:ext>
-            </a:extLst>
-          </p:cNvPr>
-          <p:cNvSpPr>
-            <a:spLocks noGrp="1"/>
-          </p:cNvSpPr>
-          <p:nvPr>
-            <p:ph idx="1"/>
-          </p:nvPr>
-        </p:nvSpPr>
-        <p:spPr/>
-        <p:txBody>
-          <a:bodyPr vert="horz" lIns="91440" tIns="45720" rIns="91440" bIns="45720" rtlCol="0" anchor="t">
-            <a:normAutofit/>
-          </a:bodyPr>
-          <a:lstStyle/>
-          <a:p>
-            <a:r>
-              <a:rPr lang="cs-CZ" dirty="0">
-                <a:cs typeface="Calibri"/>
-              </a:rPr>
-              <a:t>Požadavky: </a:t>
-            </a:r>
-          </a:p>
-          <a:p>
-            <a:pPr marL="342900" indent="-342900">
-              <a:buFontTx/>
-              <a:buChar char="-"/>
-            </a:pPr>
-            <a:r>
-              <a:rPr lang="cs-CZ" dirty="0">
-                <a:cs typeface="Calibri"/>
-              </a:rPr>
-              <a:t>Ideálně Windows a Linux</a:t>
-            </a:r>
-            <a:endParaRPr lang="en-US" dirty="0">
-              <a:cs typeface="Calibri"/>
-            </a:endParaRPr>
-          </a:p>
-          <a:p>
-            <a:pPr marL="342900" indent="-342900">
-              <a:buFontTx/>
-              <a:buChar char="-"/>
-            </a:pPr>
-            <a:r>
-              <a:rPr lang="en-US" dirty="0">
-                <a:cs typeface="Calibri"/>
-              </a:rPr>
-              <a:t>Vy</a:t>
-            </a:r>
-            <a:r>
-              <a:rPr lang="cs-CZ" dirty="0">
-                <a:cs typeface="Calibri"/>
-              </a:rPr>
-              <a:t>žadován </a:t>
-            </a:r>
-            <a:r>
-              <a:rPr lang="en-US" dirty="0">
-                <a:cs typeface="Calibri"/>
-              </a:rPr>
-              <a:t>Open Source </a:t>
-            </a:r>
-          </a:p>
-          <a:p>
-            <a:pPr marL="342900" indent="-342900">
-              <a:buFontTx/>
-              <a:buChar char="-"/>
-            </a:pPr>
-            <a:r>
-              <a:rPr lang="cs-CZ" dirty="0">
-                <a:cs typeface="Calibri"/>
-              </a:rPr>
-              <a:t>Nejlépe možnost ovládat jak GUI tak CLI</a:t>
-            </a:r>
-          </a:p>
-          <a:p>
-            <a:pPr marL="342900" indent="-342900">
-              <a:buFontTx/>
-              <a:buChar char="-"/>
-            </a:pPr>
-            <a:r>
-              <a:rPr lang="cs-CZ" dirty="0">
-                <a:cs typeface="Calibri"/>
-              </a:rPr>
-              <a:t>Možnost měnit počet vláken, typ útoku, rychlost</a:t>
-            </a:r>
-            <a:endParaRPr lang="en-US" dirty="0">
-              <a:cs typeface="Calibri"/>
-            </a:endParaRPr>
-          </a:p>
-          <a:p>
-            <a:pPr marL="342900" indent="-342900">
-              <a:buFontTx/>
-              <a:buChar char="-"/>
-            </a:pPr>
-            <a:r>
-              <a:rPr lang="cs-CZ" dirty="0">
-                <a:cs typeface="Calibri"/>
-              </a:rPr>
-              <a:t>Statistika o počtu připojení, provedených požadavků a počtu nepovedených</a:t>
-            </a:r>
-          </a:p>
-          <a:p>
-            <a:pPr marL="342900" indent="-342900">
-              <a:buFontTx/>
-              <a:buChar char="-"/>
-            </a:pPr>
-            <a:r>
-              <a:rPr lang="cs-CZ" dirty="0">
-                <a:cs typeface="Calibri"/>
-              </a:rPr>
-              <a:t>Možnost zabudované možnosti ovládání pomocí </a:t>
-            </a:r>
-            <a:r>
-              <a:rPr lang="cs-CZ" dirty="0" err="1">
-                <a:cs typeface="Calibri"/>
-              </a:rPr>
-              <a:t>botnetů</a:t>
-            </a:r>
-            <a:r>
-              <a:rPr lang="cs-CZ" dirty="0">
-                <a:cs typeface="Calibri"/>
-              </a:rPr>
-              <a:t> výhodou</a:t>
+                <a:cs typeface="Calibri Light"/>
+              </a:rPr>
+              <a:t>Děkuji za pozornost!</a:t>
             </a:r>
           </a:p>
         </p:txBody>
@@ -4656,7 +2728,7 @@
     </p:spTree>
     <p:extLst>
       <p:ext uri="{BB962C8B-B14F-4D97-AF65-F5344CB8AC3E}">
-        <p14:creationId xmlns:p14="http://schemas.microsoft.com/office/powerpoint/2010/main" val="919674750"/>
+        <p14:creationId xmlns:p14="http://schemas.microsoft.com/office/powerpoint/2010/main" val="3347645221"/>
       </p:ext>
     </p:extLst>
   </p:cSld>
@@ -4688,7 +2760,7 @@
           <p:cNvPr id="2" name="Nadpis 1">
             <a:extLst>
               <a:ext uri="{FF2B5EF4-FFF2-40B4-BE49-F238E27FC236}">
-                <a16:creationId xmlns:a16="http://schemas.microsoft.com/office/drawing/2014/main" id="{5EE21723-C3C8-4A8F-86D7-D5D72158272C}"/>
+                <a16:creationId xmlns:a16="http://schemas.microsoft.com/office/drawing/2014/main" id="{4AD65151-25F6-4CAA-8F2F-583CC6D94A46}"/>
               </a:ext>
             </a:extLst>
           </p:cNvPr>
@@ -4705,10 +2777,10 @@
           <a:lstStyle/>
           <a:p>
             <a:r>
-              <a:rPr lang="cs-CZ" dirty="0">
-                <a:cs typeface="Calibri"/>
-              </a:rPr>
-              <a:t>Vhodný nástroj k útoku</a:t>
+              <a:rPr lang="cs-CZ">
+                <a:cs typeface="Calibri Light"/>
+              </a:rPr>
+              <a:t>Zdroje</a:t>
             </a:r>
           </a:p>
         </p:txBody>
@@ -4718,7 +2790,7 @@
           <p:cNvPr id="3" name="Zástupný obsah 2">
             <a:extLst>
               <a:ext uri="{FF2B5EF4-FFF2-40B4-BE49-F238E27FC236}">
-                <a16:creationId xmlns:a16="http://schemas.microsoft.com/office/drawing/2014/main" id="{324FB821-E072-4D77-B7AC-38BB979C8FC5}"/>
+                <a16:creationId xmlns:a16="http://schemas.microsoft.com/office/drawing/2014/main" id="{53BD2864-2797-45C9-BA46-310944DCC4E3}"/>
               </a:ext>
             </a:extLst>
           </p:cNvPr>
@@ -4738,390 +2810,48 @@
           <a:p>
             <a:r>
               <a:rPr lang="cs-CZ" dirty="0">
-                <a:cs typeface="Calibri"/>
-              </a:rPr>
-              <a:t>Jako první a nejlepší varianta </a:t>
-            </a:r>
-            <a:r>
-              <a:rPr lang="en-US" dirty="0">
-                <a:cs typeface="Calibri"/>
-              </a:rPr>
-              <a:t>: </a:t>
+                <a:ea typeface="+mn-lt"/>
+                <a:cs typeface="+mn-lt"/>
+              </a:rPr>
+              <a:t>https://www.policie.cz/</a:t>
+            </a:r>
+            <a:r>
+              <a:rPr lang="cs-CZ" dirty="0" err="1">
+                <a:ea typeface="+mn-lt"/>
+                <a:cs typeface="+mn-lt"/>
+              </a:rPr>
+              <a:t>clanek</a:t>
             </a:r>
             <a:r>
               <a:rPr lang="cs-CZ" dirty="0">
-                <a:cs typeface="Calibri"/>
-              </a:rPr>
-              <a:t>LOIC</a:t>
-            </a:r>
-            <a:r>
-              <a:rPr lang="cs-CZ" baseline="30000" dirty="0">
-                <a:cs typeface="Calibri"/>
-              </a:rPr>
-              <a:t>1</a:t>
-            </a:r>
-            <a:r>
-              <a:rPr lang="cs-CZ" dirty="0">
-                <a:cs typeface="Calibri"/>
-              </a:rPr>
-              <a:t>  Windows v C</a:t>
-            </a:r>
-            <a:r>
-              <a:rPr lang="en-US" dirty="0">
-                <a:cs typeface="Calibri"/>
-              </a:rPr>
-              <a:t>#</a:t>
-            </a:r>
-            <a:r>
-              <a:rPr lang="cs-CZ" dirty="0">
-                <a:cs typeface="Calibri"/>
-              </a:rPr>
-              <a:t>, Pro Linux nutno použít </a:t>
-            </a:r>
-            <a:r>
-              <a:rPr lang="cs-CZ" dirty="0" err="1">
-                <a:cs typeface="Calibri"/>
-              </a:rPr>
-              <a:t>Wine,Mono</a:t>
+                <a:ea typeface="+mn-lt"/>
+                <a:cs typeface="+mn-lt"/>
+              </a:rPr>
+              <a:t>/jednotlive-druhy-kyberkriminality.aspx#:~:text=Neopr%C3%A1vn%C4%9Bn%C3%BD%20p%C5%99%C3%ADstup%20k%20po%C4%8D%C3%ADta%C4%8Dov%C3%A9mu%20syst%C3%A9mu,neposledn%C3%AD%20%C5%99ad%C4%9B%20i%20zneu%C5%BE%C3%ADv%C3%A1n%C3%AD%20za%C5%99%C3%ADzen%C3%AD.</a:t>
             </a:r>
             <a:endParaRPr lang="en-US" dirty="0">
-              <a:cs typeface="Calibri"/>
+              <a:ea typeface="+mn-lt"/>
+              <a:cs typeface="+mn-lt"/>
             </a:endParaRPr>
           </a:p>
           <a:p>
-            <a:r>
-              <a:rPr lang="cs-CZ" dirty="0">
-                <a:cs typeface="Calibri"/>
-              </a:rPr>
-              <a:t>Varianta pro Linux: jako hlavní a nejlepší mi vyšla mnou upravená verze Hulku</a:t>
-            </a:r>
-            <a:r>
-              <a:rPr lang="cs-CZ" baseline="30000" dirty="0">
-                <a:cs typeface="Calibri"/>
-              </a:rPr>
-              <a:t>2</a:t>
-            </a:r>
-            <a:r>
-              <a:rPr lang="cs-CZ" dirty="0">
-                <a:cs typeface="Calibri"/>
-              </a:rPr>
-              <a:t> v jazyce </a:t>
-            </a:r>
-            <a:r>
-              <a:rPr lang="cs-CZ" dirty="0" err="1">
-                <a:cs typeface="Calibri"/>
-              </a:rPr>
-              <a:t>Go,Python</a:t>
-            </a:r>
+            <a:endParaRPr lang="en-US" dirty="0">
+              <a:ea typeface="+mn-lt"/>
+              <a:cs typeface="+mn-lt"/>
+            </a:endParaRPr>
+          </a:p>
+          <a:p>
             <a:endParaRPr lang="cs-CZ" dirty="0">
-              <a:cs typeface="Calibri"/>
+              <a:ea typeface="+mn-lt"/>
+              <a:cs typeface="+mn-lt"/>
             </a:endParaRPr>
-          </a:p>
-          <a:p>
-            <a:endParaRPr lang="cs-CZ" dirty="0">
-              <a:cs typeface="Calibri"/>
-            </a:endParaRPr>
-          </a:p>
-          <a:p>
-            <a:endParaRPr lang="cs-CZ" dirty="0">
-              <a:cs typeface="Calibri"/>
-            </a:endParaRPr>
-          </a:p>
-        </p:txBody>
-      </p:sp>
-      <p:sp>
-        <p:nvSpPr>
-          <p:cNvPr id="5" name="TextovéPole 4">
-            <a:extLst>
-              <a:ext uri="{FF2B5EF4-FFF2-40B4-BE49-F238E27FC236}">
-                <a16:creationId xmlns:a16="http://schemas.microsoft.com/office/drawing/2014/main" id="{A541E3B7-206A-4A97-892F-123BD9FE86BC}"/>
-              </a:ext>
-            </a:extLst>
-          </p:cNvPr>
-          <p:cNvSpPr txBox="1"/>
-          <p:nvPr/>
-        </p:nvSpPr>
-        <p:spPr>
-          <a:xfrm>
-            <a:off x="179754" y="6395285"/>
-            <a:ext cx="6096000" cy="577081"/>
-          </a:xfrm>
-          <a:prstGeom prst="rect">
-            <a:avLst/>
-          </a:prstGeom>
-          <a:noFill/>
-        </p:spPr>
-        <p:txBody>
-          <a:bodyPr wrap="square">
-            <a:spAutoFit/>
-          </a:bodyPr>
-          <a:lstStyle/>
-          <a:p>
-            <a:r>
-              <a:rPr lang="cs-CZ" sz="1050" baseline="30000" dirty="0">
-                <a:cs typeface="Calibri"/>
-              </a:rPr>
-              <a:t>1</a:t>
-            </a:r>
-            <a:r>
-              <a:rPr lang="cs-CZ" sz="1050" dirty="0">
-                <a:cs typeface="Calibri"/>
-              </a:rPr>
-              <a:t>https://github.com/</a:t>
-            </a:r>
-            <a:r>
-              <a:rPr lang="cs-CZ" sz="1050" dirty="0" err="1">
-                <a:cs typeface="Calibri"/>
-              </a:rPr>
-              <a:t>NewEraCracker</a:t>
-            </a:r>
-            <a:r>
-              <a:rPr lang="cs-CZ" sz="1050" dirty="0">
-                <a:cs typeface="Calibri"/>
-              </a:rPr>
-              <a:t>/LOIC</a:t>
-            </a:r>
-            <a:endParaRPr lang="en-US" sz="1050" dirty="0">
-              <a:cs typeface="Calibri"/>
-            </a:endParaRPr>
-          </a:p>
-          <a:p>
-            <a:r>
-              <a:rPr lang="cs-CZ" sz="1050" baseline="30000" dirty="0">
-                <a:cs typeface="Calibri"/>
-              </a:rPr>
-              <a:t>2</a:t>
-            </a:r>
-            <a:r>
-              <a:rPr lang="cs-CZ" sz="1050" dirty="0">
-                <a:cs typeface="Calibri"/>
-              </a:rPr>
-              <a:t>https://github.com/</a:t>
-            </a:r>
-            <a:r>
-              <a:rPr lang="cs-CZ" sz="1050" dirty="0" err="1">
-                <a:cs typeface="Calibri"/>
-              </a:rPr>
-              <a:t>grafov</a:t>
-            </a:r>
-            <a:r>
-              <a:rPr lang="cs-CZ" sz="1050" dirty="0">
-                <a:cs typeface="Calibri"/>
-              </a:rPr>
-              <a:t>/</a:t>
-            </a:r>
-            <a:r>
-              <a:rPr lang="cs-CZ" sz="1050" dirty="0" err="1">
-                <a:cs typeface="Calibri"/>
-              </a:rPr>
-              <a:t>hulk</a:t>
-            </a:r>
-            <a:endParaRPr lang="cs-CZ" sz="1050" dirty="0"/>
-          </a:p>
-          <a:p>
-            <a:endParaRPr lang="cs-CZ" sz="1050" dirty="0"/>
           </a:p>
         </p:txBody>
       </p:sp>
     </p:spTree>
     <p:extLst>
       <p:ext uri="{BB962C8B-B14F-4D97-AF65-F5344CB8AC3E}">
-        <p14:creationId xmlns:p14="http://schemas.microsoft.com/office/powerpoint/2010/main" val="1266333076"/>
-      </p:ext>
-    </p:extLst>
-  </p:cSld>
-  <p:clrMapOvr>
-    <a:masterClrMapping/>
-  </p:clrMapOvr>
-</p:sld>
-</file>
-
-<file path=ppt/slides/slide9.xml><?xml version="1.0" encoding="utf-8"?>
-<p:sld xmlns:a="http://schemas.openxmlformats.org/drawingml/2006/main" xmlns:r="http://schemas.openxmlformats.org/officeDocument/2006/relationships" xmlns:p="http://schemas.openxmlformats.org/presentationml/2006/main">
-  <p:cSld>
-    <p:spTree>
-      <p:nvGrpSpPr>
-        <p:cNvPr id="1" name=""/>
-        <p:cNvGrpSpPr/>
-        <p:nvPr/>
-      </p:nvGrpSpPr>
-      <p:grpSpPr>
-        <a:xfrm>
-          <a:off x="0" y="0"/>
-          <a:ext cx="0" cy="0"/>
-          <a:chOff x="0" y="0"/>
-          <a:chExt cx="0" cy="0"/>
-        </a:xfrm>
-      </p:grpSpPr>
-      <p:sp>
-        <p:nvSpPr>
-          <p:cNvPr id="2" name="Nadpis 1">
-            <a:extLst>
-              <a:ext uri="{FF2B5EF4-FFF2-40B4-BE49-F238E27FC236}">
-                <a16:creationId xmlns:a16="http://schemas.microsoft.com/office/drawing/2014/main" id="{6CEF2603-089B-4C08-9D81-5BAAFB7CEEB2}"/>
-              </a:ext>
-            </a:extLst>
-          </p:cNvPr>
-          <p:cNvSpPr>
-            <a:spLocks noGrp="1"/>
-          </p:cNvSpPr>
-          <p:nvPr>
-            <p:ph type="title"/>
-          </p:nvPr>
-        </p:nvSpPr>
-        <p:spPr/>
-        <p:txBody>
-          <a:bodyPr/>
-          <a:lstStyle/>
-          <a:p>
-            <a:r>
-              <a:rPr lang="en-US" dirty="0"/>
-              <a:t>LOIC – Low Orbit Ion Cannon</a:t>
-            </a:r>
-            <a:endParaRPr lang="cs-CZ" dirty="0"/>
-          </a:p>
-        </p:txBody>
-      </p:sp>
-      <p:sp>
-        <p:nvSpPr>
-          <p:cNvPr id="3" name="Zástupný obsah 2">
-            <a:extLst>
-              <a:ext uri="{FF2B5EF4-FFF2-40B4-BE49-F238E27FC236}">
-                <a16:creationId xmlns:a16="http://schemas.microsoft.com/office/drawing/2014/main" id="{5941D0CA-9955-4EDD-BB95-854C192481D2}"/>
-              </a:ext>
-            </a:extLst>
-          </p:cNvPr>
-          <p:cNvSpPr>
-            <a:spLocks noGrp="1"/>
-          </p:cNvSpPr>
-          <p:nvPr>
-            <p:ph idx="1"/>
-          </p:nvPr>
-        </p:nvSpPr>
-        <p:spPr/>
-        <p:txBody>
-          <a:bodyPr>
-            <a:normAutofit fontScale="92500" lnSpcReduction="20000"/>
-          </a:bodyPr>
-          <a:lstStyle/>
-          <a:p>
-            <a:r>
-              <a:rPr lang="en-US" dirty="0"/>
-              <a:t>Open source </a:t>
-            </a:r>
-            <a:r>
-              <a:rPr lang="cs-CZ" dirty="0"/>
-              <a:t>řešení napsané v C</a:t>
-            </a:r>
-            <a:r>
-              <a:rPr lang="en-US" dirty="0"/>
-              <a:t>#</a:t>
-            </a:r>
-            <a:r>
-              <a:rPr lang="cs-CZ" dirty="0"/>
-              <a:t> pro Windows</a:t>
-            </a:r>
-          </a:p>
-          <a:p>
-            <a:r>
-              <a:rPr lang="cs-CZ" dirty="0"/>
-              <a:t>Možnosti:</a:t>
-            </a:r>
-          </a:p>
-          <a:p>
-            <a:r>
-              <a:rPr lang="cs-CZ" dirty="0"/>
-              <a:t>- Vložit URL nebo rovnou IP adresu(Při vložení URL </a:t>
-            </a:r>
-            <a:r>
-              <a:rPr lang="cs-CZ" dirty="0" err="1"/>
-              <a:t>pullne</a:t>
-            </a:r>
-            <a:r>
-              <a:rPr lang="cs-CZ" dirty="0"/>
-              <a:t> </a:t>
-            </a:r>
-            <a:r>
-              <a:rPr lang="cs-CZ" dirty="0" err="1"/>
-              <a:t>ip</a:t>
-            </a:r>
-            <a:r>
-              <a:rPr lang="cs-CZ" dirty="0"/>
-              <a:t> adresu)</a:t>
-            </a:r>
-          </a:p>
-          <a:p>
-            <a:r>
-              <a:rPr lang="cs-CZ" dirty="0"/>
-              <a:t>- Zvolit protokol (TCP,UDP,HTTP),zvolení počtu vláken a také možnost čekání na response</a:t>
-            </a:r>
-            <a:endParaRPr lang="en-US" dirty="0"/>
-          </a:p>
-          <a:p>
-            <a:r>
-              <a:rPr lang="cs-CZ" dirty="0"/>
-              <a:t>- Ovládat klienta pomocí IRC kde je připojen na serveru a poslouchá příkazy</a:t>
-            </a:r>
-            <a:endParaRPr lang="en-US" dirty="0"/>
-          </a:p>
-          <a:p>
-            <a:endParaRPr lang="en-US" dirty="0"/>
-          </a:p>
-          <a:p>
-            <a:endParaRPr lang="en-US" dirty="0"/>
-          </a:p>
-          <a:p>
-            <a:endParaRPr lang="en-US" dirty="0"/>
-          </a:p>
-          <a:p>
-            <a:endParaRPr lang="en-US" dirty="0"/>
-          </a:p>
-          <a:p>
-            <a:r>
-              <a:rPr lang="cs-CZ" dirty="0"/>
-              <a:t>Odkaz</a:t>
-            </a:r>
-            <a:r>
-              <a:rPr lang="en-US" dirty="0"/>
-              <a:t>: https://github.com/NewEraCracker/LOIC</a:t>
-            </a:r>
-          </a:p>
-        </p:txBody>
-      </p:sp>
-      <p:pic>
-        <p:nvPicPr>
-          <p:cNvPr id="7" name="Obrázek 6">
-            <a:extLst>
-              <a:ext uri="{FF2B5EF4-FFF2-40B4-BE49-F238E27FC236}">
-                <a16:creationId xmlns:a16="http://schemas.microsoft.com/office/drawing/2014/main" id="{F310C965-642A-41F5-A51C-E82AAF0037AA}"/>
-              </a:ext>
-            </a:extLst>
-          </p:cNvPr>
-          <p:cNvPicPr>
-            <a:picLocks noChangeAspect="1"/>
-          </p:cNvPicPr>
-          <p:nvPr/>
-        </p:nvPicPr>
-        <p:blipFill>
-          <a:blip r:embed="rId2"/>
-          <a:stretch>
-            <a:fillRect/>
-          </a:stretch>
-        </p:blipFill>
-        <p:spPr>
-          <a:xfrm>
-            <a:off x="6273148" y="75538"/>
-            <a:ext cx="5747402" cy="2984228"/>
-          </a:xfrm>
-          <a:prstGeom prst="rect">
-            <a:avLst/>
-          </a:prstGeom>
-        </p:spPr>
-      </p:pic>
-    </p:spTree>
-    <p:extLst>
-      <p:ext uri="{BB962C8B-B14F-4D97-AF65-F5344CB8AC3E}">
-        <p14:creationId xmlns:p14="http://schemas.microsoft.com/office/powerpoint/2010/main" val="757241748"/>
+        <p14:creationId xmlns:p14="http://schemas.microsoft.com/office/powerpoint/2010/main" val="1594678827"/>
       </p:ext>
     </p:extLst>
   </p:cSld>

--- a/Kochanek_projekt_II_it_use_liability.pptx
+++ b/Kochanek_projekt_II_it_use_liability.pptx
@@ -5,7 +5,7 @@
     <p:sldMasterId id="2147483660" r:id="rId1"/>
   </p:sldMasterIdLst>
   <p:notesMasterIdLst>
-    <p:notesMasterId r:id="rId10"/>
+    <p:notesMasterId r:id="rId12"/>
   </p:notesMasterIdLst>
   <p:sldIdLst>
     <p:sldId id="256" r:id="rId2"/>
@@ -14,8 +14,10 @@
     <p:sldId id="267" r:id="rId5"/>
     <p:sldId id="270" r:id="rId6"/>
     <p:sldId id="271" r:id="rId7"/>
-    <p:sldId id="268" r:id="rId8"/>
-    <p:sldId id="261" r:id="rId9"/>
+    <p:sldId id="272" r:id="rId8"/>
+    <p:sldId id="273" r:id="rId9"/>
+    <p:sldId id="268" r:id="rId10"/>
+    <p:sldId id="261" r:id="rId11"/>
   </p:sldIdLst>
   <p:sldSz cx="12192000" cy="6858000"/>
   <p:notesSz cx="6858000" cy="9144000"/>
@@ -218,7 +220,7 @@
           <a:p>
             <a:fld id="{BBE73205-81ED-456F-9C45-E7D4927D1E88}" type="datetimeFigureOut">
               <a:rPr lang="cs-CZ" smtClean="0"/>
-              <a:t>15.05.2022</a:t>
+              <a:t>27.05.2022</a:t>
             </a:fld>
             <a:endParaRPr lang="cs-CZ"/>
           </a:p>
@@ -1830,6 +1832,129 @@
 </p:sld>
 </file>
 
+<file path=ppt/slides/slide10.xml><?xml version="1.0" encoding="utf-8"?>
+<p:sld xmlns:a="http://schemas.openxmlformats.org/drawingml/2006/main" xmlns:r="http://schemas.openxmlformats.org/officeDocument/2006/relationships" xmlns:p="http://schemas.openxmlformats.org/presentationml/2006/main">
+  <p:cSld>
+    <p:spTree>
+      <p:nvGrpSpPr>
+        <p:cNvPr id="1" name=""/>
+        <p:cNvGrpSpPr/>
+        <p:nvPr/>
+      </p:nvGrpSpPr>
+      <p:grpSpPr>
+        <a:xfrm>
+          <a:off x="0" y="0"/>
+          <a:ext cx="0" cy="0"/>
+          <a:chOff x="0" y="0"/>
+          <a:chExt cx="0" cy="0"/>
+        </a:xfrm>
+      </p:grpSpPr>
+      <p:sp>
+        <p:nvSpPr>
+          <p:cNvPr id="2" name="Nadpis 1">
+            <a:extLst>
+              <a:ext uri="{FF2B5EF4-FFF2-40B4-BE49-F238E27FC236}">
+                <a16:creationId xmlns:a16="http://schemas.microsoft.com/office/drawing/2014/main" id="{4AD65151-25F6-4CAA-8F2F-583CC6D94A46}"/>
+              </a:ext>
+            </a:extLst>
+          </p:cNvPr>
+          <p:cNvSpPr>
+            <a:spLocks noGrp="1"/>
+          </p:cNvSpPr>
+          <p:nvPr>
+            <p:ph type="title"/>
+          </p:nvPr>
+        </p:nvSpPr>
+        <p:spPr/>
+        <p:txBody>
+          <a:bodyPr/>
+          <a:lstStyle/>
+          <a:p>
+            <a:r>
+              <a:rPr lang="cs-CZ">
+                <a:cs typeface="Calibri Light"/>
+              </a:rPr>
+              <a:t>Zdroje</a:t>
+            </a:r>
+          </a:p>
+        </p:txBody>
+      </p:sp>
+      <p:sp>
+        <p:nvSpPr>
+          <p:cNvPr id="3" name="Zástupný obsah 2">
+            <a:extLst>
+              <a:ext uri="{FF2B5EF4-FFF2-40B4-BE49-F238E27FC236}">
+                <a16:creationId xmlns:a16="http://schemas.microsoft.com/office/drawing/2014/main" id="{53BD2864-2797-45C9-BA46-310944DCC4E3}"/>
+              </a:ext>
+            </a:extLst>
+          </p:cNvPr>
+          <p:cNvSpPr>
+            <a:spLocks noGrp="1"/>
+          </p:cNvSpPr>
+          <p:nvPr>
+            <p:ph idx="1"/>
+          </p:nvPr>
+        </p:nvSpPr>
+        <p:spPr/>
+        <p:txBody>
+          <a:bodyPr vert="horz" lIns="91440" tIns="45720" rIns="91440" bIns="45720" rtlCol="0" anchor="t">
+            <a:normAutofit/>
+          </a:bodyPr>
+          <a:lstStyle/>
+          <a:p>
+            <a:r>
+              <a:rPr lang="cs-CZ" dirty="0">
+                <a:ea typeface="+mn-lt"/>
+                <a:cs typeface="+mn-lt"/>
+              </a:rPr>
+              <a:t>https://www.policie.cz/</a:t>
+            </a:r>
+            <a:r>
+              <a:rPr lang="cs-CZ" dirty="0" err="1">
+                <a:ea typeface="+mn-lt"/>
+                <a:cs typeface="+mn-lt"/>
+              </a:rPr>
+              <a:t>clanek</a:t>
+            </a:r>
+            <a:r>
+              <a:rPr lang="cs-CZ" dirty="0">
+                <a:ea typeface="+mn-lt"/>
+                <a:cs typeface="+mn-lt"/>
+              </a:rPr>
+              <a:t>/jednotlive-druhy-kyberkriminality.aspx#:~:text=Neopr%C3%A1vn%C4%9Bn%C3%BD%20p%C5%99%C3%ADstup%20k%20po%C4%8D%C3%ADta%C4%8Dov%C3%A9mu%20syst%C3%A9mu,neposledn%C3%AD%20%C5%99ad%C4%9B%20i%20zneu%C5%BE%C3%ADv%C3%A1n%C3%AD%20za%C5%99%C3%ADzen%C3%AD.</a:t>
+            </a:r>
+            <a:endParaRPr lang="en-US" dirty="0">
+              <a:ea typeface="+mn-lt"/>
+              <a:cs typeface="+mn-lt"/>
+            </a:endParaRPr>
+          </a:p>
+          <a:p>
+            <a:endParaRPr lang="en-US" dirty="0">
+              <a:ea typeface="+mn-lt"/>
+              <a:cs typeface="+mn-lt"/>
+            </a:endParaRPr>
+          </a:p>
+          <a:p>
+            <a:endParaRPr lang="cs-CZ" dirty="0">
+              <a:ea typeface="+mn-lt"/>
+              <a:cs typeface="+mn-lt"/>
+            </a:endParaRPr>
+          </a:p>
+        </p:txBody>
+      </p:sp>
+    </p:spTree>
+    <p:extLst>
+      <p:ext uri="{BB962C8B-B14F-4D97-AF65-F5344CB8AC3E}">
+        <p14:creationId xmlns:p14="http://schemas.microsoft.com/office/powerpoint/2010/main" val="1594678827"/>
+      </p:ext>
+    </p:extLst>
+  </p:cSld>
+  <p:clrMapOvr>
+    <a:masterClrMapping/>
+  </p:clrMapOvr>
+</p:sld>
+</file>
+
 <file path=ppt/slides/slide2.xml><?xml version="1.0" encoding="utf-8"?>
 <p:sld xmlns:a="http://schemas.openxmlformats.org/drawingml/2006/main" xmlns:r="http://schemas.openxmlformats.org/officeDocument/2006/relationships" xmlns:p="http://schemas.openxmlformats.org/presentationml/2006/main">
   <p:cSld>
@@ -1949,16 +2074,10 @@
               <a:t>Z</a:t>
             </a:r>
             <a:r>
-              <a:rPr lang="cs-CZ" dirty="0" err="1">
-                <a:cs typeface="Calibri"/>
-              </a:rPr>
-              <a:t>ákon</a:t>
-            </a:r>
-            <a:r>
               <a:rPr lang="cs-CZ" dirty="0">
                 <a:cs typeface="Calibri"/>
               </a:rPr>
-              <a:t> o kybernetické bezpečnosti</a:t>
+              <a:t>ákon o kybernetické bezpečnosti</a:t>
             </a:r>
           </a:p>
           <a:p>
@@ -2482,21 +2601,7 @@
                 <a:effectLst/>
                 <a:latin typeface="+mj-lt"/>
               </a:rPr>
-              <a:t>Zakazuje podle trestného činu porušení tajemství či neoprávněného přístupu k nosiči </a:t>
-            </a:r>
-            <a:r>
-              <a:rPr lang="cs-CZ" b="0" dirty="0" err="1">
-                <a:effectLst/>
-                <a:latin typeface="+mj-lt"/>
-              </a:rPr>
-              <a:t>informací.S</a:t>
-            </a:r>
-            <a:r>
-              <a:rPr lang="cs-CZ" b="0" dirty="0">
-                <a:effectLst/>
-                <a:latin typeface="+mj-lt"/>
-              </a:rPr>
-              <a:t> použitím nástroje, postupu, programu a dalších věcí k získání přístupu.</a:t>
+              <a:t>Zakazuje podle trestného činu porušení tajemství či neoprávněného přístupu k nosiči informací. S použitím nástroje, postupu, programu a dalších věcí k získání přístupu.</a:t>
             </a:r>
           </a:p>
           <a:p>
@@ -2656,7 +2761,31 @@
           <a:bodyPr/>
           <a:lstStyle/>
           <a:p>
-            <a:endParaRPr lang="cs-CZ"/>
+            <a:r>
+              <a:rPr lang="cs-CZ" b="0" dirty="0">
+                <a:effectLst/>
+                <a:latin typeface="+mn-lt"/>
+              </a:rPr>
+              <a:t>Zákon o kybernetické bezpečnosti nezakládá civilní ani trestní odpovědnost pachatelů kybernetických útoků, ale vytváří systém bezpečnostních opatření, která mají výskytu kybernetických bezpečnostních incidentů předcházet</a:t>
+            </a:r>
+            <a:endParaRPr lang="en-US" b="0" dirty="0">
+              <a:effectLst/>
+              <a:latin typeface="+mn-lt"/>
+            </a:endParaRPr>
+          </a:p>
+          <a:p>
+            <a:endParaRPr lang="en-US" dirty="0">
+              <a:latin typeface="+mn-lt"/>
+            </a:endParaRPr>
+          </a:p>
+          <a:p>
+            <a:endParaRPr lang="cs-CZ" b="0" dirty="0">
+              <a:effectLst/>
+              <a:latin typeface="+mn-lt"/>
+            </a:endParaRPr>
+          </a:p>
+          <a:p>
+            <a:endParaRPr lang="cs-CZ" dirty="0"/>
           </a:p>
         </p:txBody>
       </p:sp>
@@ -2674,6 +2803,222 @@
 </file>
 
 <file path=ppt/slides/slide7.xml><?xml version="1.0" encoding="utf-8"?>
+<p:sld xmlns:a="http://schemas.openxmlformats.org/drawingml/2006/main" xmlns:r="http://schemas.openxmlformats.org/officeDocument/2006/relationships" xmlns:p="http://schemas.openxmlformats.org/presentationml/2006/main">
+  <p:cSld>
+    <p:spTree>
+      <p:nvGrpSpPr>
+        <p:cNvPr id="1" name=""/>
+        <p:cNvGrpSpPr/>
+        <p:nvPr/>
+      </p:nvGrpSpPr>
+      <p:grpSpPr>
+        <a:xfrm>
+          <a:off x="0" y="0"/>
+          <a:ext cx="0" cy="0"/>
+          <a:chOff x="0" y="0"/>
+          <a:chExt cx="0" cy="0"/>
+        </a:xfrm>
+      </p:grpSpPr>
+      <p:sp>
+        <p:nvSpPr>
+          <p:cNvPr id="2" name="Nadpis 1">
+            <a:extLst>
+              <a:ext uri="{FF2B5EF4-FFF2-40B4-BE49-F238E27FC236}">
+                <a16:creationId xmlns:a16="http://schemas.microsoft.com/office/drawing/2014/main" id="{68CE35A8-BBF7-4BD6-85ED-4ABC6C54877F}"/>
+              </a:ext>
+            </a:extLst>
+          </p:cNvPr>
+          <p:cNvSpPr>
+            <a:spLocks noGrp="1"/>
+          </p:cNvSpPr>
+          <p:nvPr>
+            <p:ph type="title"/>
+          </p:nvPr>
+        </p:nvSpPr>
+        <p:spPr/>
+        <p:txBody>
+          <a:bodyPr/>
+          <a:lstStyle/>
+          <a:p>
+            <a:r>
+              <a:rPr lang="cs-CZ" dirty="0">
+                <a:cs typeface="Calibri"/>
+              </a:rPr>
+              <a:t>Dopad zákona o KB na běžného uživatele</a:t>
+            </a:r>
+            <a:endParaRPr lang="cs-CZ" dirty="0"/>
+          </a:p>
+        </p:txBody>
+      </p:sp>
+      <p:sp>
+        <p:nvSpPr>
+          <p:cNvPr id="3" name="Zástupný obsah 2">
+            <a:extLst>
+              <a:ext uri="{FF2B5EF4-FFF2-40B4-BE49-F238E27FC236}">
+                <a16:creationId xmlns:a16="http://schemas.microsoft.com/office/drawing/2014/main" id="{D34543CF-F5EB-477E-B85B-C7C58C1B639D}"/>
+              </a:ext>
+            </a:extLst>
+          </p:cNvPr>
+          <p:cNvSpPr>
+            <a:spLocks noGrp="1"/>
+          </p:cNvSpPr>
+          <p:nvPr>
+            <p:ph idx="1"/>
+          </p:nvPr>
+        </p:nvSpPr>
+        <p:spPr/>
+        <p:txBody>
+          <a:bodyPr/>
+          <a:lstStyle/>
+          <a:p>
+            <a:r>
+              <a:rPr lang="en-US" b="0" dirty="0">
+                <a:effectLst/>
+                <a:latin typeface="+mn-lt"/>
+              </a:rPr>
+              <a:t>V </a:t>
+            </a:r>
+            <a:r>
+              <a:rPr lang="cs-CZ" b="0" dirty="0">
+                <a:effectLst/>
+                <a:latin typeface="+mn-lt"/>
+              </a:rPr>
+              <a:t>celku</a:t>
+            </a:r>
+            <a:r>
+              <a:rPr lang="en-US" b="0" dirty="0">
+                <a:effectLst/>
+                <a:latin typeface="+mn-lt"/>
+              </a:rPr>
+              <a:t> </a:t>
+            </a:r>
+            <a:r>
+              <a:rPr lang="cs-CZ" b="0" dirty="0">
+                <a:effectLst/>
+                <a:latin typeface="+mn-lt"/>
+              </a:rPr>
+              <a:t>žádn</a:t>
+            </a:r>
+            <a:r>
+              <a:rPr lang="cs-CZ" dirty="0">
+                <a:latin typeface="+mn-lt"/>
+              </a:rPr>
+              <a:t>ý. Zákon o kybernetické bezpečnosti výhradně upravuje větší  NÚKIB vydá varování o existenci hrozby v oblasti KB, na kterou je nutné bezprostředně reagovat.</a:t>
+            </a:r>
+          </a:p>
+          <a:p>
+            <a:endParaRPr lang="cs-CZ" b="0" dirty="0">
+              <a:effectLst/>
+              <a:latin typeface="+mn-lt"/>
+            </a:endParaRPr>
+          </a:p>
+        </p:txBody>
+      </p:sp>
+    </p:spTree>
+    <p:extLst>
+      <p:ext uri="{BB962C8B-B14F-4D97-AF65-F5344CB8AC3E}">
+        <p14:creationId xmlns:p14="http://schemas.microsoft.com/office/powerpoint/2010/main" val="3738621616"/>
+      </p:ext>
+    </p:extLst>
+  </p:cSld>
+  <p:clrMapOvr>
+    <a:masterClrMapping/>
+  </p:clrMapOvr>
+</p:sld>
+</file>
+
+<file path=ppt/slides/slide8.xml><?xml version="1.0" encoding="utf-8"?>
+<p:sld xmlns:a="http://schemas.openxmlformats.org/drawingml/2006/main" xmlns:r="http://schemas.openxmlformats.org/officeDocument/2006/relationships" xmlns:p="http://schemas.openxmlformats.org/presentationml/2006/main">
+  <p:cSld>
+    <p:spTree>
+      <p:nvGrpSpPr>
+        <p:cNvPr id="1" name=""/>
+        <p:cNvGrpSpPr/>
+        <p:nvPr/>
+      </p:nvGrpSpPr>
+      <p:grpSpPr>
+        <a:xfrm>
+          <a:off x="0" y="0"/>
+          <a:ext cx="0" cy="0"/>
+          <a:chOff x="0" y="0"/>
+          <a:chExt cx="0" cy="0"/>
+        </a:xfrm>
+      </p:grpSpPr>
+      <p:sp>
+        <p:nvSpPr>
+          <p:cNvPr id="2" name="Nadpis 1">
+            <a:extLst>
+              <a:ext uri="{FF2B5EF4-FFF2-40B4-BE49-F238E27FC236}">
+                <a16:creationId xmlns:a16="http://schemas.microsoft.com/office/drawing/2014/main" id="{E80AB510-1131-4FE8-83EF-C308C4CB9E6B}"/>
+              </a:ext>
+            </a:extLst>
+          </p:cNvPr>
+          <p:cNvSpPr>
+            <a:spLocks noGrp="1"/>
+          </p:cNvSpPr>
+          <p:nvPr>
+            <p:ph type="title"/>
+          </p:nvPr>
+        </p:nvSpPr>
+        <p:spPr/>
+        <p:txBody>
+          <a:bodyPr/>
+          <a:lstStyle/>
+          <a:p>
+            <a:r>
+              <a:rPr lang="cs-CZ" dirty="0">
+                <a:cs typeface="Calibri"/>
+              </a:rPr>
+              <a:t>Právní odpovědnost s připojením k internetu</a:t>
+            </a:r>
+            <a:br>
+              <a:rPr lang="cs-CZ" dirty="0">
+                <a:cs typeface="Calibri"/>
+              </a:rPr>
+            </a:br>
+            <a:endParaRPr lang="cs-CZ" dirty="0"/>
+          </a:p>
+        </p:txBody>
+      </p:sp>
+      <p:sp>
+        <p:nvSpPr>
+          <p:cNvPr id="3" name="Zástupný obsah 2">
+            <a:extLst>
+              <a:ext uri="{FF2B5EF4-FFF2-40B4-BE49-F238E27FC236}">
+                <a16:creationId xmlns:a16="http://schemas.microsoft.com/office/drawing/2014/main" id="{23FF1FE8-CCA0-4D4F-A2C4-5BBE69DD95CB}"/>
+              </a:ext>
+            </a:extLst>
+          </p:cNvPr>
+          <p:cNvSpPr>
+            <a:spLocks noGrp="1"/>
+          </p:cNvSpPr>
+          <p:nvPr>
+            <p:ph idx="1"/>
+          </p:nvPr>
+        </p:nvSpPr>
+        <p:spPr/>
+        <p:txBody>
+          <a:bodyPr/>
+          <a:lstStyle/>
+          <a:p>
+            <a:endParaRPr lang="cs-CZ" dirty="0"/>
+          </a:p>
+        </p:txBody>
+      </p:sp>
+    </p:spTree>
+    <p:extLst>
+      <p:ext uri="{BB962C8B-B14F-4D97-AF65-F5344CB8AC3E}">
+        <p14:creationId xmlns:p14="http://schemas.microsoft.com/office/powerpoint/2010/main" val="1847402270"/>
+      </p:ext>
+    </p:extLst>
+  </p:cSld>
+  <p:clrMapOvr>
+    <a:masterClrMapping/>
+  </p:clrMapOvr>
+</p:sld>
+</file>
+
+<file path=ppt/slides/slide9.xml><?xml version="1.0" encoding="utf-8"?>
 <p:sld xmlns:a="http://schemas.openxmlformats.org/drawingml/2006/main" xmlns:r="http://schemas.openxmlformats.org/officeDocument/2006/relationships" xmlns:p="http://schemas.openxmlformats.org/presentationml/2006/main">
   <p:cSld>
     <p:spTree>
@@ -2729,129 +3074,6 @@
     <p:extLst>
       <p:ext uri="{BB962C8B-B14F-4D97-AF65-F5344CB8AC3E}">
         <p14:creationId xmlns:p14="http://schemas.microsoft.com/office/powerpoint/2010/main" val="3347645221"/>
-      </p:ext>
-    </p:extLst>
-  </p:cSld>
-  <p:clrMapOvr>
-    <a:masterClrMapping/>
-  </p:clrMapOvr>
-</p:sld>
-</file>
-
-<file path=ppt/slides/slide8.xml><?xml version="1.0" encoding="utf-8"?>
-<p:sld xmlns:a="http://schemas.openxmlformats.org/drawingml/2006/main" xmlns:r="http://schemas.openxmlformats.org/officeDocument/2006/relationships" xmlns:p="http://schemas.openxmlformats.org/presentationml/2006/main">
-  <p:cSld>
-    <p:spTree>
-      <p:nvGrpSpPr>
-        <p:cNvPr id="1" name=""/>
-        <p:cNvGrpSpPr/>
-        <p:nvPr/>
-      </p:nvGrpSpPr>
-      <p:grpSpPr>
-        <a:xfrm>
-          <a:off x="0" y="0"/>
-          <a:ext cx="0" cy="0"/>
-          <a:chOff x="0" y="0"/>
-          <a:chExt cx="0" cy="0"/>
-        </a:xfrm>
-      </p:grpSpPr>
-      <p:sp>
-        <p:nvSpPr>
-          <p:cNvPr id="2" name="Nadpis 1">
-            <a:extLst>
-              <a:ext uri="{FF2B5EF4-FFF2-40B4-BE49-F238E27FC236}">
-                <a16:creationId xmlns:a16="http://schemas.microsoft.com/office/drawing/2014/main" id="{4AD65151-25F6-4CAA-8F2F-583CC6D94A46}"/>
-              </a:ext>
-            </a:extLst>
-          </p:cNvPr>
-          <p:cNvSpPr>
-            <a:spLocks noGrp="1"/>
-          </p:cNvSpPr>
-          <p:nvPr>
-            <p:ph type="title"/>
-          </p:nvPr>
-        </p:nvSpPr>
-        <p:spPr/>
-        <p:txBody>
-          <a:bodyPr/>
-          <a:lstStyle/>
-          <a:p>
-            <a:r>
-              <a:rPr lang="cs-CZ">
-                <a:cs typeface="Calibri Light"/>
-              </a:rPr>
-              <a:t>Zdroje</a:t>
-            </a:r>
-          </a:p>
-        </p:txBody>
-      </p:sp>
-      <p:sp>
-        <p:nvSpPr>
-          <p:cNvPr id="3" name="Zástupný obsah 2">
-            <a:extLst>
-              <a:ext uri="{FF2B5EF4-FFF2-40B4-BE49-F238E27FC236}">
-                <a16:creationId xmlns:a16="http://schemas.microsoft.com/office/drawing/2014/main" id="{53BD2864-2797-45C9-BA46-310944DCC4E3}"/>
-              </a:ext>
-            </a:extLst>
-          </p:cNvPr>
-          <p:cNvSpPr>
-            <a:spLocks noGrp="1"/>
-          </p:cNvSpPr>
-          <p:nvPr>
-            <p:ph idx="1"/>
-          </p:nvPr>
-        </p:nvSpPr>
-        <p:spPr/>
-        <p:txBody>
-          <a:bodyPr vert="horz" lIns="91440" tIns="45720" rIns="91440" bIns="45720" rtlCol="0" anchor="t">
-            <a:normAutofit/>
-          </a:bodyPr>
-          <a:lstStyle/>
-          <a:p>
-            <a:r>
-              <a:rPr lang="cs-CZ" dirty="0">
-                <a:ea typeface="+mn-lt"/>
-                <a:cs typeface="+mn-lt"/>
-              </a:rPr>
-              <a:t>https://www.policie.cz/</a:t>
-            </a:r>
-            <a:r>
-              <a:rPr lang="cs-CZ" dirty="0" err="1">
-                <a:ea typeface="+mn-lt"/>
-                <a:cs typeface="+mn-lt"/>
-              </a:rPr>
-              <a:t>clanek</a:t>
-            </a:r>
-            <a:r>
-              <a:rPr lang="cs-CZ" dirty="0">
-                <a:ea typeface="+mn-lt"/>
-                <a:cs typeface="+mn-lt"/>
-              </a:rPr>
-              <a:t>/jednotlive-druhy-kyberkriminality.aspx#:~:text=Neopr%C3%A1vn%C4%9Bn%C3%BD%20p%C5%99%C3%ADstup%20k%20po%C4%8D%C3%ADta%C4%8Dov%C3%A9mu%20syst%C3%A9mu,neposledn%C3%AD%20%C5%99ad%C4%9B%20i%20zneu%C5%BE%C3%ADv%C3%A1n%C3%AD%20za%C5%99%C3%ADzen%C3%AD.</a:t>
-            </a:r>
-            <a:endParaRPr lang="en-US" dirty="0">
-              <a:ea typeface="+mn-lt"/>
-              <a:cs typeface="+mn-lt"/>
-            </a:endParaRPr>
-          </a:p>
-          <a:p>
-            <a:endParaRPr lang="en-US" dirty="0">
-              <a:ea typeface="+mn-lt"/>
-              <a:cs typeface="+mn-lt"/>
-            </a:endParaRPr>
-          </a:p>
-          <a:p>
-            <a:endParaRPr lang="cs-CZ" dirty="0">
-              <a:ea typeface="+mn-lt"/>
-              <a:cs typeface="+mn-lt"/>
-            </a:endParaRPr>
-          </a:p>
-        </p:txBody>
-      </p:sp>
-    </p:spTree>
-    <p:extLst>
-      <p:ext uri="{BB962C8B-B14F-4D97-AF65-F5344CB8AC3E}">
-        <p14:creationId xmlns:p14="http://schemas.microsoft.com/office/powerpoint/2010/main" val="1594678827"/>
       </p:ext>
     </p:extLst>
   </p:cSld>

--- a/Kochanek_projekt_II_it_use_liability.pptx
+++ b/Kochanek_projekt_II_it_use_liability.pptx
@@ -220,7 +220,7 @@
           <a:p>
             <a:fld id="{BBE73205-81ED-456F-9C45-E7D4927D1E88}" type="datetimeFigureOut">
               <a:rPr lang="cs-CZ" smtClean="0"/>
-              <a:t>27.05.2022</a:t>
+              <a:t>29.05.2022</a:t>
             </a:fld>
             <a:endParaRPr lang="cs-CZ"/>
           </a:p>
@@ -2768,6 +2768,44 @@
               </a:rPr>
               <a:t>Zákon o kybernetické bezpečnosti nezakládá civilní ani trestní odpovědnost pachatelů kybernetických útoků, ale vytváří systém bezpečnostních opatření, která mají výskytu kybernetických bezpečnostních incidentů předcházet</a:t>
             </a:r>
+            <a:r>
+              <a:rPr lang="en-US" b="0" dirty="0">
+                <a:effectLst/>
+                <a:latin typeface="+mn-lt"/>
+              </a:rPr>
+              <a:t>.</a:t>
+            </a:r>
+          </a:p>
+          <a:p>
+            <a:r>
+              <a:rPr lang="en-US" b="0" dirty="0" err="1">
+                <a:effectLst/>
+                <a:latin typeface="+mn-lt"/>
+              </a:rPr>
+              <a:t>ZoKB</a:t>
+            </a:r>
+            <a:r>
+              <a:rPr lang="en-US" b="0" dirty="0">
+                <a:effectLst/>
+                <a:latin typeface="+mn-lt"/>
+              </a:rPr>
+              <a:t> d</a:t>
+            </a:r>
+            <a:r>
+              <a:rPr lang="cs-CZ" b="0" dirty="0" err="1">
+                <a:effectLst/>
+                <a:latin typeface="+mn-lt"/>
+              </a:rPr>
+              <a:t>ále</a:t>
+            </a:r>
+            <a:r>
+              <a:rPr lang="cs-CZ" dirty="0">
+                <a:latin typeface="+mn-lt"/>
+              </a:rPr>
+              <a:t> popisuje jen významné nebo kritické prvky informační infrastruktury.</a:t>
+            </a:r>
+          </a:p>
+          <a:p>
             <a:endParaRPr lang="en-US" b="0" dirty="0">
               <a:effectLst/>
               <a:latin typeface="+mn-lt"/>
@@ -2905,6 +2943,38 @@
               </a:rPr>
               <a:t>ý. Zákon o kybernetické bezpečnosti výhradně upravuje větší  NÚKIB vydá varování o existenci hrozby v oblasti KB, na kterou je nutné bezprostředně reagovat.</a:t>
             </a:r>
+          </a:p>
+          <a:p>
+            <a:endParaRPr lang="cs-CZ" b="0" dirty="0">
+              <a:effectLst/>
+              <a:latin typeface="+mn-lt"/>
+            </a:endParaRPr>
+          </a:p>
+          <a:p>
+            <a:r>
+              <a:rPr lang="cs-CZ" dirty="0">
+                <a:latin typeface="+mn-lt"/>
+              </a:rPr>
+              <a:t>Běžný uživatel, který se nenachází v pozici pracovníka významné nebo kritické </a:t>
+            </a:r>
+            <a:r>
+              <a:rPr lang="cs-CZ" dirty="0" err="1">
+                <a:latin typeface="+mn-lt"/>
+              </a:rPr>
+              <a:t>síťe</a:t>
+            </a:r>
+            <a:r>
+              <a:rPr lang="cs-CZ" dirty="0">
+                <a:latin typeface="+mn-lt"/>
+              </a:rPr>
+              <a:t> elektronických komunikací nebo informačního systému nemusí dodržovat varování od úřadu varování a nebude za to trestán.</a:t>
+            </a:r>
+          </a:p>
+          <a:p>
+            <a:endParaRPr lang="cs-CZ" b="0" dirty="0">
+              <a:effectLst/>
+              <a:latin typeface="+mn-lt"/>
+            </a:endParaRPr>
           </a:p>
           <a:p>
             <a:endParaRPr lang="cs-CZ" b="0" dirty="0">

--- a/Kochanek_projekt_II_it_use_liability.pptx
+++ b/Kochanek_projekt_II_it_use_liability.pptx
@@ -5,19 +5,18 @@
     <p:sldMasterId id="2147483660" r:id="rId1"/>
   </p:sldMasterIdLst>
   <p:notesMasterIdLst>
-    <p:notesMasterId r:id="rId12"/>
+    <p:notesMasterId r:id="rId11"/>
   </p:notesMasterIdLst>
   <p:sldIdLst>
     <p:sldId id="256" r:id="rId2"/>
     <p:sldId id="257" r:id="rId3"/>
     <p:sldId id="269" r:id="rId4"/>
     <p:sldId id="267" r:id="rId5"/>
-    <p:sldId id="270" r:id="rId6"/>
-    <p:sldId id="271" r:id="rId7"/>
-    <p:sldId id="272" r:id="rId8"/>
-    <p:sldId id="273" r:id="rId9"/>
-    <p:sldId id="268" r:id="rId10"/>
-    <p:sldId id="261" r:id="rId11"/>
+    <p:sldId id="271" r:id="rId6"/>
+    <p:sldId id="272" r:id="rId7"/>
+    <p:sldId id="273" r:id="rId8"/>
+    <p:sldId id="268" r:id="rId9"/>
+    <p:sldId id="261" r:id="rId10"/>
   </p:sldIdLst>
   <p:sldSz cx="12192000" cy="6858000"/>
   <p:notesSz cx="6858000" cy="9144000"/>
@@ -220,7 +219,7 @@
           <a:p>
             <a:fld id="{BBE73205-81ED-456F-9C45-E7D4927D1E88}" type="datetimeFigureOut">
               <a:rPr lang="cs-CZ" smtClean="0"/>
-              <a:t>29.05.2022</a:t>
+              <a:t>01.06.2022</a:t>
             </a:fld>
             <a:endParaRPr lang="cs-CZ"/>
           </a:p>
@@ -1832,129 +1831,6 @@
 </p:sld>
 </file>
 
-<file path=ppt/slides/slide10.xml><?xml version="1.0" encoding="utf-8"?>
-<p:sld xmlns:a="http://schemas.openxmlformats.org/drawingml/2006/main" xmlns:r="http://schemas.openxmlformats.org/officeDocument/2006/relationships" xmlns:p="http://schemas.openxmlformats.org/presentationml/2006/main">
-  <p:cSld>
-    <p:spTree>
-      <p:nvGrpSpPr>
-        <p:cNvPr id="1" name=""/>
-        <p:cNvGrpSpPr/>
-        <p:nvPr/>
-      </p:nvGrpSpPr>
-      <p:grpSpPr>
-        <a:xfrm>
-          <a:off x="0" y="0"/>
-          <a:ext cx="0" cy="0"/>
-          <a:chOff x="0" y="0"/>
-          <a:chExt cx="0" cy="0"/>
-        </a:xfrm>
-      </p:grpSpPr>
-      <p:sp>
-        <p:nvSpPr>
-          <p:cNvPr id="2" name="Nadpis 1">
-            <a:extLst>
-              <a:ext uri="{FF2B5EF4-FFF2-40B4-BE49-F238E27FC236}">
-                <a16:creationId xmlns:a16="http://schemas.microsoft.com/office/drawing/2014/main" id="{4AD65151-25F6-4CAA-8F2F-583CC6D94A46}"/>
-              </a:ext>
-            </a:extLst>
-          </p:cNvPr>
-          <p:cNvSpPr>
-            <a:spLocks noGrp="1"/>
-          </p:cNvSpPr>
-          <p:nvPr>
-            <p:ph type="title"/>
-          </p:nvPr>
-        </p:nvSpPr>
-        <p:spPr/>
-        <p:txBody>
-          <a:bodyPr/>
-          <a:lstStyle/>
-          <a:p>
-            <a:r>
-              <a:rPr lang="cs-CZ">
-                <a:cs typeface="Calibri Light"/>
-              </a:rPr>
-              <a:t>Zdroje</a:t>
-            </a:r>
-          </a:p>
-        </p:txBody>
-      </p:sp>
-      <p:sp>
-        <p:nvSpPr>
-          <p:cNvPr id="3" name="Zástupný obsah 2">
-            <a:extLst>
-              <a:ext uri="{FF2B5EF4-FFF2-40B4-BE49-F238E27FC236}">
-                <a16:creationId xmlns:a16="http://schemas.microsoft.com/office/drawing/2014/main" id="{53BD2864-2797-45C9-BA46-310944DCC4E3}"/>
-              </a:ext>
-            </a:extLst>
-          </p:cNvPr>
-          <p:cNvSpPr>
-            <a:spLocks noGrp="1"/>
-          </p:cNvSpPr>
-          <p:nvPr>
-            <p:ph idx="1"/>
-          </p:nvPr>
-        </p:nvSpPr>
-        <p:spPr/>
-        <p:txBody>
-          <a:bodyPr vert="horz" lIns="91440" tIns="45720" rIns="91440" bIns="45720" rtlCol="0" anchor="t">
-            <a:normAutofit/>
-          </a:bodyPr>
-          <a:lstStyle/>
-          <a:p>
-            <a:r>
-              <a:rPr lang="cs-CZ" dirty="0">
-                <a:ea typeface="+mn-lt"/>
-                <a:cs typeface="+mn-lt"/>
-              </a:rPr>
-              <a:t>https://www.policie.cz/</a:t>
-            </a:r>
-            <a:r>
-              <a:rPr lang="cs-CZ" dirty="0" err="1">
-                <a:ea typeface="+mn-lt"/>
-                <a:cs typeface="+mn-lt"/>
-              </a:rPr>
-              <a:t>clanek</a:t>
-            </a:r>
-            <a:r>
-              <a:rPr lang="cs-CZ" dirty="0">
-                <a:ea typeface="+mn-lt"/>
-                <a:cs typeface="+mn-lt"/>
-              </a:rPr>
-              <a:t>/jednotlive-druhy-kyberkriminality.aspx#:~:text=Neopr%C3%A1vn%C4%9Bn%C3%BD%20p%C5%99%C3%ADstup%20k%20po%C4%8D%C3%ADta%C4%8Dov%C3%A9mu%20syst%C3%A9mu,neposledn%C3%AD%20%C5%99ad%C4%9B%20i%20zneu%C5%BE%C3%ADv%C3%A1n%C3%AD%20za%C5%99%C3%ADzen%C3%AD.</a:t>
-            </a:r>
-            <a:endParaRPr lang="en-US" dirty="0">
-              <a:ea typeface="+mn-lt"/>
-              <a:cs typeface="+mn-lt"/>
-            </a:endParaRPr>
-          </a:p>
-          <a:p>
-            <a:endParaRPr lang="en-US" dirty="0">
-              <a:ea typeface="+mn-lt"/>
-              <a:cs typeface="+mn-lt"/>
-            </a:endParaRPr>
-          </a:p>
-          <a:p>
-            <a:endParaRPr lang="cs-CZ" dirty="0">
-              <a:ea typeface="+mn-lt"/>
-              <a:cs typeface="+mn-lt"/>
-            </a:endParaRPr>
-          </a:p>
-        </p:txBody>
-      </p:sp>
-    </p:spTree>
-    <p:extLst>
-      <p:ext uri="{BB962C8B-B14F-4D97-AF65-F5344CB8AC3E}">
-        <p14:creationId xmlns:p14="http://schemas.microsoft.com/office/powerpoint/2010/main" val="1594678827"/>
-      </p:ext>
-    </p:extLst>
-  </p:cSld>
-  <p:clrMapOvr>
-    <a:masterClrMapping/>
-  </p:clrMapOvr>
-</p:sld>
-</file>
-
 <file path=ppt/slides/slide2.xml><?xml version="1.0" encoding="utf-8"?>
 <p:sld xmlns:a="http://schemas.openxmlformats.org/drawingml/2006/main" xmlns:r="http://schemas.openxmlformats.org/officeDocument/2006/relationships" xmlns:p="http://schemas.openxmlformats.org/presentationml/2006/main">
   <p:cSld>
@@ -2227,6 +2103,19 @@
               </a:rPr>
               <a:t> </a:t>
             </a:r>
+          </a:p>
+          <a:p>
+            <a:pPr marL="102870" algn="just">
+              <a:spcBef>
+                <a:spcPts val="490"/>
+              </a:spcBef>
+              <a:spcAft>
+                <a:spcPts val="0"/>
+              </a:spcAft>
+              <a:tabLst>
+                <a:tab pos="4727575" algn="l"/>
+              </a:tabLst>
+            </a:pPr>
             <a:r>
               <a:rPr lang="cs-CZ" sz="2400" spc="-65" dirty="0">
                 <a:effectLst/>
@@ -2249,7 +2138,59 @@
                 <a:latin typeface="+mj-lt"/>
                 <a:ea typeface="Arial" panose="020B0604020202020204" pitchFamily="34" charset="0"/>
               </a:rPr>
-              <a:t>jaké povinnosti má běžný uživatel zařízení (počítač, mobil) s internetovým připojením. Shrňte právní odpovědnost  uživatele  do základního velmi  jednoduchého a přehledného materiálu, který bude možno použít pro vzdělávání laiků v této oblasti. Cílem tohoto projektu je  jednak pro studenta  zvýšení znalosti toho,  co je legální a kdy už porušuje zákon v </a:t>
+              <a:t>jaké povinnosti má běžný uživatel zařízení (počítač, mobil) s internetovým připojením. </a:t>
+            </a:r>
+            <a:endParaRPr lang="en-US" sz="2400" spc="-65" dirty="0">
+              <a:effectLst/>
+              <a:latin typeface="+mj-lt"/>
+              <a:ea typeface="Arial" panose="020B0604020202020204" pitchFamily="34" charset="0"/>
+            </a:endParaRPr>
+          </a:p>
+          <a:p>
+            <a:pPr marL="102870" algn="just">
+              <a:spcBef>
+                <a:spcPts val="490"/>
+              </a:spcBef>
+              <a:spcAft>
+                <a:spcPts val="0"/>
+              </a:spcAft>
+              <a:tabLst>
+                <a:tab pos="4727575" algn="l"/>
+              </a:tabLst>
+            </a:pPr>
+            <a:r>
+              <a:rPr lang="cs-CZ" sz="2400" spc="-65" dirty="0">
+                <a:effectLst/>
+                <a:latin typeface="+mj-lt"/>
+                <a:ea typeface="Arial" panose="020B0604020202020204" pitchFamily="34" charset="0"/>
+              </a:rPr>
+              <a:t>Shrňte právní odpovědnost  uživatele  do základního velmi  jednoduchého a přehledného materiálu, který bude možno použít pro vzdělávání laiků v této oblasti. </a:t>
+            </a:r>
+            <a:endParaRPr lang="en-US" sz="2400" spc="-65" dirty="0">
+              <a:effectLst/>
+              <a:latin typeface="+mj-lt"/>
+              <a:ea typeface="Arial" panose="020B0604020202020204" pitchFamily="34" charset="0"/>
+            </a:endParaRPr>
+          </a:p>
+          <a:p>
+            <a:pPr marL="102870" algn="just">
+              <a:spcBef>
+                <a:spcPts val="490"/>
+              </a:spcBef>
+              <a:spcAft>
+                <a:spcPts val="0"/>
+              </a:spcAft>
+              <a:tabLst>
+                <a:tab pos="4727575" algn="l"/>
+              </a:tabLst>
+            </a:pPr>
+            <a:r>
+              <a:rPr lang="cs-CZ" sz="2400" spc="-65" dirty="0">
+                <a:effectLst/>
+                <a:latin typeface="+mj-lt"/>
+                <a:ea typeface="Arial" panose="020B0604020202020204" pitchFamily="34" charset="0"/>
+              </a:rPr>
+              <a:t>Cílem tohoto projektu je  jednak pro studenta  zvýšení znalosti toho,  co je legální a kdy už porušuje zákon v </a:t>
             </a:r>
             <a:r>
               <a:rPr lang="cs-CZ" sz="2400" spc="-65" dirty="0" err="1">
@@ -2357,7 +2298,7 @@
         </p:spPr>
         <p:txBody>
           <a:bodyPr>
-            <a:normAutofit lnSpcReduction="10000"/>
+            <a:normAutofit/>
           </a:bodyPr>
           <a:lstStyle/>
           <a:p>
@@ -2376,105 +2317,6 @@
             <a:r>
               <a:rPr lang="en-US" dirty="0"/>
               <a:t>0/2009 Sb.</a:t>
-            </a:r>
-          </a:p>
-          <a:p>
-            <a:r>
-              <a:rPr lang="cs-CZ" dirty="0">
-                <a:effectLst/>
-                <a:latin typeface="+mj-lt"/>
-              </a:rPr>
-              <a:t>§ 230</a:t>
-            </a:r>
-            <a:r>
-              <a:rPr lang="en-US" dirty="0">
-                <a:latin typeface="+mj-lt"/>
-              </a:rPr>
-              <a:t> </a:t>
-            </a:r>
-            <a:r>
-              <a:rPr lang="cs-CZ" dirty="0">
-                <a:effectLst/>
-                <a:latin typeface="+mj-lt"/>
-              </a:rPr>
-              <a:t>Neoprávněný přístup k počítačovému systému a nosiči informací</a:t>
-            </a:r>
-            <a:r>
-              <a:rPr lang="en-US" dirty="0">
-                <a:effectLst/>
-                <a:latin typeface="+mj-lt"/>
-              </a:rPr>
-              <a:t> – </a:t>
-            </a:r>
-            <a:endParaRPr lang="en-US" dirty="0">
-              <a:latin typeface="+mj-lt"/>
-            </a:endParaRPr>
-          </a:p>
-          <a:p>
-            <a:r>
-              <a:rPr lang="cs-CZ" dirty="0">
-                <a:latin typeface="+mj-lt"/>
-              </a:rPr>
-              <a:t>P</a:t>
-            </a:r>
-            <a:r>
-              <a:rPr lang="cs-CZ" b="0" dirty="0">
-                <a:effectLst/>
-                <a:latin typeface="+mj-lt"/>
-              </a:rPr>
-              <a:t>řekonání bezpečnostního opatření k neoprávněnému přístupu k počítačovému systému</a:t>
-            </a:r>
-          </a:p>
-          <a:p>
-            <a:r>
-              <a:rPr lang="cs-CZ" b="0" dirty="0">
-                <a:effectLst/>
-                <a:latin typeface="+mj-lt"/>
-              </a:rPr>
-              <a:t>Tzn. že i když mám heslo na papírku vedle počítače, nemohu ho použít, protože bych porušil zákon.</a:t>
-            </a:r>
-          </a:p>
-          <a:p>
-            <a:br>
-              <a:rPr lang="cs-CZ" b="0" dirty="0">
-                <a:effectLst/>
-                <a:latin typeface="+mj-lt"/>
-              </a:rPr>
-            </a:br>
-            <a:r>
-              <a:rPr lang="cs-CZ" b="0" dirty="0">
-                <a:effectLst/>
-                <a:latin typeface="+mj-lt"/>
-              </a:rPr>
-              <a:t>Podle odstavce 2 je zakázáno jakkoli modifikovat či smazat data z počítačového systému nebo je neoprávněně použ</a:t>
-            </a:r>
-            <a:r>
-              <a:rPr lang="cs-CZ" dirty="0">
-                <a:latin typeface="+mj-lt"/>
-              </a:rPr>
-              <a:t>ít</a:t>
-            </a:r>
-            <a:r>
-              <a:rPr lang="cs-CZ" b="0" dirty="0">
-                <a:effectLst/>
-                <a:latin typeface="+mj-lt"/>
-              </a:rPr>
-              <a:t>, padělat atd. </a:t>
-            </a:r>
-          </a:p>
-          <a:p>
-            <a:br>
-              <a:rPr lang="cs-CZ" b="0" dirty="0">
-                <a:effectLst/>
-                <a:latin typeface="+mj-lt"/>
-              </a:rPr>
-            </a:br>
-            <a:r>
-              <a:rPr lang="cs-CZ" b="0" dirty="0">
-                <a:effectLst/>
-                <a:latin typeface="+mj-lt"/>
-              </a:rPr>
-              <a:t>Podle odstavce tři nesmí uživatel způsobit jinému škodu nebo omezit funkčnost počítačového systému.</a:t>
             </a:r>
           </a:p>
           <a:p>
@@ -2523,200 +2365,6 @@
           <p:cNvPr id="2" name="Nadpis 1">
             <a:extLst>
               <a:ext uri="{FF2B5EF4-FFF2-40B4-BE49-F238E27FC236}">
-                <a16:creationId xmlns:a16="http://schemas.microsoft.com/office/drawing/2014/main" id="{6930C740-EE3C-4BC4-80A3-84FDB1B80BD6}"/>
-              </a:ext>
-            </a:extLst>
-          </p:cNvPr>
-          <p:cNvSpPr>
-            <a:spLocks noGrp="1"/>
-          </p:cNvSpPr>
-          <p:nvPr>
-            <p:ph type="title"/>
-          </p:nvPr>
-        </p:nvSpPr>
-        <p:spPr/>
-        <p:txBody>
-          <a:bodyPr/>
-          <a:lstStyle/>
-          <a:p>
-            <a:r>
-              <a:rPr lang="cs-CZ" dirty="0"/>
-              <a:t>Paragrafy trestního zákoníku</a:t>
-            </a:r>
-          </a:p>
-        </p:txBody>
-      </p:sp>
-      <p:sp>
-        <p:nvSpPr>
-          <p:cNvPr id="3" name="Zástupný obsah 2">
-            <a:extLst>
-              <a:ext uri="{FF2B5EF4-FFF2-40B4-BE49-F238E27FC236}">
-                <a16:creationId xmlns:a16="http://schemas.microsoft.com/office/drawing/2014/main" id="{9B25AA22-F3ED-4F44-AC77-58728690003D}"/>
-              </a:ext>
-            </a:extLst>
-          </p:cNvPr>
-          <p:cNvSpPr>
-            <a:spLocks noGrp="1"/>
-          </p:cNvSpPr>
-          <p:nvPr>
-            <p:ph idx="1"/>
-          </p:nvPr>
-        </p:nvSpPr>
-        <p:spPr>
-          <a:xfrm>
-            <a:off x="937846" y="3059766"/>
-            <a:ext cx="11254154" cy="3528000"/>
-          </a:xfrm>
-        </p:spPr>
-        <p:txBody>
-          <a:bodyPr>
-            <a:normAutofit/>
-          </a:bodyPr>
-          <a:lstStyle/>
-          <a:p>
-            <a:r>
-              <a:rPr lang="cs-CZ" dirty="0">
-                <a:effectLst/>
-                <a:latin typeface="+mj-lt"/>
-              </a:rPr>
-              <a:t>§ 231</a:t>
-            </a:r>
-            <a:r>
-              <a:rPr lang="en-US" dirty="0">
-                <a:latin typeface="+mj-lt"/>
-              </a:rPr>
-              <a:t> </a:t>
-            </a:r>
-            <a:r>
-              <a:rPr lang="cs-CZ" dirty="0">
-                <a:effectLst/>
-                <a:latin typeface="+mj-lt"/>
-              </a:rPr>
-              <a:t>Opatření a přechovávání přístupového zařízení a hesla k počítačovému systému a jiných takových dat</a:t>
-            </a:r>
-          </a:p>
-          <a:p>
-            <a:r>
-              <a:rPr lang="cs-CZ" b="0" dirty="0">
-                <a:effectLst/>
-                <a:latin typeface="+mj-lt"/>
-              </a:rPr>
-              <a:t>Zakazuje podle trestného činu porušení tajemství či neoprávněného přístupu k nosiči informací. S použitím nástroje, postupu, programu a dalších věcí k získání přístupu.</a:t>
-            </a:r>
-          </a:p>
-          <a:p>
-            <a:r>
-              <a:rPr lang="cs-CZ" dirty="0">
-                <a:latin typeface="+mj-lt"/>
-              </a:rPr>
-              <a:t>Daný trestný čin dále eskaluje jedná-li v rámci organizované skupiny nebo se jedná o značný prospěch pro někoho</a:t>
-            </a:r>
-          </a:p>
-          <a:p>
-            <a:r>
-              <a:rPr lang="cs-CZ" dirty="0">
-                <a:effectLst/>
-                <a:latin typeface="+mj-lt"/>
-              </a:rPr>
-              <a:t>§ 232</a:t>
-            </a:r>
-            <a:r>
-              <a:rPr lang="cs-CZ" dirty="0">
-                <a:latin typeface="+mj-lt"/>
-              </a:rPr>
-              <a:t> </a:t>
-            </a:r>
-            <a:r>
-              <a:rPr lang="cs-CZ" dirty="0">
-                <a:effectLst/>
-                <a:latin typeface="+mj-lt"/>
-              </a:rPr>
-              <a:t>Poškození záznamu v počítačovém systému a na nosiči informací a zásah do vybavení počítače z nedbalosti - </a:t>
-            </a:r>
-            <a:r>
-              <a:rPr lang="cs-CZ" b="0" dirty="0">
-                <a:effectLst/>
-                <a:latin typeface="+mj-lt"/>
-              </a:rPr>
-              <a:t>Je poškození, zničení nebo učiní neupotřebitelnými a tím způsobí na cizím majetku značnou </a:t>
-            </a:r>
-          </a:p>
-          <a:p>
-            <a:r>
-              <a:rPr lang="cs-CZ" dirty="0">
-                <a:latin typeface="+mj-lt"/>
-              </a:rPr>
-              <a:t>Podle těchto paragrafů se určují trestné činy s výpočetní technikou ale vždy se jedná tento trestný čin spolu s nějakým, jako např. urážkou na cti, vydíráním atd.</a:t>
-            </a:r>
-            <a:br>
-              <a:rPr lang="cs-CZ" b="0" dirty="0">
-                <a:solidFill>
-                  <a:srgbClr val="D4D4D4"/>
-                </a:solidFill>
-                <a:effectLst/>
-                <a:latin typeface="Consolas" panose="020B0609020204030204" pitchFamily="49" charset="0"/>
-              </a:rPr>
-            </a:br>
-            <a:endParaRPr lang="cs-CZ" b="0" dirty="0">
-              <a:solidFill>
-                <a:srgbClr val="D4D4D4"/>
-              </a:solidFill>
-              <a:effectLst/>
-              <a:latin typeface="Consolas" panose="020B0609020204030204" pitchFamily="49" charset="0"/>
-            </a:endParaRPr>
-          </a:p>
-          <a:p>
-            <a:endParaRPr lang="cs-CZ" dirty="0">
-              <a:effectLst/>
-              <a:latin typeface="+mj-lt"/>
-            </a:endParaRPr>
-          </a:p>
-          <a:p>
-            <a:endParaRPr lang="cs-CZ" b="0" dirty="0">
-              <a:effectLst/>
-              <a:latin typeface="+mj-lt"/>
-            </a:endParaRPr>
-          </a:p>
-          <a:p>
-            <a:endParaRPr lang="cs-CZ" dirty="0"/>
-          </a:p>
-        </p:txBody>
-      </p:sp>
-    </p:spTree>
-    <p:extLst>
-      <p:ext uri="{BB962C8B-B14F-4D97-AF65-F5344CB8AC3E}">
-        <p14:creationId xmlns:p14="http://schemas.microsoft.com/office/powerpoint/2010/main" val="3863552915"/>
-      </p:ext>
-    </p:extLst>
-  </p:cSld>
-  <p:clrMapOvr>
-    <a:masterClrMapping/>
-  </p:clrMapOvr>
-</p:sld>
-</file>
-
-<file path=ppt/slides/slide6.xml><?xml version="1.0" encoding="utf-8"?>
-<p:sld xmlns:a="http://schemas.openxmlformats.org/drawingml/2006/main" xmlns:r="http://schemas.openxmlformats.org/officeDocument/2006/relationships" xmlns:p="http://schemas.openxmlformats.org/presentationml/2006/main">
-  <p:cSld>
-    <p:spTree>
-      <p:nvGrpSpPr>
-        <p:cNvPr id="1" name=""/>
-        <p:cNvGrpSpPr/>
-        <p:nvPr/>
-      </p:nvGrpSpPr>
-      <p:grpSpPr>
-        <a:xfrm>
-          <a:off x="0" y="0"/>
-          <a:ext cx="0" cy="0"/>
-          <a:chOff x="0" y="0"/>
-          <a:chExt cx="0" cy="0"/>
-        </a:xfrm>
-      </p:grpSpPr>
-      <p:sp>
-        <p:nvSpPr>
-          <p:cNvPr id="2" name="Nadpis 1">
-            <a:extLst>
-              <a:ext uri="{FF2B5EF4-FFF2-40B4-BE49-F238E27FC236}">
                 <a16:creationId xmlns:a16="http://schemas.microsoft.com/office/drawing/2014/main" id="{E93DC8BC-99C8-4ED3-AFC7-C8B6D808FD0E}"/>
               </a:ext>
             </a:extLst>
@@ -2840,7 +2488,7 @@
 </p:sld>
 </file>
 
-<file path=ppt/slides/slide7.xml><?xml version="1.0" encoding="utf-8"?>
+<file path=ppt/slides/slide6.xml><?xml version="1.0" encoding="utf-8"?>
 <p:sld xmlns:a="http://schemas.openxmlformats.org/drawingml/2006/main" xmlns:r="http://schemas.openxmlformats.org/officeDocument/2006/relationships" xmlns:p="http://schemas.openxmlformats.org/presentationml/2006/main">
   <p:cSld>
     <p:spTree>
@@ -2955,19 +2603,7 @@
               <a:rPr lang="cs-CZ" dirty="0">
                 <a:latin typeface="+mn-lt"/>
               </a:rPr>
-              <a:t>Běžný uživatel, který se nenachází v pozici pracovníka významné nebo kritické </a:t>
-            </a:r>
-            <a:r>
-              <a:rPr lang="cs-CZ" dirty="0" err="1">
-                <a:latin typeface="+mn-lt"/>
-              </a:rPr>
-              <a:t>síťe</a:t>
-            </a:r>
-            <a:r>
-              <a:rPr lang="cs-CZ" dirty="0">
-                <a:latin typeface="+mn-lt"/>
-              </a:rPr>
-              <a:t> elektronických komunikací nebo informačního systému nemusí dodržovat varování od úřadu varování a nebude za to trestán.</a:t>
+              <a:t>Běžný uživatel, který se nenachází v pozici pracovníka významné nebo kritické sítě elektronických komunikací nebo informačního systému nemusí dodržovat varování od úřadu varování a nebude za to trestán.</a:t>
             </a:r>
           </a:p>
           <a:p>
@@ -2997,7 +2633,7 @@
 </p:sld>
 </file>
 
-<file path=ppt/slides/slide8.xml><?xml version="1.0" encoding="utf-8"?>
+<file path=ppt/slides/slide7.xml><?xml version="1.0" encoding="utf-8"?>
 <p:sld xmlns:a="http://schemas.openxmlformats.org/drawingml/2006/main" xmlns:r="http://schemas.openxmlformats.org/officeDocument/2006/relationships" xmlns:p="http://schemas.openxmlformats.org/presentationml/2006/main">
   <p:cSld>
     <p:spTree>
@@ -3088,7 +2724,7 @@
 </p:sld>
 </file>
 
-<file path=ppt/slides/slide9.xml><?xml version="1.0" encoding="utf-8"?>
+<file path=ppt/slides/slide8.xml><?xml version="1.0" encoding="utf-8"?>
 <p:sld xmlns:a="http://schemas.openxmlformats.org/drawingml/2006/main" xmlns:r="http://schemas.openxmlformats.org/officeDocument/2006/relationships" xmlns:p="http://schemas.openxmlformats.org/presentationml/2006/main">
   <p:cSld>
     <p:spTree>
@@ -3144,6 +2780,372 @@
     <p:extLst>
       <p:ext uri="{BB962C8B-B14F-4D97-AF65-F5344CB8AC3E}">
         <p14:creationId xmlns:p14="http://schemas.microsoft.com/office/powerpoint/2010/main" val="3347645221"/>
+      </p:ext>
+    </p:extLst>
+  </p:cSld>
+  <p:clrMapOvr>
+    <a:masterClrMapping/>
+  </p:clrMapOvr>
+</p:sld>
+</file>
+
+<file path=ppt/slides/slide9.xml><?xml version="1.0" encoding="utf-8"?>
+<p:sld xmlns:a="http://schemas.openxmlformats.org/drawingml/2006/main" xmlns:r="http://schemas.openxmlformats.org/officeDocument/2006/relationships" xmlns:p="http://schemas.openxmlformats.org/presentationml/2006/main">
+  <p:cSld>
+    <p:spTree>
+      <p:nvGrpSpPr>
+        <p:cNvPr id="1" name=""/>
+        <p:cNvGrpSpPr/>
+        <p:nvPr/>
+      </p:nvGrpSpPr>
+      <p:grpSpPr>
+        <a:xfrm>
+          <a:off x="0" y="0"/>
+          <a:ext cx="0" cy="0"/>
+          <a:chOff x="0" y="0"/>
+          <a:chExt cx="0" cy="0"/>
+        </a:xfrm>
+      </p:grpSpPr>
+      <p:sp>
+        <p:nvSpPr>
+          <p:cNvPr id="2" name="Nadpis 1">
+            <a:extLst>
+              <a:ext uri="{FF2B5EF4-FFF2-40B4-BE49-F238E27FC236}">
+                <a16:creationId xmlns:a16="http://schemas.microsoft.com/office/drawing/2014/main" id="{4AD65151-25F6-4CAA-8F2F-583CC6D94A46}"/>
+              </a:ext>
+            </a:extLst>
+          </p:cNvPr>
+          <p:cNvSpPr>
+            <a:spLocks noGrp="1"/>
+          </p:cNvSpPr>
+          <p:nvPr>
+            <p:ph type="title"/>
+          </p:nvPr>
+        </p:nvSpPr>
+        <p:spPr/>
+        <p:txBody>
+          <a:bodyPr/>
+          <a:lstStyle/>
+          <a:p>
+            <a:r>
+              <a:rPr lang="cs-CZ">
+                <a:cs typeface="Calibri Light"/>
+              </a:rPr>
+              <a:t>Zdroje</a:t>
+            </a:r>
+          </a:p>
+        </p:txBody>
+      </p:sp>
+      <p:sp>
+        <p:nvSpPr>
+          <p:cNvPr id="3" name="Zástupný obsah 2">
+            <a:extLst>
+              <a:ext uri="{FF2B5EF4-FFF2-40B4-BE49-F238E27FC236}">
+                <a16:creationId xmlns:a16="http://schemas.microsoft.com/office/drawing/2014/main" id="{53BD2864-2797-45C9-BA46-310944DCC4E3}"/>
+              </a:ext>
+            </a:extLst>
+          </p:cNvPr>
+          <p:cNvSpPr>
+            <a:spLocks noGrp="1"/>
+          </p:cNvSpPr>
+          <p:nvPr>
+            <p:ph idx="1"/>
+          </p:nvPr>
+        </p:nvSpPr>
+        <p:spPr/>
+        <p:txBody>
+          <a:bodyPr vert="horz" lIns="91440" tIns="45720" rIns="91440" bIns="45720" rtlCol="0" anchor="t">
+            <a:normAutofit/>
+          </a:bodyPr>
+          <a:lstStyle/>
+          <a:p>
+            <a:r>
+              <a:rPr lang="cs-CZ" dirty="0">
+                <a:ea typeface="+mn-lt"/>
+                <a:cs typeface="+mn-lt"/>
+              </a:rPr>
+              <a:t>https://www.policie.cz/</a:t>
+            </a:r>
+            <a:r>
+              <a:rPr lang="cs-CZ" dirty="0" err="1">
+                <a:ea typeface="+mn-lt"/>
+                <a:cs typeface="+mn-lt"/>
+              </a:rPr>
+              <a:t>clanek</a:t>
+            </a:r>
+            <a:r>
+              <a:rPr lang="cs-CZ" dirty="0">
+                <a:ea typeface="+mn-lt"/>
+                <a:cs typeface="+mn-lt"/>
+              </a:rPr>
+              <a:t>/jednotlive-druhy-kyberkriminality.aspx#:~:text=Neopr%C3%A1vn%C4%9Bn%C3%BD%20p%C5%99%C3%ADstup%20k%20po%C4%8D%C3%ADta%C4%8Dov%C3%A9mu%20syst%C3%A9mu,neposledn%C3%AD%20%C5%99ad%C4%9B%20i%20zneu%C5%BE%C3%ADv%C3%A1n%C3%AD%20za%C5%99%C3%ADzen%C3%AD.</a:t>
+            </a:r>
+            <a:endParaRPr lang="en-US" dirty="0">
+              <a:ea typeface="+mn-lt"/>
+              <a:cs typeface="+mn-lt"/>
+            </a:endParaRPr>
+          </a:p>
+          <a:p>
+            <a:r>
+              <a:rPr lang="en-US" dirty="0" err="1">
+                <a:effectLst/>
+                <a:latin typeface="+mn-lt"/>
+              </a:rPr>
+              <a:t>Seznam</a:t>
+            </a:r>
+            <a:r>
+              <a:rPr lang="en-US" dirty="0">
+                <a:effectLst/>
+                <a:latin typeface="+mn-lt"/>
+              </a:rPr>
+              <a:t> </a:t>
+            </a:r>
+            <a:r>
+              <a:rPr lang="en-US" dirty="0" err="1">
+                <a:effectLst/>
+                <a:latin typeface="+mn-lt"/>
+              </a:rPr>
+              <a:t>odborné</a:t>
+            </a:r>
+            <a:r>
+              <a:rPr lang="en-US" dirty="0">
+                <a:effectLst/>
+                <a:latin typeface="+mn-lt"/>
+              </a:rPr>
+              <a:t> </a:t>
+            </a:r>
+            <a:r>
+              <a:rPr lang="en-US" dirty="0" err="1">
+                <a:effectLst/>
+                <a:latin typeface="+mn-lt"/>
+              </a:rPr>
+              <a:t>literatury</a:t>
+            </a:r>
+            <a:r>
+              <a:rPr lang="en-US" dirty="0">
+                <a:effectLst/>
+                <a:latin typeface="+mn-lt"/>
+              </a:rPr>
+              <a:t>:</a:t>
+            </a:r>
+            <a:br>
+              <a:rPr lang="en-US" dirty="0">
+                <a:effectLst/>
+                <a:latin typeface="+mn-lt"/>
+              </a:rPr>
+            </a:br>
+            <a:r>
+              <a:rPr lang="en-US" dirty="0">
+                <a:effectLst/>
+                <a:latin typeface="+mn-lt"/>
+              </a:rPr>
+              <a:t> &lt;</a:t>
+            </a:r>
+            <a:r>
+              <a:rPr lang="en-US" u="sng" dirty="0">
+                <a:effectLst/>
+                <a:latin typeface="+mn-lt"/>
+              </a:rPr>
+              <a:t>https://www.zakonyprolidi.cz/cs/2009-40</a:t>
+            </a:r>
+            <a:r>
+              <a:rPr lang="en-US" dirty="0">
+                <a:effectLst/>
+                <a:latin typeface="+mn-lt"/>
+              </a:rPr>
+              <a:t>&gt;  </a:t>
+            </a:r>
+            <a:r>
+              <a:rPr lang="en-US" dirty="0" err="1">
+                <a:effectLst/>
+                <a:latin typeface="+mn-lt"/>
+              </a:rPr>
+              <a:t>aktuální</a:t>
+            </a:r>
+            <a:r>
+              <a:rPr lang="en-US" dirty="0">
+                <a:effectLst/>
+                <a:latin typeface="+mn-lt"/>
+              </a:rPr>
+              <a:t> </a:t>
+            </a:r>
+            <a:r>
+              <a:rPr lang="en-US" dirty="0" err="1">
+                <a:effectLst/>
+                <a:latin typeface="+mn-lt"/>
+              </a:rPr>
+              <a:t>znění</a:t>
+            </a:r>
+            <a:endParaRPr lang="en-US" dirty="0">
+              <a:effectLst/>
+              <a:latin typeface="+mn-lt"/>
+            </a:endParaRPr>
+          </a:p>
+          <a:p>
+            <a:r>
+              <a:rPr lang="en-US" dirty="0">
+                <a:effectLst/>
+                <a:latin typeface="+mn-lt"/>
+              </a:rPr>
+              <a:t> Jan </a:t>
+            </a:r>
+            <a:r>
+              <a:rPr lang="en-US" dirty="0" err="1">
+                <a:effectLst/>
+                <a:latin typeface="+mn-lt"/>
+              </a:rPr>
+              <a:t>Kolouch</a:t>
+            </a:r>
+            <a:r>
+              <a:rPr lang="en-US" dirty="0">
+                <a:effectLst/>
+                <a:latin typeface="+mn-lt"/>
+              </a:rPr>
+              <a:t> a </a:t>
+            </a:r>
+            <a:r>
+              <a:rPr lang="en-US" dirty="0" err="1">
+                <a:effectLst/>
+                <a:latin typeface="+mn-lt"/>
+              </a:rPr>
+              <a:t>kolektiv</a:t>
+            </a:r>
+            <a:r>
+              <a:rPr lang="en-US" dirty="0">
+                <a:effectLst/>
+                <a:latin typeface="+mn-lt"/>
+              </a:rPr>
+              <a:t>, "CYBERSECURITY", &lt;</a:t>
+            </a:r>
+            <a:r>
+              <a:rPr lang="en-US" u="sng" dirty="0">
+                <a:effectLst/>
+                <a:latin typeface="+mn-lt"/>
+              </a:rPr>
+              <a:t>https://knihy.nic.cz/files/edice/cybersecurity.pdf</a:t>
+            </a:r>
+            <a:r>
+              <a:rPr lang="en-US" dirty="0">
+                <a:effectLst/>
+                <a:latin typeface="+mn-lt"/>
+              </a:rPr>
+              <a:t>&gt;</a:t>
+            </a:r>
+          </a:p>
+          <a:p>
+            <a:r>
+              <a:rPr lang="en-US" dirty="0">
+                <a:effectLst/>
+                <a:latin typeface="+mn-lt"/>
+              </a:rPr>
+              <a:t> &lt;</a:t>
+            </a:r>
+            <a:r>
+              <a:rPr lang="en-US" u="sng" dirty="0">
+                <a:effectLst/>
+                <a:latin typeface="+mn-lt"/>
+              </a:rPr>
+              <a:t>https://www.nukib.cz/cs/</a:t>
+            </a:r>
+            <a:r>
+              <a:rPr lang="en-US" dirty="0">
+                <a:effectLst/>
+                <a:latin typeface="+mn-lt"/>
+              </a:rPr>
+              <a:t>&gt;, </a:t>
+            </a:r>
+            <a:r>
+              <a:rPr lang="en-US" dirty="0" err="1">
+                <a:effectLst/>
+                <a:latin typeface="+mn-lt"/>
+              </a:rPr>
+              <a:t>vzdělávací</a:t>
+            </a:r>
+            <a:r>
+              <a:rPr lang="en-US" dirty="0">
+                <a:effectLst/>
+                <a:latin typeface="+mn-lt"/>
+              </a:rPr>
+              <a:t> </a:t>
+            </a:r>
+            <a:r>
+              <a:rPr lang="en-US" dirty="0" err="1">
+                <a:effectLst/>
+                <a:latin typeface="+mn-lt"/>
+              </a:rPr>
+              <a:t>materiály</a:t>
+            </a:r>
+            <a:endParaRPr lang="en-US" dirty="0">
+              <a:effectLst/>
+              <a:latin typeface="+mn-lt"/>
+            </a:endParaRPr>
+          </a:p>
+          <a:p>
+            <a:r>
+              <a:rPr lang="en-US" dirty="0">
+                <a:effectLst/>
+                <a:latin typeface="+mn-lt"/>
+              </a:rPr>
+              <a:t> &lt;</a:t>
+            </a:r>
+            <a:r>
+              <a:rPr lang="en-US" u="sng" dirty="0">
+                <a:effectLst/>
+                <a:latin typeface="+mn-lt"/>
+              </a:rPr>
+              <a:t>https://www.zakonyprolidi.cz/cs/2014-181</a:t>
+            </a:r>
+            <a:r>
+              <a:rPr lang="en-US" dirty="0">
+                <a:effectLst/>
+                <a:latin typeface="+mn-lt"/>
+              </a:rPr>
+              <a:t>&gt; </a:t>
+            </a:r>
+            <a:r>
+              <a:rPr lang="en-US" dirty="0" err="1">
+                <a:effectLst/>
+                <a:latin typeface="+mn-lt"/>
+              </a:rPr>
+              <a:t>aktuální</a:t>
+            </a:r>
+            <a:r>
+              <a:rPr lang="en-US" dirty="0">
+                <a:effectLst/>
+                <a:latin typeface="+mn-lt"/>
+              </a:rPr>
+              <a:t> </a:t>
+            </a:r>
+            <a:r>
+              <a:rPr lang="en-US" dirty="0" err="1">
+                <a:effectLst/>
+                <a:latin typeface="+mn-lt"/>
+              </a:rPr>
+              <a:t>znění</a:t>
+            </a:r>
+            <a:endParaRPr lang="en-US" dirty="0">
+              <a:effectLst/>
+              <a:latin typeface="+mn-lt"/>
+            </a:endParaRPr>
+          </a:p>
+          <a:p>
+            <a:endParaRPr lang="en-US" dirty="0">
+              <a:ea typeface="+mn-lt"/>
+              <a:cs typeface="+mn-lt"/>
+            </a:endParaRPr>
+          </a:p>
+          <a:p>
+            <a:endParaRPr lang="cs-CZ" dirty="0">
+              <a:ea typeface="+mn-lt"/>
+              <a:cs typeface="+mn-lt"/>
+            </a:endParaRPr>
+          </a:p>
+        </p:txBody>
+      </p:sp>
+    </p:spTree>
+    <p:extLst>
+      <p:ext uri="{BB962C8B-B14F-4D97-AF65-F5344CB8AC3E}">
+        <p14:creationId xmlns:p14="http://schemas.microsoft.com/office/powerpoint/2010/main" val="1594678827"/>
       </p:ext>
     </p:extLst>
   </p:cSld>

--- a/Kochanek_projekt_II_it_use_liability.pptx
+++ b/Kochanek_projekt_II_it_use_liability.pptx
@@ -2426,32 +2426,30 @@
           </a:p>
           <a:p>
             <a:r>
-              <a:rPr lang="en-US" b="0" dirty="0" err="1">
-                <a:effectLst/>
-                <a:latin typeface="+mn-lt"/>
-              </a:rPr>
-              <a:t>ZoKB</a:t>
-            </a:r>
-            <a:r>
-              <a:rPr lang="en-US" b="0" dirty="0">
-                <a:effectLst/>
-                <a:latin typeface="+mn-lt"/>
-              </a:rPr>
-              <a:t> d</a:t>
-            </a:r>
-            <a:r>
-              <a:rPr lang="cs-CZ" b="0" dirty="0" err="1">
-                <a:effectLst/>
-                <a:latin typeface="+mn-lt"/>
-              </a:rPr>
-              <a:t>ále</a:t>
+              <a:rPr lang="cs-CZ" b="0" dirty="0">
+                <a:effectLst/>
+                <a:latin typeface="+mn-lt"/>
+              </a:rPr>
+              <a:t>Vztahuje se na základní, významné a </a:t>
             </a:r>
             <a:r>
               <a:rPr lang="cs-CZ" dirty="0">
                 <a:latin typeface="+mn-lt"/>
               </a:rPr>
-              <a:t> popisuje jen významné nebo kritické prvky informační infrastruktury.</a:t>
-            </a:r>
+              <a:t>kritické prvky infrastruktury</a:t>
+            </a:r>
+          </a:p>
+          <a:p>
+            <a:r>
+              <a:rPr lang="cs-CZ" b="0" dirty="0">
+                <a:effectLst/>
+                <a:latin typeface="+mn-lt"/>
+              </a:rPr>
+              <a:t> </a:t>
+            </a:r>
+            <a:endParaRPr lang="cs-CZ" dirty="0">
+              <a:latin typeface="+mn-lt"/>
+            </a:endParaRPr>
           </a:p>
           <a:p>
             <a:endParaRPr lang="en-US" b="0" dirty="0">
@@ -2558,59 +2556,11 @@
           <a:lstStyle/>
           <a:p>
             <a:r>
-              <a:rPr lang="en-US" b="0" dirty="0">
-                <a:effectLst/>
-                <a:latin typeface="+mn-lt"/>
-              </a:rPr>
-              <a:t>V </a:t>
-            </a:r>
-            <a:r>
-              <a:rPr lang="cs-CZ" b="0" dirty="0">
-                <a:effectLst/>
-                <a:latin typeface="+mn-lt"/>
-              </a:rPr>
-              <a:t>celku</a:t>
-            </a:r>
-            <a:r>
-              <a:rPr lang="en-US" b="0" dirty="0">
-                <a:effectLst/>
-                <a:latin typeface="+mn-lt"/>
-              </a:rPr>
-              <a:t> </a:t>
-            </a:r>
-            <a:r>
-              <a:rPr lang="cs-CZ" b="0" dirty="0">
-                <a:effectLst/>
-                <a:latin typeface="+mn-lt"/>
-              </a:rPr>
-              <a:t>žádn</a:t>
-            </a:r>
-            <a:r>
               <a:rPr lang="cs-CZ" dirty="0">
                 <a:latin typeface="+mn-lt"/>
               </a:rPr>
-              <a:t>ý. Zákon o kybernetické bezpečnosti výhradně upravuje větší  NÚKIB vydá varování o existenci hrozby v oblasti KB, na kterou je nutné bezprostředně reagovat.</a:t>
-            </a:r>
-          </a:p>
-          <a:p>
-            <a:endParaRPr lang="cs-CZ" b="0" dirty="0">
-              <a:effectLst/>
-              <a:latin typeface="+mn-lt"/>
-            </a:endParaRPr>
-          </a:p>
-          <a:p>
-            <a:r>
-              <a:rPr lang="cs-CZ" dirty="0">
-                <a:latin typeface="+mn-lt"/>
-              </a:rPr>
-              <a:t>Běžný uživatel, který se nenachází v pozici pracovníka významné nebo kritické sítě elektronických komunikací nebo informačního systému nemusí dodržovat varování od úřadu varování a nebude za to trestán.</a:t>
-            </a:r>
-          </a:p>
-          <a:p>
-            <a:endParaRPr lang="cs-CZ" b="0" dirty="0">
-              <a:effectLst/>
-              <a:latin typeface="+mn-lt"/>
-            </a:endParaRPr>
+              <a:t>Pokud jedinec součástí kritické, významné nebo základní infrastruktury tak skoro žádný.</a:t>
+            </a:r>
           </a:p>
           <a:p>
             <a:endParaRPr lang="cs-CZ" b="0" dirty="0">
@@ -2707,7 +2657,14 @@
           <a:bodyPr/>
           <a:lstStyle/>
           <a:p>
-            <a:endParaRPr lang="cs-CZ" dirty="0"/>
+            <a:r>
+              <a:rPr lang="cs-CZ" dirty="0"/>
+              <a:t>Základní lidské právo</a:t>
+            </a:r>
+            <a:endParaRPr lang="en-US" dirty="0"/>
+          </a:p>
+          <a:p>
+            <a:endParaRPr lang="en-US" dirty="0"/>
           </a:p>
         </p:txBody>
       </p:sp>
@@ -2860,172 +2817,187 @@
           <a:lstStyle/>
           <a:p>
             <a:r>
-              <a:rPr lang="cs-CZ" dirty="0">
+              <a:rPr lang="cs-CZ" sz="1200" dirty="0">
                 <a:ea typeface="+mn-lt"/>
                 <a:cs typeface="+mn-lt"/>
               </a:rPr>
               <a:t>https://www.policie.cz/</a:t>
             </a:r>
             <a:r>
-              <a:rPr lang="cs-CZ" dirty="0" err="1">
+              <a:rPr lang="cs-CZ" sz="1200" dirty="0" err="1">
                 <a:ea typeface="+mn-lt"/>
                 <a:cs typeface="+mn-lt"/>
               </a:rPr>
               <a:t>clanek</a:t>
             </a:r>
             <a:r>
-              <a:rPr lang="cs-CZ" dirty="0">
+              <a:rPr lang="cs-CZ" sz="1200" dirty="0">
                 <a:ea typeface="+mn-lt"/>
                 <a:cs typeface="+mn-lt"/>
               </a:rPr>
               <a:t>/jednotlive-druhy-kyberkriminality.aspx#:~:text=Neopr%C3%A1vn%C4%9Bn%C3%BD%20p%C5%99%C3%ADstup%20k%20po%C4%8D%C3%ADta%C4%8Dov%C3%A9mu%20syst%C3%A9mu,neposledn%C3%AD%20%C5%99ad%C4%9B%20i%20zneu%C5%BE%C3%ADv%C3%A1n%C3%AD%20za%C5%99%C3%ADzen%C3%AD.</a:t>
             </a:r>
-            <a:endParaRPr lang="en-US" dirty="0">
+          </a:p>
+          <a:p>
+            <a:r>
+              <a:rPr lang="en-US" sz="1200" dirty="0">
+                <a:ea typeface="+mn-lt"/>
+                <a:cs typeface="+mn-lt"/>
+              </a:rPr>
+              <a:t>https://www.centrumlidskaprava.cz/blog/moznost-pripojit-se-k-internetu-jako-lidske-pravo</a:t>
+            </a:r>
+            <a:endParaRPr lang="cs-CZ" sz="1200" dirty="0">
               <a:ea typeface="+mn-lt"/>
               <a:cs typeface="+mn-lt"/>
             </a:endParaRPr>
           </a:p>
           <a:p>
-            <a:r>
-              <a:rPr lang="en-US" dirty="0" err="1">
+            <a:endParaRPr lang="en-US" sz="1200" dirty="0">
+              <a:ea typeface="+mn-lt"/>
+              <a:cs typeface="+mn-lt"/>
+            </a:endParaRPr>
+          </a:p>
+          <a:p>
+            <a:r>
+              <a:rPr lang="en-US" sz="1200" dirty="0" err="1">
                 <a:effectLst/>
                 <a:latin typeface="+mn-lt"/>
               </a:rPr>
               <a:t>Seznam</a:t>
             </a:r>
             <a:r>
-              <a:rPr lang="en-US" dirty="0">
+              <a:rPr lang="en-US" sz="1200" dirty="0">
                 <a:effectLst/>
                 <a:latin typeface="+mn-lt"/>
               </a:rPr>
               <a:t> </a:t>
             </a:r>
             <a:r>
-              <a:rPr lang="en-US" dirty="0" err="1">
+              <a:rPr lang="en-US" sz="1200" dirty="0" err="1">
                 <a:effectLst/>
                 <a:latin typeface="+mn-lt"/>
               </a:rPr>
               <a:t>odborné</a:t>
             </a:r>
             <a:r>
-              <a:rPr lang="en-US" dirty="0">
+              <a:rPr lang="en-US" sz="1200" dirty="0">
                 <a:effectLst/>
                 <a:latin typeface="+mn-lt"/>
               </a:rPr>
               <a:t> </a:t>
             </a:r>
             <a:r>
-              <a:rPr lang="en-US" dirty="0" err="1">
+              <a:rPr lang="en-US" sz="1200" dirty="0" err="1">
                 <a:effectLst/>
                 <a:latin typeface="+mn-lt"/>
               </a:rPr>
               <a:t>literatury</a:t>
             </a:r>
             <a:r>
-              <a:rPr lang="en-US" dirty="0">
+              <a:rPr lang="en-US" sz="1200" dirty="0">
                 <a:effectLst/>
                 <a:latin typeface="+mn-lt"/>
               </a:rPr>
               <a:t>:</a:t>
             </a:r>
             <a:br>
-              <a:rPr lang="en-US" dirty="0">
+              <a:rPr lang="en-US" sz="1200" dirty="0">
                 <a:effectLst/>
                 <a:latin typeface="+mn-lt"/>
               </a:rPr>
             </a:br>
             <a:r>
-              <a:rPr lang="en-US" dirty="0">
+              <a:rPr lang="en-US" sz="1200" dirty="0">
                 <a:effectLst/>
                 <a:latin typeface="+mn-lt"/>
               </a:rPr>
               <a:t> &lt;</a:t>
             </a:r>
             <a:r>
-              <a:rPr lang="en-US" u="sng" dirty="0">
+              <a:rPr lang="en-US" sz="1200" u="sng" dirty="0">
                 <a:effectLst/>
                 <a:latin typeface="+mn-lt"/>
               </a:rPr>
               <a:t>https://www.zakonyprolidi.cz/cs/2009-40</a:t>
             </a:r>
             <a:r>
-              <a:rPr lang="en-US" dirty="0">
+              <a:rPr lang="en-US" sz="1200" dirty="0">
                 <a:effectLst/>
                 <a:latin typeface="+mn-lt"/>
               </a:rPr>
               <a:t>&gt;  </a:t>
             </a:r>
             <a:r>
-              <a:rPr lang="en-US" dirty="0" err="1">
+              <a:rPr lang="en-US" sz="1200" dirty="0" err="1">
                 <a:effectLst/>
                 <a:latin typeface="+mn-lt"/>
               </a:rPr>
               <a:t>aktuální</a:t>
             </a:r>
             <a:r>
-              <a:rPr lang="en-US" dirty="0">
+              <a:rPr lang="en-US" sz="1200" dirty="0">
                 <a:effectLst/>
                 <a:latin typeface="+mn-lt"/>
               </a:rPr>
               <a:t> </a:t>
             </a:r>
             <a:r>
-              <a:rPr lang="en-US" dirty="0" err="1">
+              <a:rPr lang="en-US" sz="1200" dirty="0" err="1">
                 <a:effectLst/>
                 <a:latin typeface="+mn-lt"/>
               </a:rPr>
               <a:t>znění</a:t>
             </a:r>
-            <a:endParaRPr lang="en-US" dirty="0">
+            <a:endParaRPr lang="en-US" sz="1200" dirty="0">
               <a:effectLst/>
               <a:latin typeface="+mn-lt"/>
             </a:endParaRPr>
           </a:p>
           <a:p>
             <a:r>
-              <a:rPr lang="en-US" dirty="0">
+              <a:rPr lang="en-US" sz="1200" dirty="0">
                 <a:effectLst/>
                 <a:latin typeface="+mn-lt"/>
               </a:rPr>
               <a:t> Jan </a:t>
             </a:r>
             <a:r>
-              <a:rPr lang="en-US" dirty="0" err="1">
+              <a:rPr lang="en-US" sz="1200" dirty="0" err="1">
                 <a:effectLst/>
                 <a:latin typeface="+mn-lt"/>
               </a:rPr>
               <a:t>Kolouch</a:t>
             </a:r>
             <a:r>
-              <a:rPr lang="en-US" dirty="0">
+              <a:rPr lang="en-US" sz="1200" dirty="0">
                 <a:effectLst/>
                 <a:latin typeface="+mn-lt"/>
               </a:rPr>
               <a:t> a </a:t>
             </a:r>
             <a:r>
-              <a:rPr lang="en-US" dirty="0" err="1">
+              <a:rPr lang="en-US" sz="1200" dirty="0" err="1">
                 <a:effectLst/>
                 <a:latin typeface="+mn-lt"/>
               </a:rPr>
               <a:t>kolektiv</a:t>
             </a:r>
             <a:r>
-              <a:rPr lang="en-US" dirty="0">
+              <a:rPr lang="en-US" sz="1200" dirty="0">
                 <a:effectLst/>
                 <a:latin typeface="+mn-lt"/>
               </a:rPr>
               <a:t>, "CYBERSECURITY", &lt;</a:t>
             </a:r>
             <a:r>
-              <a:rPr lang="en-US" u="sng" dirty="0">
+              <a:rPr lang="en-US" sz="1200" u="sng" dirty="0">
                 <a:effectLst/>
                 <a:latin typeface="+mn-lt"/>
               </a:rPr>
               <a:t>https://knihy.nic.cz/files/edice/cybersecurity.pdf</a:t>
             </a:r>
             <a:r>
-              <a:rPr lang="en-US" dirty="0">
+              <a:rPr lang="en-US" sz="1200" dirty="0">
                 <a:effectLst/>
                 <a:latin typeface="+mn-lt"/>
               </a:rPr>
@@ -3034,108 +3006,108 @@
           </a:p>
           <a:p>
             <a:r>
-              <a:rPr lang="en-US" dirty="0">
+              <a:rPr lang="en-US" sz="1200" dirty="0">
                 <a:effectLst/>
                 <a:latin typeface="+mn-lt"/>
               </a:rPr>
               <a:t> &lt;</a:t>
             </a:r>
             <a:r>
-              <a:rPr lang="en-US" u="sng" dirty="0">
+              <a:rPr lang="en-US" sz="1200" u="sng" dirty="0">
                 <a:effectLst/>
                 <a:latin typeface="+mn-lt"/>
               </a:rPr>
               <a:t>https://www.nukib.cz/cs/</a:t>
             </a:r>
             <a:r>
-              <a:rPr lang="en-US" dirty="0">
+              <a:rPr lang="en-US" sz="1200" dirty="0">
                 <a:effectLst/>
                 <a:latin typeface="+mn-lt"/>
               </a:rPr>
               <a:t>&gt;, </a:t>
             </a:r>
             <a:r>
-              <a:rPr lang="en-US" dirty="0" err="1">
+              <a:rPr lang="en-US" sz="1200" dirty="0" err="1">
                 <a:effectLst/>
                 <a:latin typeface="+mn-lt"/>
               </a:rPr>
               <a:t>vzdělávací</a:t>
             </a:r>
             <a:r>
-              <a:rPr lang="en-US" dirty="0">
+              <a:rPr lang="en-US" sz="1200" dirty="0">
                 <a:effectLst/>
                 <a:latin typeface="+mn-lt"/>
               </a:rPr>
               <a:t> </a:t>
             </a:r>
             <a:r>
-              <a:rPr lang="en-US" dirty="0" err="1">
+              <a:rPr lang="en-US" sz="1200" dirty="0" err="1">
                 <a:effectLst/>
                 <a:latin typeface="+mn-lt"/>
               </a:rPr>
               <a:t>materiály</a:t>
             </a:r>
-            <a:endParaRPr lang="en-US" dirty="0">
+            <a:endParaRPr lang="en-US" sz="1200" dirty="0">
               <a:effectLst/>
               <a:latin typeface="+mn-lt"/>
             </a:endParaRPr>
           </a:p>
           <a:p>
             <a:r>
-              <a:rPr lang="en-US" dirty="0">
+              <a:rPr lang="en-US" sz="1200" dirty="0">
                 <a:effectLst/>
                 <a:latin typeface="+mn-lt"/>
               </a:rPr>
               <a:t> &lt;</a:t>
             </a:r>
             <a:r>
-              <a:rPr lang="en-US" u="sng" dirty="0">
+              <a:rPr lang="en-US" sz="1200" u="sng" dirty="0">
                 <a:effectLst/>
                 <a:latin typeface="+mn-lt"/>
               </a:rPr>
               <a:t>https://www.zakonyprolidi.cz/cs/2014-181</a:t>
             </a:r>
             <a:r>
-              <a:rPr lang="en-US" dirty="0">
+              <a:rPr lang="en-US" sz="1200" dirty="0">
                 <a:effectLst/>
                 <a:latin typeface="+mn-lt"/>
               </a:rPr>
               <a:t>&gt; </a:t>
             </a:r>
             <a:r>
-              <a:rPr lang="en-US" dirty="0" err="1">
+              <a:rPr lang="en-US" sz="1200" dirty="0" err="1">
                 <a:effectLst/>
                 <a:latin typeface="+mn-lt"/>
               </a:rPr>
               <a:t>aktuální</a:t>
             </a:r>
             <a:r>
-              <a:rPr lang="en-US" dirty="0">
+              <a:rPr lang="en-US" sz="1200" dirty="0">
                 <a:effectLst/>
                 <a:latin typeface="+mn-lt"/>
               </a:rPr>
               <a:t> </a:t>
             </a:r>
             <a:r>
-              <a:rPr lang="en-US" dirty="0" err="1">
+              <a:rPr lang="en-US" sz="1200" dirty="0" err="1">
                 <a:effectLst/>
                 <a:latin typeface="+mn-lt"/>
               </a:rPr>
               <a:t>znění</a:t>
             </a:r>
-            <a:endParaRPr lang="en-US" dirty="0">
+            <a:endParaRPr lang="en-US" sz="1200" dirty="0">
               <a:effectLst/>
               <a:latin typeface="+mn-lt"/>
             </a:endParaRPr>
           </a:p>
           <a:p>
-            <a:endParaRPr lang="en-US" dirty="0">
+            <a:endParaRPr lang="en-US" sz="1200" dirty="0">
               <a:ea typeface="+mn-lt"/>
               <a:cs typeface="+mn-lt"/>
             </a:endParaRPr>
           </a:p>
           <a:p>
-            <a:endParaRPr lang="cs-CZ" dirty="0">
+            <a:endParaRPr lang="cs-CZ" sz="1200" dirty="0">
               <a:ea typeface="+mn-lt"/>
               <a:cs typeface="+mn-lt"/>
             </a:endParaRPr>

--- a/Kochanek_projekt_II_it_use_liability.pptx
+++ b/Kochanek_projekt_II_it_use_liability.pptx
@@ -5,7 +5,7 @@
     <p:sldMasterId id="2147483660" r:id="rId1"/>
   </p:sldMasterIdLst>
   <p:notesMasterIdLst>
-    <p:notesMasterId r:id="rId11"/>
+    <p:notesMasterId r:id="rId12"/>
   </p:notesMasterIdLst>
   <p:sldIdLst>
     <p:sldId id="256" r:id="rId2"/>
@@ -15,8 +15,9 @@
     <p:sldId id="271" r:id="rId6"/>
     <p:sldId id="272" r:id="rId7"/>
     <p:sldId id="273" r:id="rId8"/>
-    <p:sldId id="268" r:id="rId9"/>
-    <p:sldId id="261" r:id="rId10"/>
+    <p:sldId id="274" r:id="rId9"/>
+    <p:sldId id="268" r:id="rId10"/>
+    <p:sldId id="261" r:id="rId11"/>
   </p:sldIdLst>
   <p:sldSz cx="12192000" cy="6858000"/>
   <p:notesSz cx="6858000" cy="9144000"/>
@@ -1831,6 +1832,387 @@
 </p:sld>
 </file>
 
+<file path=ppt/slides/slide10.xml><?xml version="1.0" encoding="utf-8"?>
+<p:sld xmlns:a="http://schemas.openxmlformats.org/drawingml/2006/main" xmlns:r="http://schemas.openxmlformats.org/officeDocument/2006/relationships" xmlns:p="http://schemas.openxmlformats.org/presentationml/2006/main">
+  <p:cSld>
+    <p:spTree>
+      <p:nvGrpSpPr>
+        <p:cNvPr id="1" name=""/>
+        <p:cNvGrpSpPr/>
+        <p:nvPr/>
+      </p:nvGrpSpPr>
+      <p:grpSpPr>
+        <a:xfrm>
+          <a:off x="0" y="0"/>
+          <a:ext cx="0" cy="0"/>
+          <a:chOff x="0" y="0"/>
+          <a:chExt cx="0" cy="0"/>
+        </a:xfrm>
+      </p:grpSpPr>
+      <p:sp>
+        <p:nvSpPr>
+          <p:cNvPr id="2" name="Nadpis 1">
+            <a:extLst>
+              <a:ext uri="{FF2B5EF4-FFF2-40B4-BE49-F238E27FC236}">
+                <a16:creationId xmlns:a16="http://schemas.microsoft.com/office/drawing/2014/main" id="{4AD65151-25F6-4CAA-8F2F-583CC6D94A46}"/>
+              </a:ext>
+            </a:extLst>
+          </p:cNvPr>
+          <p:cNvSpPr>
+            <a:spLocks noGrp="1"/>
+          </p:cNvSpPr>
+          <p:nvPr>
+            <p:ph type="title"/>
+          </p:nvPr>
+        </p:nvSpPr>
+        <p:spPr/>
+        <p:txBody>
+          <a:bodyPr/>
+          <a:lstStyle/>
+          <a:p>
+            <a:r>
+              <a:rPr lang="cs-CZ">
+                <a:cs typeface="Calibri Light"/>
+              </a:rPr>
+              <a:t>Zdroje</a:t>
+            </a:r>
+          </a:p>
+        </p:txBody>
+      </p:sp>
+      <p:sp>
+        <p:nvSpPr>
+          <p:cNvPr id="3" name="Zástupný obsah 2">
+            <a:extLst>
+              <a:ext uri="{FF2B5EF4-FFF2-40B4-BE49-F238E27FC236}">
+                <a16:creationId xmlns:a16="http://schemas.microsoft.com/office/drawing/2014/main" id="{53BD2864-2797-45C9-BA46-310944DCC4E3}"/>
+              </a:ext>
+            </a:extLst>
+          </p:cNvPr>
+          <p:cNvSpPr>
+            <a:spLocks noGrp="1"/>
+          </p:cNvSpPr>
+          <p:nvPr>
+            <p:ph idx="1"/>
+          </p:nvPr>
+        </p:nvSpPr>
+        <p:spPr/>
+        <p:txBody>
+          <a:bodyPr vert="horz" lIns="91440" tIns="45720" rIns="91440" bIns="45720" rtlCol="0" anchor="t">
+            <a:normAutofit/>
+          </a:bodyPr>
+          <a:lstStyle/>
+          <a:p>
+            <a:r>
+              <a:rPr lang="cs-CZ" sz="1200" dirty="0">
+                <a:ea typeface="+mn-lt"/>
+                <a:cs typeface="+mn-lt"/>
+              </a:rPr>
+              <a:t>https://www.policie.cz/</a:t>
+            </a:r>
+            <a:r>
+              <a:rPr lang="cs-CZ" sz="1200" dirty="0" err="1">
+                <a:ea typeface="+mn-lt"/>
+                <a:cs typeface="+mn-lt"/>
+              </a:rPr>
+              <a:t>clanek</a:t>
+            </a:r>
+            <a:r>
+              <a:rPr lang="cs-CZ" sz="1200" dirty="0">
+                <a:ea typeface="+mn-lt"/>
+                <a:cs typeface="+mn-lt"/>
+              </a:rPr>
+              <a:t>/jednotlive-druhy-kyberkriminality.aspx#:~:text=Neopr%C3%A1vn%C4%9Bn%C3%BD%20p%C5%99%C3%ADstup%20k%20po%C4%8D%C3%ADta%C4%8Dov%C3%A9mu%20syst%C3%A9mu,neposledn%C3%AD%20%C5%99ad%C4%9B%20i%20zneu%C5%BE%C3%ADv%C3%A1n%C3%AD%20za%C5%99%C3%ADzen%C3%AD.</a:t>
+            </a:r>
+          </a:p>
+          <a:p>
+            <a:r>
+              <a:rPr lang="en-US" sz="1200" dirty="0">
+                <a:ea typeface="+mn-lt"/>
+                <a:cs typeface="+mn-lt"/>
+              </a:rPr>
+              <a:t>https://www.centrumlidskaprava.cz/blog/moznost-pripojit-se-k-internetu-jako-lidske-pravo</a:t>
+            </a:r>
+            <a:endParaRPr lang="cs-CZ" sz="1200" dirty="0">
+              <a:ea typeface="+mn-lt"/>
+              <a:cs typeface="+mn-lt"/>
+            </a:endParaRPr>
+          </a:p>
+          <a:p>
+            <a:endParaRPr lang="en-US" sz="1200" dirty="0">
+              <a:ea typeface="+mn-lt"/>
+              <a:cs typeface="+mn-lt"/>
+            </a:endParaRPr>
+          </a:p>
+          <a:p>
+            <a:r>
+              <a:rPr lang="en-US" sz="1200" dirty="0" err="1">
+                <a:effectLst/>
+                <a:latin typeface="+mn-lt"/>
+              </a:rPr>
+              <a:t>Seznam</a:t>
+            </a:r>
+            <a:r>
+              <a:rPr lang="en-US" sz="1200" dirty="0">
+                <a:effectLst/>
+                <a:latin typeface="+mn-lt"/>
+              </a:rPr>
+              <a:t> </a:t>
+            </a:r>
+            <a:r>
+              <a:rPr lang="en-US" sz="1200" dirty="0" err="1">
+                <a:effectLst/>
+                <a:latin typeface="+mn-lt"/>
+              </a:rPr>
+              <a:t>odborné</a:t>
+            </a:r>
+            <a:r>
+              <a:rPr lang="en-US" sz="1200" dirty="0">
+                <a:effectLst/>
+                <a:latin typeface="+mn-lt"/>
+              </a:rPr>
+              <a:t> </a:t>
+            </a:r>
+            <a:r>
+              <a:rPr lang="en-US" sz="1200" dirty="0" err="1">
+                <a:effectLst/>
+                <a:latin typeface="+mn-lt"/>
+              </a:rPr>
+              <a:t>literatury</a:t>
+            </a:r>
+            <a:r>
+              <a:rPr lang="en-US" sz="1200" dirty="0">
+                <a:effectLst/>
+                <a:latin typeface="+mn-lt"/>
+              </a:rPr>
+              <a:t>:</a:t>
+            </a:r>
+            <a:br>
+              <a:rPr lang="en-US" sz="1200" dirty="0">
+                <a:effectLst/>
+                <a:latin typeface="+mn-lt"/>
+              </a:rPr>
+            </a:br>
+            <a:r>
+              <a:rPr lang="en-US" sz="1200" dirty="0">
+                <a:effectLst/>
+                <a:latin typeface="+mn-lt"/>
+              </a:rPr>
+              <a:t> &lt;</a:t>
+            </a:r>
+            <a:r>
+              <a:rPr lang="en-US" sz="1200" u="sng" dirty="0">
+                <a:effectLst/>
+                <a:latin typeface="+mn-lt"/>
+              </a:rPr>
+              <a:t>https://www.zakonyprolidi.cz/cs/2009-40</a:t>
+            </a:r>
+            <a:r>
+              <a:rPr lang="en-US" sz="1200" dirty="0">
+                <a:effectLst/>
+                <a:latin typeface="+mn-lt"/>
+              </a:rPr>
+              <a:t>&gt;  </a:t>
+            </a:r>
+            <a:r>
+              <a:rPr lang="en-US" sz="1200" dirty="0" err="1">
+                <a:effectLst/>
+                <a:latin typeface="+mn-lt"/>
+              </a:rPr>
+              <a:t>aktuální</a:t>
+            </a:r>
+            <a:r>
+              <a:rPr lang="en-US" sz="1200" dirty="0">
+                <a:effectLst/>
+                <a:latin typeface="+mn-lt"/>
+              </a:rPr>
+              <a:t> </a:t>
+            </a:r>
+            <a:r>
+              <a:rPr lang="en-US" sz="1200" dirty="0" err="1">
+                <a:effectLst/>
+                <a:latin typeface="+mn-lt"/>
+              </a:rPr>
+              <a:t>znění</a:t>
+            </a:r>
+            <a:endParaRPr lang="en-US" sz="1200" dirty="0">
+              <a:effectLst/>
+              <a:latin typeface="+mn-lt"/>
+            </a:endParaRPr>
+          </a:p>
+          <a:p>
+            <a:r>
+              <a:rPr lang="en-US" sz="1200" dirty="0">
+                <a:effectLst/>
+                <a:latin typeface="+mn-lt"/>
+              </a:rPr>
+              <a:t> Jan </a:t>
+            </a:r>
+            <a:r>
+              <a:rPr lang="en-US" sz="1200" dirty="0" err="1">
+                <a:effectLst/>
+                <a:latin typeface="+mn-lt"/>
+              </a:rPr>
+              <a:t>Kolouch</a:t>
+            </a:r>
+            <a:r>
+              <a:rPr lang="en-US" sz="1200" dirty="0">
+                <a:effectLst/>
+                <a:latin typeface="+mn-lt"/>
+              </a:rPr>
+              <a:t> a </a:t>
+            </a:r>
+            <a:r>
+              <a:rPr lang="en-US" sz="1200" dirty="0" err="1">
+                <a:effectLst/>
+                <a:latin typeface="+mn-lt"/>
+              </a:rPr>
+              <a:t>kolektiv</a:t>
+            </a:r>
+            <a:r>
+              <a:rPr lang="en-US" sz="1200" dirty="0">
+                <a:effectLst/>
+                <a:latin typeface="+mn-lt"/>
+              </a:rPr>
+              <a:t>, "CYBERSECURITY", &lt;</a:t>
+            </a:r>
+            <a:r>
+              <a:rPr lang="en-US" sz="1200" u="sng" dirty="0">
+                <a:effectLst/>
+                <a:latin typeface="+mn-lt"/>
+              </a:rPr>
+              <a:t>https://knihy.nic.cz/files/edice/cybersecurity.pdf</a:t>
+            </a:r>
+            <a:r>
+              <a:rPr lang="en-US" sz="1200" dirty="0">
+                <a:effectLst/>
+                <a:latin typeface="+mn-lt"/>
+              </a:rPr>
+              <a:t>&gt;</a:t>
+            </a:r>
+          </a:p>
+          <a:p>
+            <a:r>
+              <a:rPr lang="en-US" sz="1200" dirty="0">
+                <a:effectLst/>
+                <a:latin typeface="+mn-lt"/>
+              </a:rPr>
+              <a:t> &lt;</a:t>
+            </a:r>
+            <a:r>
+              <a:rPr lang="en-US" sz="1200" u="sng" dirty="0">
+                <a:effectLst/>
+                <a:latin typeface="+mn-lt"/>
+              </a:rPr>
+              <a:t>https://www.nukib.cz/cs/</a:t>
+            </a:r>
+            <a:r>
+              <a:rPr lang="en-US" sz="1200" dirty="0">
+                <a:effectLst/>
+                <a:latin typeface="+mn-lt"/>
+              </a:rPr>
+              <a:t>&gt;, </a:t>
+            </a:r>
+            <a:r>
+              <a:rPr lang="en-US" sz="1200" dirty="0" err="1">
+                <a:effectLst/>
+                <a:latin typeface="+mn-lt"/>
+              </a:rPr>
+              <a:t>vzdělávací</a:t>
+            </a:r>
+            <a:r>
+              <a:rPr lang="en-US" sz="1200" dirty="0">
+                <a:effectLst/>
+                <a:latin typeface="+mn-lt"/>
+              </a:rPr>
+              <a:t> </a:t>
+            </a:r>
+            <a:r>
+              <a:rPr lang="en-US" sz="1200" dirty="0" err="1">
+                <a:effectLst/>
+                <a:latin typeface="+mn-lt"/>
+              </a:rPr>
+              <a:t>materiály</a:t>
+            </a:r>
+            <a:endParaRPr lang="en-US" sz="1200" dirty="0">
+              <a:effectLst/>
+              <a:latin typeface="+mn-lt"/>
+            </a:endParaRPr>
+          </a:p>
+          <a:p>
+            <a:r>
+              <a:rPr lang="en-US" sz="1200" dirty="0">
+                <a:effectLst/>
+                <a:latin typeface="+mn-lt"/>
+              </a:rPr>
+              <a:t> &lt;</a:t>
+            </a:r>
+            <a:r>
+              <a:rPr lang="en-US" sz="1200" u="sng" dirty="0">
+                <a:effectLst/>
+                <a:latin typeface="+mn-lt"/>
+              </a:rPr>
+              <a:t>https://www.zakonyprolidi.cz/cs/2014-181</a:t>
+            </a:r>
+            <a:r>
+              <a:rPr lang="en-US" sz="1200" dirty="0">
+                <a:effectLst/>
+                <a:latin typeface="+mn-lt"/>
+              </a:rPr>
+              <a:t>&gt; </a:t>
+            </a:r>
+            <a:r>
+              <a:rPr lang="en-US" sz="1200" dirty="0" err="1">
+                <a:effectLst/>
+                <a:latin typeface="+mn-lt"/>
+              </a:rPr>
+              <a:t>aktuální</a:t>
+            </a:r>
+            <a:r>
+              <a:rPr lang="en-US" sz="1200" dirty="0">
+                <a:effectLst/>
+                <a:latin typeface="+mn-lt"/>
+              </a:rPr>
+              <a:t> </a:t>
+            </a:r>
+            <a:r>
+              <a:rPr lang="en-US" sz="1200" dirty="0" err="1">
+                <a:effectLst/>
+                <a:latin typeface="+mn-lt"/>
+              </a:rPr>
+              <a:t>znění</a:t>
+            </a:r>
+            <a:endParaRPr lang="en-US" sz="1200" dirty="0">
+              <a:effectLst/>
+              <a:latin typeface="+mn-lt"/>
+            </a:endParaRPr>
+          </a:p>
+          <a:p>
+            <a:endParaRPr lang="en-US" sz="1200" dirty="0">
+              <a:ea typeface="+mn-lt"/>
+              <a:cs typeface="+mn-lt"/>
+            </a:endParaRPr>
+          </a:p>
+          <a:p>
+            <a:endParaRPr lang="cs-CZ" sz="1200" dirty="0">
+              <a:ea typeface="+mn-lt"/>
+              <a:cs typeface="+mn-lt"/>
+            </a:endParaRPr>
+          </a:p>
+        </p:txBody>
+      </p:sp>
+    </p:spTree>
+    <p:extLst>
+      <p:ext uri="{BB962C8B-B14F-4D97-AF65-F5344CB8AC3E}">
+        <p14:creationId xmlns:p14="http://schemas.microsoft.com/office/powerpoint/2010/main" val="1594678827"/>
+      </p:ext>
+    </p:extLst>
+  </p:cSld>
+  <p:clrMapOvr>
+    <a:masterClrMapping/>
+  </p:clrMapOvr>
+</p:sld>
+</file>
+
 <file path=ppt/slides/slide2.xml><?xml version="1.0" encoding="utf-8"?>
 <p:sld xmlns:a="http://schemas.openxmlformats.org/drawingml/2006/main" xmlns:r="http://schemas.openxmlformats.org/officeDocument/2006/relationships" xmlns:p="http://schemas.openxmlformats.org/presentationml/2006/main">
   <p:cSld>
@@ -1973,6 +2355,18 @@
             </a:r>
           </a:p>
           <a:p>
+            <a:r>
+              <a:rPr lang="en-US" dirty="0" err="1">
+                <a:cs typeface="Calibri"/>
+              </a:rPr>
+              <a:t>Shrnut</a:t>
+            </a:r>
+            <a:r>
+              <a:rPr lang="cs-CZ" dirty="0">
+                <a:cs typeface="Calibri"/>
+              </a:rPr>
+              <a:t>í </a:t>
+            </a:r>
             <a:endParaRPr lang="en-US" dirty="0">
               <a:cs typeface="Calibri"/>
             </a:endParaRPr>
@@ -2436,7 +2830,15 @@
               <a:rPr lang="cs-CZ" dirty="0">
                 <a:latin typeface="+mn-lt"/>
               </a:rPr>
-              <a:t>kritické prvky infrastruktury</a:t>
+              <a:t>kritické prvky infrastruktury.</a:t>
+            </a:r>
+          </a:p>
+          <a:p>
+            <a:r>
+              <a:rPr lang="cs-CZ" dirty="0">
+                <a:latin typeface="+mn-lt"/>
+              </a:rPr>
+              <a:t>Určuje také ochranu osobních informací</a:t>
             </a:r>
           </a:p>
           <a:p>
@@ -2703,7 +3105,7 @@
           <p:cNvPr id="2" name="Nadpis 1">
             <a:extLst>
               <a:ext uri="{FF2B5EF4-FFF2-40B4-BE49-F238E27FC236}">
-                <a16:creationId xmlns:a16="http://schemas.microsoft.com/office/drawing/2014/main" id="{F91DE7B1-1ACE-422B-A98B-2BF1A9EDED73}"/>
+                <a16:creationId xmlns:a16="http://schemas.microsoft.com/office/drawing/2014/main" id="{7062C0A2-ED94-7AAC-3318-6A600B0E9357}"/>
               </a:ext>
             </a:extLst>
           </p:cNvPr>
@@ -2714,29 +3116,52 @@
             <p:ph type="title"/>
           </p:nvPr>
         </p:nvSpPr>
-        <p:spPr>
-          <a:xfrm>
-            <a:off x="3449637" y="2762250"/>
-            <a:ext cx="10515600" cy="1325563"/>
-          </a:xfrm>
-        </p:spPr>
+        <p:spPr/>
         <p:txBody>
           <a:bodyPr/>
           <a:lstStyle/>
           <a:p>
             <a:r>
-              <a:rPr lang="cs-CZ" dirty="0">
-                <a:cs typeface="Calibri Light"/>
-              </a:rPr>
-              <a:t>Děkuji za pozornost!</a:t>
-            </a:r>
+              <a:rPr lang="cs-CZ" dirty="0"/>
+              <a:t>Právní odpovědnost uživatele výpočetní techniky</a:t>
+            </a:r>
+            <a:endParaRPr lang="en-US" dirty="0"/>
+          </a:p>
+        </p:txBody>
+      </p:sp>
+      <p:sp>
+        <p:nvSpPr>
+          <p:cNvPr id="3" name="Zástupný obsah 2">
+            <a:extLst>
+              <a:ext uri="{FF2B5EF4-FFF2-40B4-BE49-F238E27FC236}">
+                <a16:creationId xmlns:a16="http://schemas.microsoft.com/office/drawing/2014/main" id="{640FB8D1-3F44-7D96-DD62-C5891E0A69CB}"/>
+              </a:ext>
+            </a:extLst>
+          </p:cNvPr>
+          <p:cNvSpPr>
+            <a:spLocks noGrp="1"/>
+          </p:cNvSpPr>
+          <p:nvPr>
+            <p:ph idx="1"/>
+          </p:nvPr>
+        </p:nvSpPr>
+        <p:spPr/>
+        <p:txBody>
+          <a:bodyPr/>
+          <a:lstStyle/>
+          <a:p>
+            <a:r>
+              <a:rPr lang="cs-CZ" dirty="0"/>
+              <a:t>Ochrana osobních údajů</a:t>
+            </a:r>
+            <a:endParaRPr lang="en-US" dirty="0"/>
           </a:p>
         </p:txBody>
       </p:sp>
     </p:spTree>
     <p:extLst>
       <p:ext uri="{BB962C8B-B14F-4D97-AF65-F5344CB8AC3E}">
-        <p14:creationId xmlns:p14="http://schemas.microsoft.com/office/powerpoint/2010/main" val="3347645221"/>
+        <p14:creationId xmlns:p14="http://schemas.microsoft.com/office/powerpoint/2010/main" val="1121253547"/>
       </p:ext>
     </p:extLst>
   </p:cSld>
@@ -2768,7 +3193,7 @@
           <p:cNvPr id="2" name="Nadpis 1">
             <a:extLst>
               <a:ext uri="{FF2B5EF4-FFF2-40B4-BE49-F238E27FC236}">
-                <a16:creationId xmlns:a16="http://schemas.microsoft.com/office/drawing/2014/main" id="{4AD65151-25F6-4CAA-8F2F-583CC6D94A46}"/>
+                <a16:creationId xmlns:a16="http://schemas.microsoft.com/office/drawing/2014/main" id="{F91DE7B1-1ACE-422B-A98B-2BF1A9EDED73}"/>
               </a:ext>
             </a:extLst>
           </p:cNvPr>
@@ -2779,345 +3204,29 @@
             <p:ph type="title"/>
           </p:nvPr>
         </p:nvSpPr>
-        <p:spPr/>
+        <p:spPr>
+          <a:xfrm>
+            <a:off x="3449637" y="2762250"/>
+            <a:ext cx="10515600" cy="1325563"/>
+          </a:xfrm>
+        </p:spPr>
         <p:txBody>
           <a:bodyPr/>
           <a:lstStyle/>
           <a:p>
             <a:r>
-              <a:rPr lang="cs-CZ">
+              <a:rPr lang="cs-CZ" dirty="0">
                 <a:cs typeface="Calibri Light"/>
               </a:rPr>
-              <a:t>Zdroje</a:t>
-            </a:r>
-          </a:p>
-        </p:txBody>
-      </p:sp>
-      <p:sp>
-        <p:nvSpPr>
-          <p:cNvPr id="3" name="Zástupný obsah 2">
-            <a:extLst>
-              <a:ext uri="{FF2B5EF4-FFF2-40B4-BE49-F238E27FC236}">
-                <a16:creationId xmlns:a16="http://schemas.microsoft.com/office/drawing/2014/main" id="{53BD2864-2797-45C9-BA46-310944DCC4E3}"/>
-              </a:ext>
-            </a:extLst>
-          </p:cNvPr>
-          <p:cNvSpPr>
-            <a:spLocks noGrp="1"/>
-          </p:cNvSpPr>
-          <p:nvPr>
-            <p:ph idx="1"/>
-          </p:nvPr>
-        </p:nvSpPr>
-        <p:spPr/>
-        <p:txBody>
-          <a:bodyPr vert="horz" lIns="91440" tIns="45720" rIns="91440" bIns="45720" rtlCol="0" anchor="t">
-            <a:normAutofit/>
-          </a:bodyPr>
-          <a:lstStyle/>
-          <a:p>
-            <a:r>
-              <a:rPr lang="cs-CZ" sz="1200" dirty="0">
-                <a:ea typeface="+mn-lt"/>
-                <a:cs typeface="+mn-lt"/>
-              </a:rPr>
-              <a:t>https://www.policie.cz/</a:t>
-            </a:r>
-            <a:r>
-              <a:rPr lang="cs-CZ" sz="1200" dirty="0" err="1">
-                <a:ea typeface="+mn-lt"/>
-                <a:cs typeface="+mn-lt"/>
-              </a:rPr>
-              <a:t>clanek</a:t>
-            </a:r>
-            <a:r>
-              <a:rPr lang="cs-CZ" sz="1200" dirty="0">
-                <a:ea typeface="+mn-lt"/>
-                <a:cs typeface="+mn-lt"/>
-              </a:rPr>
-              <a:t>/jednotlive-druhy-kyberkriminality.aspx#:~:text=Neopr%C3%A1vn%C4%9Bn%C3%BD%20p%C5%99%C3%ADstup%20k%20po%C4%8D%C3%ADta%C4%8Dov%C3%A9mu%20syst%C3%A9mu,neposledn%C3%AD%20%C5%99ad%C4%9B%20i%20zneu%C5%BE%C3%ADv%C3%A1n%C3%AD%20za%C5%99%C3%ADzen%C3%AD.</a:t>
-            </a:r>
-          </a:p>
-          <a:p>
-            <a:r>
-              <a:rPr lang="en-US" sz="1200" dirty="0">
-                <a:ea typeface="+mn-lt"/>
-                <a:cs typeface="+mn-lt"/>
-              </a:rPr>
-              <a:t>https://www.centrumlidskaprava.cz/blog/moznost-pripojit-se-k-internetu-jako-lidske-pravo</a:t>
-            </a:r>
-            <a:endParaRPr lang="cs-CZ" sz="1200" dirty="0">
-              <a:ea typeface="+mn-lt"/>
-              <a:cs typeface="+mn-lt"/>
-            </a:endParaRPr>
-          </a:p>
-          <a:p>
-            <a:endParaRPr lang="en-US" sz="1200" dirty="0">
-              <a:ea typeface="+mn-lt"/>
-              <a:cs typeface="+mn-lt"/>
-            </a:endParaRPr>
-          </a:p>
-          <a:p>
-            <a:r>
-              <a:rPr lang="en-US" sz="1200" dirty="0" err="1">
-                <a:effectLst/>
-                <a:latin typeface="+mn-lt"/>
-              </a:rPr>
-              <a:t>Seznam</a:t>
-            </a:r>
-            <a:r>
-              <a:rPr lang="en-US" sz="1200" dirty="0">
-                <a:effectLst/>
-                <a:latin typeface="+mn-lt"/>
-              </a:rPr>
-              <a:t> </a:t>
-            </a:r>
-            <a:r>
-              <a:rPr lang="en-US" sz="1200" dirty="0" err="1">
-                <a:effectLst/>
-                <a:latin typeface="+mn-lt"/>
-              </a:rPr>
-              <a:t>odborné</a:t>
-            </a:r>
-            <a:r>
-              <a:rPr lang="en-US" sz="1200" dirty="0">
-                <a:effectLst/>
-                <a:latin typeface="+mn-lt"/>
-              </a:rPr>
-              <a:t> </a:t>
-            </a:r>
-            <a:r>
-              <a:rPr lang="en-US" sz="1200" dirty="0" err="1">
-                <a:effectLst/>
-                <a:latin typeface="+mn-lt"/>
-              </a:rPr>
-              <a:t>literatury</a:t>
-            </a:r>
-            <a:r>
-              <a:rPr lang="en-US" sz="1200" dirty="0">
-                <a:effectLst/>
-                <a:latin typeface="+mn-lt"/>
-              </a:rPr>
-              <a:t>:</a:t>
-            </a:r>
-            <a:br>
-              <a:rPr lang="en-US" sz="1200" dirty="0">
-                <a:effectLst/>
-                <a:latin typeface="+mn-lt"/>
-              </a:rPr>
-            </a:br>
-            <a:r>
-              <a:rPr lang="en-US" sz="1200" dirty="0">
-                <a:effectLst/>
-                <a:latin typeface="+mn-lt"/>
-              </a:rPr>
-              <a:t> &lt;</a:t>
-            </a:r>
-            <a:r>
-              <a:rPr lang="en-US" sz="1200" u="sng" dirty="0">
-                <a:effectLst/>
-                <a:latin typeface="+mn-lt"/>
-              </a:rPr>
-              <a:t>https://www.zakonyprolidi.cz/cs/2009-40</a:t>
-            </a:r>
-            <a:r>
-              <a:rPr lang="en-US" sz="1200" dirty="0">
-                <a:effectLst/>
-                <a:latin typeface="+mn-lt"/>
-              </a:rPr>
-              <a:t>&gt;  </a:t>
-            </a:r>
-            <a:r>
-              <a:rPr lang="en-US" sz="1200" dirty="0" err="1">
-                <a:effectLst/>
-                <a:latin typeface="+mn-lt"/>
-              </a:rPr>
-              <a:t>aktuální</a:t>
-            </a:r>
-            <a:r>
-              <a:rPr lang="en-US" sz="1200" dirty="0">
-                <a:effectLst/>
-                <a:latin typeface="+mn-lt"/>
-              </a:rPr>
-              <a:t> </a:t>
-            </a:r>
-            <a:r>
-              <a:rPr lang="en-US" sz="1200" dirty="0" err="1">
-                <a:effectLst/>
-                <a:latin typeface="+mn-lt"/>
-              </a:rPr>
-              <a:t>znění</a:t>
-            </a:r>
-            <a:endParaRPr lang="en-US" sz="1200" dirty="0">
-              <a:effectLst/>
-              <a:latin typeface="+mn-lt"/>
-            </a:endParaRPr>
-          </a:p>
-          <a:p>
-            <a:r>
-              <a:rPr lang="en-US" sz="1200" dirty="0">
-                <a:effectLst/>
-                <a:latin typeface="+mn-lt"/>
-              </a:rPr>
-              <a:t> Jan </a:t>
-            </a:r>
-            <a:r>
-              <a:rPr lang="en-US" sz="1200" dirty="0" err="1">
-                <a:effectLst/>
-                <a:latin typeface="+mn-lt"/>
-              </a:rPr>
-              <a:t>Kolouch</a:t>
-            </a:r>
-            <a:r>
-              <a:rPr lang="en-US" sz="1200" dirty="0">
-                <a:effectLst/>
-                <a:latin typeface="+mn-lt"/>
-              </a:rPr>
-              <a:t> a </a:t>
-            </a:r>
-            <a:r>
-              <a:rPr lang="en-US" sz="1200" dirty="0" err="1">
-                <a:effectLst/>
-                <a:latin typeface="+mn-lt"/>
-              </a:rPr>
-              <a:t>kolektiv</a:t>
-            </a:r>
-            <a:r>
-              <a:rPr lang="en-US" sz="1200" dirty="0">
-                <a:effectLst/>
-                <a:latin typeface="+mn-lt"/>
-              </a:rPr>
-              <a:t>, "CYBERSECURITY", &lt;</a:t>
-            </a:r>
-            <a:r>
-              <a:rPr lang="en-US" sz="1200" u="sng" dirty="0">
-                <a:effectLst/>
-                <a:latin typeface="+mn-lt"/>
-              </a:rPr>
-              <a:t>https://knihy.nic.cz/files/edice/cybersecurity.pdf</a:t>
-            </a:r>
-            <a:r>
-              <a:rPr lang="en-US" sz="1200" dirty="0">
-                <a:effectLst/>
-                <a:latin typeface="+mn-lt"/>
-              </a:rPr>
-              <a:t>&gt;</a:t>
-            </a:r>
-          </a:p>
-          <a:p>
-            <a:r>
-              <a:rPr lang="en-US" sz="1200" dirty="0">
-                <a:effectLst/>
-                <a:latin typeface="+mn-lt"/>
-              </a:rPr>
-              <a:t> &lt;</a:t>
-            </a:r>
-            <a:r>
-              <a:rPr lang="en-US" sz="1200" u="sng" dirty="0">
-                <a:effectLst/>
-                <a:latin typeface="+mn-lt"/>
-              </a:rPr>
-              <a:t>https://www.nukib.cz/cs/</a:t>
-            </a:r>
-            <a:r>
-              <a:rPr lang="en-US" sz="1200" dirty="0">
-                <a:effectLst/>
-                <a:latin typeface="+mn-lt"/>
-              </a:rPr>
-              <a:t>&gt;, </a:t>
-            </a:r>
-            <a:r>
-              <a:rPr lang="en-US" sz="1200" dirty="0" err="1">
-                <a:effectLst/>
-                <a:latin typeface="+mn-lt"/>
-              </a:rPr>
-              <a:t>vzdělávací</a:t>
-            </a:r>
-            <a:r>
-              <a:rPr lang="en-US" sz="1200" dirty="0">
-                <a:effectLst/>
-                <a:latin typeface="+mn-lt"/>
-              </a:rPr>
-              <a:t> </a:t>
-            </a:r>
-            <a:r>
-              <a:rPr lang="en-US" sz="1200" dirty="0" err="1">
-                <a:effectLst/>
-                <a:latin typeface="+mn-lt"/>
-              </a:rPr>
-              <a:t>materiály</a:t>
-            </a:r>
-            <a:endParaRPr lang="en-US" sz="1200" dirty="0">
-              <a:effectLst/>
-              <a:latin typeface="+mn-lt"/>
-            </a:endParaRPr>
-          </a:p>
-          <a:p>
-            <a:r>
-              <a:rPr lang="en-US" sz="1200" dirty="0">
-                <a:effectLst/>
-                <a:latin typeface="+mn-lt"/>
-              </a:rPr>
-              <a:t> &lt;</a:t>
-            </a:r>
-            <a:r>
-              <a:rPr lang="en-US" sz="1200" u="sng" dirty="0">
-                <a:effectLst/>
-                <a:latin typeface="+mn-lt"/>
-              </a:rPr>
-              <a:t>https://www.zakonyprolidi.cz/cs/2014-181</a:t>
-            </a:r>
-            <a:r>
-              <a:rPr lang="en-US" sz="1200" dirty="0">
-                <a:effectLst/>
-                <a:latin typeface="+mn-lt"/>
-              </a:rPr>
-              <a:t>&gt; </a:t>
-            </a:r>
-            <a:r>
-              <a:rPr lang="en-US" sz="1200" dirty="0" err="1">
-                <a:effectLst/>
-                <a:latin typeface="+mn-lt"/>
-              </a:rPr>
-              <a:t>aktuální</a:t>
-            </a:r>
-            <a:r>
-              <a:rPr lang="en-US" sz="1200" dirty="0">
-                <a:effectLst/>
-                <a:latin typeface="+mn-lt"/>
-              </a:rPr>
-              <a:t> </a:t>
-            </a:r>
-            <a:r>
-              <a:rPr lang="en-US" sz="1200" dirty="0" err="1">
-                <a:effectLst/>
-                <a:latin typeface="+mn-lt"/>
-              </a:rPr>
-              <a:t>znění</a:t>
-            </a:r>
-            <a:endParaRPr lang="en-US" sz="1200" dirty="0">
-              <a:effectLst/>
-              <a:latin typeface="+mn-lt"/>
-            </a:endParaRPr>
-          </a:p>
-          <a:p>
-            <a:endParaRPr lang="en-US" sz="1200" dirty="0">
-              <a:ea typeface="+mn-lt"/>
-              <a:cs typeface="+mn-lt"/>
-            </a:endParaRPr>
-          </a:p>
-          <a:p>
-            <a:endParaRPr lang="cs-CZ" sz="1200" dirty="0">
-              <a:ea typeface="+mn-lt"/>
-              <a:cs typeface="+mn-lt"/>
-            </a:endParaRPr>
+              <a:t>Děkuji za pozornost!</a:t>
+            </a:r>
           </a:p>
         </p:txBody>
       </p:sp>
     </p:spTree>
     <p:extLst>
       <p:ext uri="{BB962C8B-B14F-4D97-AF65-F5344CB8AC3E}">
-        <p14:creationId xmlns:p14="http://schemas.microsoft.com/office/powerpoint/2010/main" val="1594678827"/>
+        <p14:creationId xmlns:p14="http://schemas.microsoft.com/office/powerpoint/2010/main" val="3347645221"/>
       </p:ext>
     </p:extLst>
   </p:cSld>

--- a/Kochanek_projekt_II_it_use_liability.pptx
+++ b/Kochanek_projekt_II_it_use_liability.pptx
@@ -220,7 +220,7 @@
           <a:p>
             <a:fld id="{BBE73205-81ED-456F-9C45-E7D4927D1E88}" type="datetimeFigureOut">
               <a:rPr lang="cs-CZ" smtClean="0"/>
-              <a:t>01.06.2022</a:t>
+              <a:t>02.06.2022</a:t>
             </a:fld>
             <a:endParaRPr lang="cs-CZ"/>
           </a:p>
@@ -2353,20 +2353,6 @@
               </a:rPr>
               <a:t>Právní odpovědnost s připojením k internetu</a:t>
             </a:r>
-          </a:p>
-          <a:p>
-            <a:r>
-              <a:rPr lang="en-US" dirty="0" err="1">
-                <a:cs typeface="Calibri"/>
-              </a:rPr>
-              <a:t>Shrnut</a:t>
-            </a:r>
-            <a:r>
-              <a:rPr lang="cs-CZ" dirty="0">
-                <a:cs typeface="Calibri"/>
-              </a:rPr>
-              <a:t>í </a:t>
-            </a:r>
             <a:endParaRPr lang="en-US" dirty="0">
               <a:cs typeface="Calibri"/>
             </a:endParaRPr>
@@ -3123,7 +3109,7 @@
           <a:p>
             <a:r>
               <a:rPr lang="cs-CZ" dirty="0"/>
-              <a:t>Právní odpovědnost uživatele výpočetní techniky</a:t>
+              <a:t>Závěry</a:t>
             </a:r>
             <a:endParaRPr lang="en-US" dirty="0"/>
           </a:p>
@@ -3152,7 +3138,7 @@
           <a:p>
             <a:r>
               <a:rPr lang="cs-CZ" dirty="0"/>
-              <a:t>Ochrana osobních údajů</a:t>
+              <a:t>Dle trestního zákoníku uvedené </a:t>
             </a:r>
             <a:endParaRPr lang="en-US" dirty="0"/>
           </a:p>
